--- a/ppt-LatinR.pptx
+++ b/ppt-LatinR.pptx
@@ -10,6 +10,11 @@
     <p:sldId id="258" r:id="rId4"/>
     <p:sldId id="259" r:id="rId5"/>
     <p:sldId id="260" r:id="rId6"/>
+    <p:sldId id="261" r:id="rId7"/>
+    <p:sldId id="262" r:id="rId8"/>
+    <p:sldId id="263" r:id="rId9"/>
+    <p:sldId id="264" r:id="rId10"/>
+    <p:sldId id="265" r:id="rId11"/>
   </p:sldIdLst>
   <p:sldSz cx="9144000" cy="5143500" type="screen16x9"/>
   <p:notesSz cx="6858000" cy="9144000"/>
@@ -3119,7 +3124,7 @@
             </a:pPr>
             <a:r>
               <a:rPr/>
-              <a:t>De los datos a la acción</a:t>
+              <a:t>DE LOS DATOS A LA ACCIÓN</a:t>
             </a:r>
           </a:p>
         </p:txBody>
@@ -3151,7 +3156,7 @@
             <a:br/>
             <a:r>
               <a:rPr/>
-              <a:t>Alicia Valentina Franco Boscan, Maria Monserrat Perez Villanueva &amp; Jorge Ruiz Reyes</a:t>
+              <a:t>Maria Monserrat Perez Villanueva, Jorge Ruiz Reyez &amp; Alicia Valentina Franco Boscan Reyes</a:t>
             </a:r>
           </a:p>
         </p:txBody>
@@ -3176,7 +3181,372 @@
             </a:pPr>
             <a:r>
               <a:rPr/>
-              <a:t>2022-09-26</a:t>
+              <a:t>2022-09-28</a:t>
+            </a:r>
+          </a:p>
+        </p:txBody>
+      </p:sp>
+    </p:spTree>
+  </p:cSld>
+</p:sld>
+</file>
+
+<file path=ppt/slides/slide10.xml><?xml version="1.0" encoding="utf-8"?>
+<p:sld xmlns:a="http://schemas.openxmlformats.org/drawingml/2006/main" xmlns:r="http://schemas.openxmlformats.org/officeDocument/2006/relationships" xmlns:p="http://schemas.openxmlformats.org/presentationml/2006/main">
+  <p:cSld>
+    <p:spTree>
+      <p:nvGrpSpPr>
+        <p:cNvPr id="1" name=""/>
+        <p:cNvGrpSpPr/>
+        <p:nvPr/>
+      </p:nvGrpSpPr>
+      <p:grpSpPr>
+        <a:xfrm>
+          <a:off x="0" y="0"/>
+          <a:ext cx="0" cy="0"/>
+          <a:chOff x="0" y="0"/>
+          <a:chExt cx="0" cy="0"/>
+        </a:xfrm>
+      </p:grpSpPr>
+      <p:sp>
+        <p:nvSpPr>
+          <p:cNvPr id="2" name="Title 1"/>
+          <p:cNvSpPr>
+            <a:spLocks noGrp="1"/>
+          </p:cNvSpPr>
+          <p:nvPr>
+            <p:ph type="title"/>
+          </p:nvPr>
+        </p:nvSpPr>
+        <p:spPr/>
+        <p:txBody>
+          <a:bodyPr/>
+          <a:lstStyle/>
+          <a:p>
+            <a:pPr lvl="0" indent="0" marL="0">
+              <a:buNone/>
+            </a:pPr>
+            <a:r>
+              <a:rPr/>
+              <a:t>¿Cuáles son los retos?</a:t>
+            </a:r>
+          </a:p>
+        </p:txBody>
+      </p:sp>
+      <p:sp>
+        <p:nvSpPr>
+          <p:cNvPr id="3" name="Content Placeholder 2"/>
+          <p:cNvSpPr>
+            <a:spLocks noGrp="1"/>
+          </p:cNvSpPr>
+          <p:nvPr>
+            <p:ph idx="1"/>
+          </p:nvPr>
+        </p:nvSpPr>
+        <p:spPr/>
+        <p:txBody>
+          <a:bodyPr/>
+          <a:lstStyle/>
+          <a:p>
+            <a:pPr lvl="0"/>
+            <a:r>
+              <a:rPr/>
+              <a:t>Generar estos reportes toma un poco de tiempo por las expresiones reactive y por la generación de imágenes en formato PNG junto con ggplot.</a:t>
+            </a:r>
+          </a:p>
+          <a:p>
+            <a:pPr lvl="0"/>
+            <a:r>
+              <a:rPr/>
+              <a:t>Además, es necesario modificar el botón original de desarcarga en Shiny para poder integrar nuestra propia clase en CSS.</a:t>
+            </a:r>
+          </a:p>
+          <a:p>
+            <a:pPr lvl="0" indent="0">
+              <a:buNone/>
+            </a:pPr>
+            <a:r>
+              <a:rPr>
+                <a:latin typeface="Courier"/>
+              </a:rPr>
+              <a:t>myDownloadButton </a:t>
+            </a:r>
+            <a:r>
+              <a:rPr>
+                <a:solidFill>
+                  <a:srgbClr val="007020"/>
+                </a:solidFill>
+                <a:latin typeface="Courier"/>
+              </a:rPr>
+              <a:t>&lt;-</a:t>
+            </a:r>
+            <a:r>
+              <a:rPr>
+                <a:latin typeface="Courier"/>
+              </a:rPr>
+              <a:t> </a:t>
+            </a:r>
+            <a:r>
+              <a:rPr b="1">
+                <a:solidFill>
+                  <a:srgbClr val="007020"/>
+                </a:solidFill>
+                <a:latin typeface="Courier"/>
+              </a:rPr>
+              <a:t>function</a:t>
+            </a:r>
+            <a:r>
+              <a:rPr>
+                <a:latin typeface="Courier"/>
+              </a:rPr>
+              <a:t>(outputId, </a:t>
+            </a:r>
+            <a:br/>
+            <a:r>
+              <a:rPr>
+                <a:latin typeface="Courier"/>
+              </a:rPr>
+              <a:t>                             </a:t>
+            </a:r>
+            <a:r>
+              <a:rPr>
+                <a:solidFill>
+                  <a:srgbClr val="7D9029"/>
+                </a:solidFill>
+                <a:latin typeface="Courier"/>
+              </a:rPr>
+              <a:t>label =</a:t>
+            </a:r>
+            <a:r>
+              <a:rPr>
+                <a:latin typeface="Courier"/>
+              </a:rPr>
+              <a:t> </a:t>
+            </a:r>
+            <a:r>
+              <a:rPr>
+                <a:solidFill>
+                  <a:srgbClr val="4070A0"/>
+                </a:solidFill>
+                <a:latin typeface="Courier"/>
+              </a:rPr>
+              <a:t>"DESCARGA Y COMPARTE TUS RESULTADOS"</a:t>
+            </a:r>
+            <a:r>
+              <a:rPr>
+                <a:latin typeface="Courier"/>
+              </a:rPr>
+              <a:t>){</a:t>
+            </a:r>
+            <a:br/>
+            <a:r>
+              <a:rPr>
+                <a:latin typeface="Courier"/>
+              </a:rPr>
+              <a:t>  tags</a:t>
+            </a:r>
+            <a:r>
+              <a:rPr>
+                <a:solidFill>
+                  <a:srgbClr val="4070A0"/>
+                </a:solidFill>
+                <a:latin typeface="Courier"/>
+              </a:rPr>
+              <a:t>$</a:t>
+            </a:r>
+            <a:r>
+              <a:rPr>
+                <a:solidFill>
+                  <a:srgbClr val="06287E"/>
+                </a:solidFill>
+                <a:latin typeface="Courier"/>
+              </a:rPr>
+              <a:t>a</a:t>
+            </a:r>
+            <a:r>
+              <a:rPr>
+                <a:latin typeface="Courier"/>
+              </a:rPr>
+              <a:t>(</a:t>
+            </a:r>
+            <a:r>
+              <a:rPr>
+                <a:solidFill>
+                  <a:srgbClr val="7D9029"/>
+                </a:solidFill>
+                <a:latin typeface="Courier"/>
+              </a:rPr>
+              <a:t>id =</a:t>
+            </a:r>
+            <a:r>
+              <a:rPr>
+                <a:latin typeface="Courier"/>
+              </a:rPr>
+              <a:t> outputId, </a:t>
+            </a:r>
+            <a:r>
+              <a:rPr>
+                <a:solidFill>
+                  <a:srgbClr val="7D9029"/>
+                </a:solidFill>
+                <a:latin typeface="Courier"/>
+              </a:rPr>
+              <a:t>class =</a:t>
+            </a:r>
+            <a:r>
+              <a:rPr>
+                <a:latin typeface="Courier"/>
+              </a:rPr>
+              <a:t> </a:t>
+            </a:r>
+            <a:r>
+              <a:rPr>
+                <a:solidFill>
+                  <a:srgbClr val="4070A0"/>
+                </a:solidFill>
+                <a:latin typeface="Courier"/>
+              </a:rPr>
+              <a:t>"download-results-button shiny-download-link"</a:t>
+            </a:r>
+            <a:r>
+              <a:rPr>
+                <a:latin typeface="Courier"/>
+              </a:rPr>
+              <a:t>, </a:t>
+            </a:r>
+            <a:r>
+              <a:rPr>
+                <a:solidFill>
+                  <a:srgbClr val="7D9029"/>
+                </a:solidFill>
+                <a:latin typeface="Courier"/>
+              </a:rPr>
+              <a:t>href =</a:t>
+            </a:r>
+            <a:r>
+              <a:rPr>
+                <a:latin typeface="Courier"/>
+              </a:rPr>
+              <a:t> </a:t>
+            </a:r>
+            <a:r>
+              <a:rPr>
+                <a:solidFill>
+                  <a:srgbClr val="4070A0"/>
+                </a:solidFill>
+                <a:latin typeface="Courier"/>
+              </a:rPr>
+              <a:t>""</a:t>
+            </a:r>
+            <a:r>
+              <a:rPr>
+                <a:latin typeface="Courier"/>
+              </a:rPr>
+              <a:t>,</a:t>
+            </a:r>
+            <a:br/>
+            <a:r>
+              <a:rPr>
+                <a:latin typeface="Courier"/>
+              </a:rPr>
+              <a:t>         </a:t>
+            </a:r>
+            <a:r>
+              <a:rPr>
+                <a:solidFill>
+                  <a:srgbClr val="7D9029"/>
+                </a:solidFill>
+                <a:latin typeface="Courier"/>
+              </a:rPr>
+              <a:t>target =</a:t>
+            </a:r>
+            <a:r>
+              <a:rPr>
+                <a:latin typeface="Courier"/>
+              </a:rPr>
+              <a:t> </a:t>
+            </a:r>
+            <a:r>
+              <a:rPr>
+                <a:solidFill>
+                  <a:srgbClr val="4070A0"/>
+                </a:solidFill>
+                <a:latin typeface="Courier"/>
+              </a:rPr>
+              <a:t>"_blank"</a:t>
+            </a:r>
+            <a:r>
+              <a:rPr>
+                <a:latin typeface="Courier"/>
+              </a:rPr>
+              <a:t>, </a:t>
+            </a:r>
+            <a:r>
+              <a:rPr>
+                <a:solidFill>
+                  <a:srgbClr val="7D9029"/>
+                </a:solidFill>
+                <a:latin typeface="Courier"/>
+              </a:rPr>
+              <a:t>download =</a:t>
+            </a:r>
+            <a:r>
+              <a:rPr>
+                <a:latin typeface="Courier"/>
+              </a:rPr>
+              <a:t> </a:t>
+            </a:r>
+            <a:r>
+              <a:rPr>
+                <a:solidFill>
+                  <a:srgbClr val="880000"/>
+                </a:solidFill>
+                <a:latin typeface="Courier"/>
+              </a:rPr>
+              <a:t>NA</a:t>
+            </a:r>
+            <a:r>
+              <a:rPr>
+                <a:latin typeface="Courier"/>
+              </a:rPr>
+              <a:t>, </a:t>
+            </a:r>
+            <a:r>
+              <a:rPr>
+                <a:solidFill>
+                  <a:srgbClr val="880000"/>
+                </a:solidFill>
+                <a:latin typeface="Courier"/>
+              </a:rPr>
+              <a:t>NULL</a:t>
+            </a:r>
+            <a:r>
+              <a:rPr>
+                <a:latin typeface="Courier"/>
+              </a:rPr>
+              <a:t>, label)</a:t>
+            </a:r>
+            <a:br/>
+            <a:r>
+              <a:rPr>
+                <a:latin typeface="Courier"/>
+              </a:rPr>
+              <a:t>}</a:t>
+            </a:r>
+          </a:p>
+          <a:p>
+            <a:pPr lvl="0"/>
+            <a:r>
+              <a:rPr/>
+              <a:t>Actualmente no hay un paquete en Shiny o R que permita generar estas infografías sin usar </a:t>
+            </a:r>
+            <a:r>
+              <a:rPr i="1"/>
+              <a:t>Rmarkdown</a:t>
+            </a:r>
+            <a:r>
+              <a:rPr/>
+              <a:t>.</a:t>
             </a:r>
           </a:p>
         </p:txBody>
@@ -3223,7 +3593,7 @@
             </a:pPr>
             <a:r>
               <a:rPr/>
-              <a:t>R Markdown</a:t>
+              <a:t>Call to action de nuestra app</a:t>
             </a:r>
           </a:p>
         </p:txBody>
@@ -3243,39 +3613,17 @@
           <a:bodyPr/>
           <a:lstStyle/>
           <a:p>
-            <a:pPr lvl="0" indent="0" marL="0">
-              <a:buNone/>
-            </a:pPr>
+            <a:pPr lvl="0"/>
             <a:r>
               <a:rPr/>
-              <a:t>This is an R Markdown presentation. Markdown is a simple formatting syntax for authoring HTML, PDF, and MS Word documents. For more details on using R Markdown see </a:t>
-            </a:r>
-            <a:r>
-              <a:rPr>
-                <a:hlinkClick r:id="rId2"/>
-              </a:rPr>
-              <a:t>http://rmarkdown.rstudio.com</a:t>
-            </a:r>
+              <a:t>Envío de correos a legisladores en México para crear el Sistema Nacional de Cuidados.</a:t>
+            </a:r>
+          </a:p>
+          <a:p>
+            <a:pPr lvl="0"/>
             <a:r>
               <a:rPr/>
-              <a:t>.</a:t>
-            </a:r>
-          </a:p>
-          <a:p>
-            <a:pPr lvl="0" indent="0" marL="0">
-              <a:buNone/>
-            </a:pPr>
-            <a:r>
-              <a:rPr/>
-              <a:t>When you click the </a:t>
-            </a:r>
-            <a:r>
-              <a:rPr b="1"/>
-              <a:t>Knit</a:t>
-            </a:r>
-            <a:r>
-              <a:rPr/>
-              <a:t> button a document will be generated that includes both content as well as the output of any embedded R code chunks within the document.</a:t>
+              <a:t>Descarga de reportes con los resultados de las usuarias para concientizar sobre nuestra carga de cuidados en la sociedad y compartir en redes.</a:t>
             </a:r>
           </a:p>
         </p:txBody>
@@ -3322,7 +3670,7 @@
             </a:pPr>
             <a:r>
               <a:rPr/>
-              <a:t>Slide with Bullets</a:t>
+              <a:t>Cómo lo hicimos</a:t>
             </a:r>
           </a:p>
         </p:txBody>
@@ -3342,24 +3690,64 @@
           <a:bodyPr/>
           <a:lstStyle/>
           <a:p>
+            <a:pPr lvl="0" indent="0" marL="0">
+              <a:spcBef>
+                <a:spcPts val="3000"/>
+              </a:spcBef>
+              <a:buNone/>
+            </a:pPr>
+            <a:r>
+              <a:rPr b="1"/>
+              <a:t>1) Envío de correos</a:t>
+            </a:r>
+          </a:p>
+          <a:p>
             <a:pPr lvl="0"/>
             <a:r>
               <a:rPr/>
-              <a:t>Bullet 1</a:t>
+              <a:t>Creamos un módulo en Shiny donde se leen CSVs con correos de legisladores en México (diputadxs y senadorx)</a:t>
             </a:r>
           </a:p>
           <a:p>
             <a:pPr lvl="0"/>
             <a:r>
               <a:rPr/>
-              <a:t>Bullet 2</a:t>
+              <a:t>El módulo utiliza dos funciones desarrolladas por Data Cívica. La primera </a:t>
+            </a:r>
+            <a:r>
+              <a:rPr i="1"/>
+              <a:t>r get_representative_emails</a:t>
+            </a:r>
+            <a:r>
+              <a:rPr/>
+              <a:t> carga los correos de los representantes y filtra por estados con base en la información ingresada por la usuaria.</a:t>
             </a:r>
           </a:p>
           <a:p>
             <a:pPr lvl="0"/>
             <a:r>
               <a:rPr/>
-              <a:t>Bullet 3</a:t>
+              <a:t>La segunda función </a:t>
+            </a:r>
+            <a:r>
+              <a:rPr i="1"/>
+              <a:t>mod_emails_details_server</a:t>
+            </a:r>
+            <a:r>
+              <a:rPr/>
+              <a:t> prepara el correo para enviar desde la aplicación con base en un template donde se incluyen datos y las exigencias puntuales del movimiento </a:t>
+            </a:r>
+            <a:r>
+              <a:rPr i="1"/>
+              <a:t>#YoCuidoMéxico</a:t>
+            </a:r>
+            <a:r>
+              <a:rPr/>
+              <a:t> y la </a:t>
+            </a:r>
+            <a:r>
+              <a:rPr i="1"/>
+              <a:t>#RedNacionalDeCuidados</a:t>
             </a:r>
           </a:p>
         </p:txBody>
@@ -3406,7 +3794,7 @@
             </a:pPr>
             <a:r>
               <a:rPr/>
-              <a:t>Slide with R Output</a:t>
+              <a:t>Qué aprendimos</a:t>
             </a:r>
           </a:p>
         </p:txBody>
@@ -3426,40 +3814,25 @@
           <a:bodyPr/>
           <a:lstStyle/>
           <a:p>
-            <a:pPr lvl="0" indent="0">
-              <a:buNone/>
-            </a:pPr>
-            <a:r>
-              <a:rPr>
-                <a:solidFill>
-                  <a:srgbClr val="06287E"/>
-                </a:solidFill>
-                <a:latin typeface="Courier"/>
-              </a:rPr>
-              <a:t>summary</a:t>
-            </a:r>
-            <a:r>
-              <a:rPr>
-                <a:latin typeface="Courier"/>
-              </a:rPr>
-              <a:t>(cars)</a:t>
-            </a:r>
-          </a:p>
-          <a:p>
-            <a:pPr lvl="0" indent="0">
-              <a:buNone/>
-            </a:pPr>
-            <a:r>
-              <a:rPr>
-                <a:latin typeface="Courier"/>
-              </a:rPr>
-              <a:t>##      speed           dist       
-##  Min.   : 4.0   Min.   :  2.00  
-##  1st Qu.:12.0   1st Qu.: 26.00  
-##  Median :15.0   Median : 36.00  
-##  Mean   :15.4   Mean   : 42.98  
-##  3rd Qu.:19.0   3rd Qu.: 56.00  
-##  Max.   :25.0   Max.   :120.00</a:t>
+            <a:pPr lvl="0"/>
+            <a:r>
+              <a:rPr/>
+              <a:t>Si el envío de correos depende de información ingresada previamente por las usuarias, existen ventajas en crear nuestro propio módulo y funciones para el envío de correos (Template y carga de bases de datos con contactos)</a:t>
+            </a:r>
+          </a:p>
+          <a:p>
+            <a:pPr lvl="0"/>
+            <a:r>
+              <a:rPr/>
+              <a:t>Si los envíos de correos son sencillos podemos usar paquetes de R que solucionan esto como </a:t>
+            </a:r>
+            <a:r>
+              <a:rPr i="1"/>
+              <a:t>mailtoR</a:t>
+            </a:r>
+            <a:r>
+              <a:rPr/>
+              <a:t>. Actualmente estamos usando este paquete para una nueva app donde no tenemos que cargar listas de correos de personas.</a:t>
             </a:r>
           </a:p>
         </p:txBody>
@@ -3506,14 +3879,399 @@
             </a:pPr>
             <a:r>
               <a:rPr/>
-              <a:t>Slide with Plot</a:t>
+              <a:t>Cómo lo hicimos</a:t>
+            </a:r>
+          </a:p>
+        </p:txBody>
+      </p:sp>
+      <p:sp>
+        <p:nvSpPr>
+          <p:cNvPr id="3" name="Content Placeholder 2"/>
+          <p:cNvSpPr>
+            <a:spLocks noGrp="1"/>
+          </p:cNvSpPr>
+          <p:nvPr>
+            <p:ph idx="1"/>
+          </p:nvPr>
+        </p:nvSpPr>
+        <p:spPr/>
+        <p:txBody>
+          <a:bodyPr/>
+          <a:lstStyle/>
+          <a:p>
+            <a:pPr lvl="0" indent="0" marL="0">
+              <a:spcBef>
+                <a:spcPts val="3000"/>
+              </a:spcBef>
+              <a:buNone/>
+            </a:pPr>
+            <a:r>
+              <a:rPr b="1"/>
+              <a:t>2) Reportes con resultados de las usuarias</a:t>
+            </a:r>
+          </a:p>
+          <a:p>
+            <a:pPr lvl="0"/>
+            <a:r>
+              <a:rPr/>
+              <a:t>¿Qué queríamos?</a:t>
+            </a:r>
+          </a:p>
+          <a:p>
+            <a:pPr lvl="0"/>
+            <a:r>
+              <a:rPr/>
+              <a:t>Queríamos que las usuarias pudieran descargar reportes con los resultados principales de su carga de cuidados. Es decir, su distribución de horas, las actividades que pueden o han dejado de hacer por su carga de cuidados y su contrafactual.</a:t>
+            </a:r>
+          </a:p>
+        </p:txBody>
+      </p:sp>
+    </p:spTree>
+  </p:cSld>
+</p:sld>
+</file>
+
+<file path=ppt/slides/slide6.xml><?xml version="1.0" encoding="utf-8"?>
+<p:sld xmlns:a="http://schemas.openxmlformats.org/drawingml/2006/main" xmlns:r="http://schemas.openxmlformats.org/officeDocument/2006/relationships" xmlns:p="http://schemas.openxmlformats.org/presentationml/2006/main">
+  <p:cSld>
+    <p:spTree>
+      <p:nvGrpSpPr>
+        <p:cNvPr id="1" name=""/>
+        <p:cNvGrpSpPr/>
+        <p:nvPr/>
+      </p:nvGrpSpPr>
+      <p:grpSpPr>
+        <a:xfrm>
+          <a:off x="0" y="0"/>
+          <a:ext cx="0" cy="0"/>
+          <a:chOff x="0" y="0"/>
+          <a:chExt cx="0" cy="0"/>
+        </a:xfrm>
+      </p:grpSpPr>
+      <p:sp>
+        <p:nvSpPr>
+          <p:cNvPr id="3" name="Content Placeholder 2"/>
+          <p:cNvSpPr>
+            <a:spLocks noGrp="1"/>
+          </p:cNvSpPr>
+          <p:nvPr>
+            <p:ph idx="1"/>
+          </p:nvPr>
+        </p:nvSpPr>
+        <p:spPr/>
+        <p:txBody>
+          <a:bodyPr/>
+          <a:lstStyle/>
+          <a:p>
+            <a:pPr lvl="0" indent="0" marL="0">
+              <a:buNone/>
+            </a:pPr>
+            <a:r>
+              <a:rPr/>
+              <a:t>¿Cuál era el reto principal?</a:t>
+            </a:r>
+          </a:p>
+          <a:p>
+            <a:pPr lvl="0" indent="0" marL="0">
+              <a:buNone/>
+            </a:pPr>
+            <a:r>
+              <a:rPr/>
+              <a:t>Queríamos generar infografías que se descargaran en formato PNG para que las usuarias puedan compartir sus carga de cuidados en redes sociales como </a:t>
+            </a:r>
+            <a:r>
+              <a:rPr i="1"/>
+              <a:t>Twitter</a:t>
+            </a:r>
+            <a:r>
+              <a:rPr/>
+              <a:t> o </a:t>
+            </a:r>
+            <a:r>
+              <a:rPr i="1"/>
+              <a:t>Instagram</a:t>
+            </a:r>
+          </a:p>
+          <a:p>
+            <a:pPr lvl="0" indent="0" marL="0">
+              <a:buNone/>
+            </a:pPr>
+            <a:r>
+              <a:rPr/>
+              <a:t>Por lo tanto… tuvimos que desarrollar nuestra propia forma de generar reportes en Shiny, ya que no podíamos usar reportes de Rmarkdown ya que éste no permite descargar en PNG. Además, necesitábamos más flexibilidad para expresiones reactive de Shiny.</a:t>
+            </a:r>
+          </a:p>
+        </p:txBody>
+      </p:sp>
+    </p:spTree>
+  </p:cSld>
+</p:sld>
+</file>
+
+<file path=ppt/slides/slide7.xml><?xml version="1.0" encoding="utf-8"?>
+<p:sld xmlns:a="http://schemas.openxmlformats.org/drawingml/2006/main" xmlns:r="http://schemas.openxmlformats.org/officeDocument/2006/relationships" xmlns:p="http://schemas.openxmlformats.org/presentationml/2006/main">
+  <p:cSld>
+    <p:spTree>
+      <p:nvGrpSpPr>
+        <p:cNvPr id="1" name=""/>
+        <p:cNvGrpSpPr/>
+        <p:nvPr/>
+      </p:nvGrpSpPr>
+      <p:grpSpPr>
+        <a:xfrm>
+          <a:off x="0" y="0"/>
+          <a:ext cx="0" cy="0"/>
+          <a:chOff x="0" y="0"/>
+          <a:chExt cx="0" cy="0"/>
+        </a:xfrm>
+      </p:grpSpPr>
+      <p:sp>
+        <p:nvSpPr>
+          <p:cNvPr id="2" name="Title 1"/>
+          <p:cNvSpPr>
+            <a:spLocks noGrp="1"/>
+          </p:cNvSpPr>
+          <p:nvPr>
+            <p:ph type="title"/>
+          </p:nvPr>
+        </p:nvSpPr>
+        <p:spPr/>
+        <p:txBody>
+          <a:bodyPr/>
+          <a:lstStyle/>
+          <a:p>
+            <a:pPr lvl="0" indent="0" marL="0">
+              <a:buNone/>
+            </a:pPr>
+            <a:r>
+              <a:rPr/>
+              <a:t>¿Cómo se generan los reportes de las usuarias?</a:t>
+            </a:r>
+          </a:p>
+        </p:txBody>
+      </p:sp>
+      <p:sp>
+        <p:nvSpPr>
+          <p:cNvPr id="3" name="Content Placeholder 2"/>
+          <p:cNvSpPr>
+            <a:spLocks noGrp="1"/>
+          </p:cNvSpPr>
+          <p:nvPr>
+            <p:ph idx="1"/>
+          </p:nvPr>
+        </p:nvSpPr>
+        <p:spPr/>
+        <p:txBody>
+          <a:bodyPr/>
+          <a:lstStyle/>
+          <a:p>
+            <a:pPr lvl="0"/>
+            <a:r>
+              <a:rPr/>
+              <a:t>Creamos un módulo donde se generan los tres reportes de resultados y se unen al final en un zip con los botones de descarga integrados en Shiny.</a:t>
+            </a:r>
+          </a:p>
+          <a:p>
+            <a:pPr lvl="0"/>
+            <a:r>
+              <a:rPr/>
+              <a:t>Unimos este módulo con los módulos donde se genera la gráfica de distribución y el contrafactual de la app.</a:t>
+            </a:r>
+          </a:p>
+          <a:p>
+            <a:pPr lvl="0"/>
+            <a:r>
+              <a:rPr/>
+              <a:t>Utilizamos </a:t>
+            </a:r>
+            <a:r>
+              <a:rPr i="1"/>
+              <a:t>ggplot</a:t>
+            </a:r>
+            <a:r>
+              <a:rPr/>
+              <a:t>, </a:t>
+            </a:r>
+            <a:r>
+              <a:rPr i="1"/>
+              <a:t>ggtext</a:t>
+            </a:r>
+            <a:r>
+              <a:rPr/>
+              <a:t> y </a:t>
+            </a:r>
+            <a:r>
+              <a:rPr i="1"/>
+              <a:t>cowplot</a:t>
+            </a:r>
+            <a:r>
+              <a:rPr/>
+              <a:t> para generar cada uno de los reportes.</a:t>
+            </a:r>
+          </a:p>
+        </p:txBody>
+      </p:sp>
+    </p:spTree>
+  </p:cSld>
+</p:sld>
+</file>
+
+<file path=ppt/slides/slide8.xml><?xml version="1.0" encoding="utf-8"?>
+<p:sld xmlns:a="http://schemas.openxmlformats.org/drawingml/2006/main" xmlns:r="http://schemas.openxmlformats.org/officeDocument/2006/relationships" xmlns:p="http://schemas.openxmlformats.org/presentationml/2006/main">
+  <p:cSld>
+    <p:spTree>
+      <p:nvGrpSpPr>
+        <p:cNvPr id="1" name=""/>
+        <p:cNvGrpSpPr/>
+        <p:nvPr/>
+      </p:nvGrpSpPr>
+      <p:grpSpPr>
+        <a:xfrm>
+          <a:off x="0" y="0"/>
+          <a:ext cx="0" cy="0"/>
+          <a:chOff x="0" y="0"/>
+          <a:chExt cx="0" cy="0"/>
+        </a:xfrm>
+      </p:grpSpPr>
+      <p:sp>
+        <p:nvSpPr>
+          <p:cNvPr id="2" name="Title 1"/>
+          <p:cNvSpPr>
+            <a:spLocks noGrp="1"/>
+          </p:cNvSpPr>
+          <p:nvPr>
+            <p:ph type="title"/>
+          </p:nvPr>
+        </p:nvSpPr>
+        <p:spPr/>
+        <p:txBody>
+          <a:bodyPr/>
+          <a:lstStyle/>
+          <a:p>
+            <a:pPr lvl="0" indent="0" marL="0">
+              <a:buNone/>
+            </a:pPr>
+            <a:r>
+              <a:rPr/>
+              <a:t>¿Cómo se generan los reportes de las usuarias?</a:t>
+            </a:r>
+          </a:p>
+        </p:txBody>
+      </p:sp>
+      <p:sp>
+        <p:nvSpPr>
+          <p:cNvPr id="3" name="Content Placeholder 2"/>
+          <p:cNvSpPr>
+            <a:spLocks noGrp="1"/>
+          </p:cNvSpPr>
+          <p:nvPr>
+            <p:ph idx="1"/>
+          </p:nvPr>
+        </p:nvSpPr>
+        <p:spPr/>
+        <p:txBody>
+          <a:bodyPr/>
+          <a:lstStyle/>
+          <a:p>
+            <a:pPr lvl="0" indent="0" marL="0">
+              <a:spcBef>
+                <a:spcPts val="3000"/>
+              </a:spcBef>
+              <a:buNone/>
+            </a:pPr>
+            <a:r>
+              <a:rPr b="1"/>
+              <a:t>Pasos:</a:t>
+            </a:r>
+          </a:p>
+          <a:p>
+            <a:pPr lvl="0" indent="-342900" marL="342900">
+              <a:buAutoNum type="arabicPeriod"/>
+            </a:pPr>
+            <a:r>
+              <a:rPr/>
+              <a:t>Con base en el resultado de las usuarias, guardamos las gráficas en un archivo temporal dentro de la app.</a:t>
+            </a:r>
+          </a:p>
+          <a:p>
+            <a:pPr lvl="0" indent="-342900" marL="342900">
+              <a:buAutoNum type="arabicPeriod"/>
+            </a:pPr>
+            <a:r>
+              <a:rPr/>
+              <a:t>Generamos ggplots donde se redactan los textos parametrizados con base en los resultados utilizando ggtext.</a:t>
+            </a:r>
+          </a:p>
+          <a:p>
+            <a:pPr lvl="0" indent="-342900" marL="342900">
+              <a:buAutoNum type="arabicPeriod"/>
+            </a:pPr>
+            <a:r>
+              <a:rPr/>
+              <a:t>Unimos este ggplot con las gráficas de distribución y el contrafactual. Además, generamos otro reporte con imágenes de las actividades que como leer libros, ir al cine o cotizar seguridad social.</a:t>
+            </a:r>
+          </a:p>
+          <a:p>
+            <a:pPr lvl="0" indent="-342900" marL="342900">
+              <a:buAutoNum type="arabicPeriod"/>
+            </a:pPr>
+            <a:r>
+              <a:rPr/>
+              <a:t>Las usarias obtienen un archivo zip con los resultados principales en formato PNG que podrán compartir en redes o con familiares y personas cercanas.</a:t>
+            </a:r>
+          </a:p>
+        </p:txBody>
+      </p:sp>
+    </p:spTree>
+  </p:cSld>
+</p:sld>
+</file>
+
+<file path=ppt/slides/slide9.xml><?xml version="1.0" encoding="utf-8"?>
+<p:sld xmlns:a="http://schemas.openxmlformats.org/drawingml/2006/main" xmlns:r="http://schemas.openxmlformats.org/officeDocument/2006/relationships" xmlns:p="http://schemas.openxmlformats.org/presentationml/2006/main">
+  <p:cSld>
+    <p:spTree>
+      <p:nvGrpSpPr>
+        <p:cNvPr id="1" name=""/>
+        <p:cNvGrpSpPr/>
+        <p:nvPr/>
+      </p:nvGrpSpPr>
+      <p:grpSpPr>
+        <a:xfrm>
+          <a:off x="0" y="0"/>
+          <a:ext cx="0" cy="0"/>
+          <a:chOff x="0" y="0"/>
+          <a:chExt cx="0" cy="0"/>
+        </a:xfrm>
+      </p:grpSpPr>
+      <p:sp>
+        <p:nvSpPr>
+          <p:cNvPr id="2" name="Title 1"/>
+          <p:cNvSpPr>
+            <a:spLocks noGrp="1"/>
+          </p:cNvSpPr>
+          <p:nvPr>
+            <p:ph type="title"/>
+          </p:nvPr>
+        </p:nvSpPr>
+        <p:spPr/>
+        <p:txBody>
+          <a:bodyPr/>
+          <a:lstStyle/>
+          <a:p>
+            <a:pPr lvl="0" indent="0" marL="0">
+              <a:buNone/>
+            </a:pPr>
+            <a:r>
+              <a:rPr/>
+              <a:t>Ejemplo</a:t>
             </a:r>
           </a:p>
         </p:txBody>
       </p:sp>
       <p:pic>
         <p:nvPicPr>
-          <p:cNvPr descr="ppt-LatinR_files/figure-pptx/pressure-1.png" id="0" name="Picture 1"/>
+          <p:cNvPr descr="input/mi-reporte-1.png" id="0" name="Picture 1"/>
           <p:cNvPicPr>
             <a:picLocks noGrp="1" noChangeAspect="1"/>
           </p:cNvPicPr>
@@ -3527,8 +4285,8 @@
         </p:blipFill>
         <p:spPr bwMode="auto">
           <a:xfrm>
-            <a:off x="2451100" y="1193800"/>
-            <a:ext cx="4241800" cy="3390900"/>
+            <a:off x="2870200" y="1193800"/>
+            <a:ext cx="3390900" cy="3390900"/>
           </a:xfrm>
           <a:prstGeom prst="rect">
             <a:avLst/>

--- a/ppt-LatinR.pptx
+++ b/ppt-LatinR.pptx
@@ -10,6 +10,12 @@
     <p:sldId id="258" r:id="rId4"/>
     <p:sldId id="259" r:id="rId5"/>
     <p:sldId id="260" r:id="rId6"/>
+    <p:sldId id="261" r:id="rId7"/>
+    <p:sldId id="262" r:id="rId8"/>
+    <p:sldId id="263" r:id="rId9"/>
+    <p:sldId id="264" r:id="rId10"/>
+    <p:sldId id="265" r:id="rId11"/>
+    <p:sldId id="266" r:id="rId12"/>
   </p:sldIdLst>
   <p:sldSz cx="9144000" cy="5143500" type="screen16x9"/>
   <p:notesSz cx="6858000" cy="9144000"/>
@@ -3119,7 +3125,7 @@
             </a:pPr>
             <a:r>
               <a:rPr/>
-              <a:t>De los datos a la acción</a:t>
+              <a:t>DE LOS DATOS A LA ACCIÓN:Shiny como herramienta para la divulgación y el cambio social</a:t>
             </a:r>
           </a:p>
         </p:txBody>
@@ -3151,7 +3157,7 @@
             <a:br/>
             <a:r>
               <a:rPr/>
-              <a:t>Alicia Valentina Franco Boscan, Maria Monserrat Perez Villanueva &amp; Jorge Ruiz Reyes</a:t>
+              <a:t>Maria Monserrat Perez Villanueva, Jorge Ruiz Reyes &amp; Alicia Valentina Franco Boscan</a:t>
             </a:r>
           </a:p>
         </p:txBody>
@@ -3176,7 +3182,458 @@
             </a:pPr>
             <a:r>
               <a:rPr/>
-              <a:t>2022-09-26</a:t>
+              <a:t>2022-09-28</a:t>
+            </a:r>
+          </a:p>
+        </p:txBody>
+      </p:sp>
+    </p:spTree>
+  </p:cSld>
+</p:sld>
+</file>
+
+<file path=ppt/slides/slide10.xml><?xml version="1.0" encoding="utf-8"?>
+<p:sld xmlns:a="http://schemas.openxmlformats.org/drawingml/2006/main" xmlns:r="http://schemas.openxmlformats.org/officeDocument/2006/relationships" xmlns:p="http://schemas.openxmlformats.org/presentationml/2006/main">
+  <p:cSld>
+    <p:spTree>
+      <p:nvGrpSpPr>
+        <p:cNvPr id="1" name=""/>
+        <p:cNvGrpSpPr/>
+        <p:nvPr/>
+      </p:nvGrpSpPr>
+      <p:grpSpPr>
+        <a:xfrm>
+          <a:off x="0" y="0"/>
+          <a:ext cx="0" cy="0"/>
+          <a:chOff x="0" y="0"/>
+          <a:chExt cx="0" cy="0"/>
+        </a:xfrm>
+      </p:grpSpPr>
+      <p:sp>
+        <p:nvSpPr>
+          <p:cNvPr id="2" name="Title 1"/>
+          <p:cNvSpPr>
+            <a:spLocks noGrp="1"/>
+          </p:cNvSpPr>
+          <p:nvPr>
+            <p:ph type="title"/>
+          </p:nvPr>
+        </p:nvSpPr>
+        <p:spPr/>
+        <p:txBody>
+          <a:bodyPr/>
+          <a:lstStyle/>
+          <a:p>
+            <a:pPr lvl="0" indent="0" marL="0">
+              <a:buNone/>
+            </a:pPr>
+            <a:r>
+              <a:rPr/>
+              <a:t>Solucion con media queries</a:t>
+            </a:r>
+          </a:p>
+        </p:txBody>
+      </p:sp>
+      <p:sp>
+        <p:nvSpPr>
+          <p:cNvPr id="3" name="Content Placeholder 2"/>
+          <p:cNvSpPr>
+            <a:spLocks noGrp="1"/>
+          </p:cNvSpPr>
+          <p:nvPr>
+            <p:ph idx="1"/>
+          </p:nvPr>
+        </p:nvSpPr>
+        <p:spPr/>
+        <p:txBody>
+          <a:bodyPr/>
+          <a:lstStyle/>
+          <a:p>
+            <a:pPr lvl="0" indent="0">
+              <a:buNone/>
+            </a:pPr>
+            <a:br/>
+            <a:r>
+              <a:rPr b="1">
+                <a:solidFill>
+                  <a:srgbClr val="008000"/>
+                </a:solidFill>
+                <a:latin typeface="Courier"/>
+              </a:rPr>
+              <a:t>@media</a:t>
+            </a:r>
+            <a:r>
+              <a:rPr>
+                <a:latin typeface="Courier"/>
+              </a:rPr>
+              <a:t> (</a:t>
+            </a:r>
+            <a:r>
+              <a:rPr b="1">
+                <a:solidFill>
+                  <a:srgbClr val="007020"/>
+                </a:solidFill>
+                <a:latin typeface="Courier"/>
+              </a:rPr>
+              <a:t>min-width</a:t>
+            </a:r>
+            <a:r>
+              <a:rPr>
+                <a:latin typeface="Courier"/>
+              </a:rPr>
+              <a:t>: </a:t>
+            </a:r>
+            <a:r>
+              <a:rPr>
+                <a:solidFill>
+                  <a:srgbClr val="40A070"/>
+                </a:solidFill>
+                <a:latin typeface="Courier"/>
+              </a:rPr>
+              <a:t>768</a:t>
+            </a:r>
+            <a:r>
+              <a:rPr>
+                <a:latin typeface="Courier"/>
+              </a:rPr>
+              <a:t> px) {</a:t>
+            </a:r>
+            <a:br/>
+            <a:br/>
+            <a:r>
+              <a:rPr>
+                <a:solidFill>
+                  <a:srgbClr val="06287E"/>
+                </a:solidFill>
+                <a:latin typeface="Courier"/>
+              </a:rPr>
+              <a:t>.graph-container</a:t>
+            </a:r>
+            <a:r>
+              <a:rPr>
+                <a:latin typeface="Courier"/>
+              </a:rPr>
+              <a:t>{</a:t>
+            </a:r>
+            <a:br/>
+            <a:r>
+              <a:rPr>
+                <a:latin typeface="Courier"/>
+              </a:rPr>
+              <a:t>            </a:t>
+            </a:r>
+            <a:r>
+              <a:rPr b="1">
+                <a:solidFill>
+                  <a:srgbClr val="007020"/>
+                </a:solidFill>
+                <a:latin typeface="Courier"/>
+              </a:rPr>
+              <a:t>flex</a:t>
+            </a:r>
+            <a:r>
+              <a:rPr>
+                <a:latin typeface="Courier"/>
+              </a:rPr>
+              <a:t>: </a:t>
+            </a:r>
+            <a:r>
+              <a:rPr>
+                <a:solidFill>
+                  <a:srgbClr val="40A070"/>
+                </a:solidFill>
+                <a:latin typeface="Courier"/>
+              </a:rPr>
+              <a:t>0</a:t>
+            </a:r>
+            <a:r>
+              <a:rPr>
+                <a:latin typeface="Courier"/>
+              </a:rPr>
+              <a:t> </a:t>
+            </a:r>
+            <a:r>
+              <a:rPr>
+                <a:solidFill>
+                  <a:srgbClr val="40A070"/>
+                </a:solidFill>
+                <a:latin typeface="Courier"/>
+              </a:rPr>
+              <a:t>0</a:t>
+            </a:r>
+            <a:r>
+              <a:rPr>
+                <a:latin typeface="Courier"/>
+              </a:rPr>
+              <a:t> </a:t>
+            </a:r>
+            <a:r>
+              <a:rPr>
+                <a:solidFill>
+                  <a:srgbClr val="008000"/>
+                </a:solidFill>
+                <a:latin typeface="Courier"/>
+              </a:rPr>
+              <a:t>auto</a:t>
+            </a:r>
+            <a:r>
+              <a:rPr>
+                <a:solidFill>
+                  <a:srgbClr val="666666"/>
+                </a:solidFill>
+                <a:latin typeface="Courier"/>
+              </a:rPr>
+              <a:t>;</a:t>
+            </a:r>
+            <a:br/>
+            <a:r>
+              <a:rPr>
+                <a:latin typeface="Courier"/>
+              </a:rPr>
+              <a:t>            </a:t>
+            </a:r>
+            <a:r>
+              <a:rPr b="1">
+                <a:solidFill>
+                  <a:srgbClr val="007020"/>
+                </a:solidFill>
+                <a:latin typeface="Courier"/>
+              </a:rPr>
+              <a:t>width</a:t>
+            </a:r>
+            <a:r>
+              <a:rPr>
+                <a:latin typeface="Courier"/>
+              </a:rPr>
+              <a:t>: </a:t>
+            </a:r>
+            <a:r>
+              <a:rPr>
+                <a:solidFill>
+                  <a:srgbClr val="40A070"/>
+                </a:solidFill>
+                <a:latin typeface="Courier"/>
+              </a:rPr>
+              <a:t>66.66667</a:t>
+            </a:r>
+            <a:r>
+              <a:rPr>
+                <a:latin typeface="Courier"/>
+              </a:rPr>
+              <a:t> %</a:t>
+            </a:r>
+            <a:r>
+              <a:rPr>
+                <a:solidFill>
+                  <a:srgbClr val="666666"/>
+                </a:solidFill>
+                <a:latin typeface="Courier"/>
+              </a:rPr>
+              <a:t>;</a:t>
+            </a:r>
+            <a:br/>
+            <a:r>
+              <a:rPr>
+                <a:latin typeface="Courier"/>
+              </a:rPr>
+              <a:t>            }</a:t>
+            </a:r>
+            <a:br/>
+            <a:br/>
+            <a:r>
+              <a:rPr>
+                <a:solidFill>
+                  <a:srgbClr val="06287E"/>
+                </a:solidFill>
+                <a:latin typeface="Courier"/>
+              </a:rPr>
+              <a:t>.text-container</a:t>
+            </a:r>
+            <a:r>
+              <a:rPr>
+                <a:latin typeface="Courier"/>
+              </a:rPr>
+              <a:t>{</a:t>
+            </a:r>
+            <a:br/>
+            <a:r>
+              <a:rPr>
+                <a:latin typeface="Courier"/>
+              </a:rPr>
+              <a:t>            </a:t>
+            </a:r>
+            <a:r>
+              <a:rPr b="1">
+                <a:solidFill>
+                  <a:srgbClr val="007020"/>
+                </a:solidFill>
+                <a:latin typeface="Courier"/>
+              </a:rPr>
+              <a:t>flex</a:t>
+            </a:r>
+            <a:r>
+              <a:rPr>
+                <a:latin typeface="Courier"/>
+              </a:rPr>
+              <a:t>: </a:t>
+            </a:r>
+            <a:r>
+              <a:rPr>
+                <a:solidFill>
+                  <a:srgbClr val="40A070"/>
+                </a:solidFill>
+                <a:latin typeface="Courier"/>
+              </a:rPr>
+              <a:t>0</a:t>
+            </a:r>
+            <a:r>
+              <a:rPr>
+                <a:latin typeface="Courier"/>
+              </a:rPr>
+              <a:t> </a:t>
+            </a:r>
+            <a:r>
+              <a:rPr>
+                <a:solidFill>
+                  <a:srgbClr val="40A070"/>
+                </a:solidFill>
+                <a:latin typeface="Courier"/>
+              </a:rPr>
+              <a:t>0</a:t>
+            </a:r>
+            <a:r>
+              <a:rPr>
+                <a:latin typeface="Courier"/>
+              </a:rPr>
+              <a:t> </a:t>
+            </a:r>
+            <a:r>
+              <a:rPr>
+                <a:solidFill>
+                  <a:srgbClr val="008000"/>
+                </a:solidFill>
+                <a:latin typeface="Courier"/>
+              </a:rPr>
+              <a:t>auto</a:t>
+            </a:r>
+            <a:r>
+              <a:rPr>
+                <a:solidFill>
+                  <a:srgbClr val="666666"/>
+                </a:solidFill>
+                <a:latin typeface="Courier"/>
+              </a:rPr>
+              <a:t>;</a:t>
+            </a:r>
+            <a:br/>
+            <a:r>
+              <a:rPr>
+                <a:latin typeface="Courier"/>
+              </a:rPr>
+              <a:t>            </a:t>
+            </a:r>
+            <a:r>
+              <a:rPr b="1">
+                <a:solidFill>
+                  <a:srgbClr val="007020"/>
+                </a:solidFill>
+                <a:latin typeface="Courier"/>
+              </a:rPr>
+              <a:t>width</a:t>
+            </a:r>
+            <a:r>
+              <a:rPr>
+                <a:latin typeface="Courier"/>
+              </a:rPr>
+              <a:t>:</a:t>
+            </a:r>
+            <a:r>
+              <a:rPr>
+                <a:solidFill>
+                  <a:srgbClr val="40A070"/>
+                </a:solidFill>
+                <a:latin typeface="Courier"/>
+              </a:rPr>
+              <a:t>25</a:t>
+            </a:r>
+            <a:r>
+              <a:rPr>
+                <a:solidFill>
+                  <a:srgbClr val="902000"/>
+                </a:solidFill>
+                <a:latin typeface="Courier"/>
+              </a:rPr>
+              <a:t>%</a:t>
+            </a:r>
+            <a:r>
+              <a:rPr>
+                <a:solidFill>
+                  <a:srgbClr val="666666"/>
+                </a:solidFill>
+                <a:latin typeface="Courier"/>
+              </a:rPr>
+              <a:t>;</a:t>
+            </a:r>
+            <a:br/>
+            <a:r>
+              <a:rPr>
+                <a:latin typeface="Courier"/>
+              </a:rPr>
+              <a:t>            }</a:t>
+            </a:r>
+            <a:br/>
+            <a:r>
+              <a:rPr>
+                <a:latin typeface="Courier"/>
+              </a:rPr>
+              <a:t>}</a:t>
+            </a:r>
+          </a:p>
+        </p:txBody>
+      </p:sp>
+    </p:spTree>
+  </p:cSld>
+</p:sld>
+</file>
+
+<file path=ppt/slides/slide11.xml><?xml version="1.0" encoding="utf-8"?>
+<p:sld xmlns:a="http://schemas.openxmlformats.org/drawingml/2006/main" xmlns:r="http://schemas.openxmlformats.org/officeDocument/2006/relationships" xmlns:p="http://schemas.openxmlformats.org/presentationml/2006/main">
+  <p:cSld>
+    <p:spTree>
+      <p:nvGrpSpPr>
+        <p:cNvPr id="1" name=""/>
+        <p:cNvGrpSpPr/>
+        <p:nvPr/>
+      </p:nvGrpSpPr>
+      <p:grpSpPr>
+        <a:xfrm>
+          <a:off x="0" y="0"/>
+          <a:ext cx="0" cy="0"/>
+          <a:chOff x="0" y="0"/>
+          <a:chExt cx="0" cy="0"/>
+        </a:xfrm>
+      </p:grpSpPr>
+      <p:sp>
+        <p:nvSpPr>
+          <p:cNvPr id="2" name="Title 1"/>
+          <p:cNvSpPr>
+            <a:spLocks noGrp="1"/>
+          </p:cNvSpPr>
+          <p:nvPr>
+            <p:ph type="title"/>
+          </p:nvPr>
+        </p:nvSpPr>
+        <p:spPr/>
+        <p:txBody>
+          <a:bodyPr/>
+          <a:lstStyle/>
+          <a:p>
+            <a:pPr lvl="0" indent="0" marL="0">
+              <a:buNone/>
+            </a:pPr>
+            <a:r>
+              <a:rPr/>
+              <a:t>Otra</a:t>
             </a:r>
           </a:p>
         </p:txBody>
@@ -3541,6 +3998,682 @@
           </a:ln>
         </p:spPr>
       </p:pic>
+    </p:spTree>
+  </p:cSld>
+</p:sld>
+</file>
+
+<file path=ppt/slides/slide6.xml><?xml version="1.0" encoding="utf-8"?>
+<p:sld xmlns:a="http://schemas.openxmlformats.org/drawingml/2006/main" xmlns:r="http://schemas.openxmlformats.org/officeDocument/2006/relationships" xmlns:p="http://schemas.openxmlformats.org/presentationml/2006/main">
+  <p:cSld>
+    <p:spTree>
+      <p:nvGrpSpPr>
+        <p:cNvPr id="1" name=""/>
+        <p:cNvGrpSpPr/>
+        <p:nvPr/>
+      </p:nvGrpSpPr>
+      <p:grpSpPr>
+        <a:xfrm>
+          <a:off x="0" y="0"/>
+          <a:ext cx="0" cy="0"/>
+          <a:chOff x="0" y="0"/>
+          <a:chExt cx="0" cy="0"/>
+        </a:xfrm>
+      </p:grpSpPr>
+      <p:sp>
+        <p:nvSpPr>
+          <p:cNvPr id="2" name="Title 1"/>
+          <p:cNvSpPr>
+            <a:spLocks noGrp="1"/>
+          </p:cNvSpPr>
+          <p:nvPr>
+            <p:ph type="title"/>
+          </p:nvPr>
+        </p:nvSpPr>
+        <p:spPr/>
+        <p:txBody>
+          <a:bodyPr/>
+          <a:lstStyle/>
+          <a:p>
+            <a:pPr lvl="0" indent="0" marL="0">
+              <a:buNone/>
+            </a:pPr>
+            <a:r>
+              <a:rPr/>
+              <a:t>Responsive slide 1</a:t>
+            </a:r>
+          </a:p>
+        </p:txBody>
+      </p:sp>
+      <p:sp>
+        <p:nvSpPr>
+          <p:cNvPr id="3" name="Content Placeholder 2"/>
+          <p:cNvSpPr>
+            <a:spLocks noGrp="1"/>
+          </p:cNvSpPr>
+          <p:nvPr>
+            <p:ph idx="1"/>
+          </p:nvPr>
+        </p:nvSpPr>
+        <p:spPr/>
+        <p:txBody>
+          <a:bodyPr/>
+          <a:lstStyle/>
+          <a:p>
+            <a:pPr lvl="0"/>
+            <a:r>
+              <a:rPr/>
+              <a:t>Exhibir el problema</a:t>
+            </a:r>
+          </a:p>
+        </p:txBody>
+      </p:sp>
+    </p:spTree>
+  </p:cSld>
+</p:sld>
+</file>
+
+<file path=ppt/slides/slide7.xml><?xml version="1.0" encoding="utf-8"?>
+<p:sld xmlns:a="http://schemas.openxmlformats.org/drawingml/2006/main" xmlns:r="http://schemas.openxmlformats.org/officeDocument/2006/relationships" xmlns:p="http://schemas.openxmlformats.org/presentationml/2006/main">
+  <p:cSld>
+    <p:spTree>
+      <p:nvGrpSpPr>
+        <p:cNvPr id="1" name=""/>
+        <p:cNvGrpSpPr/>
+        <p:nvPr/>
+      </p:nvGrpSpPr>
+      <p:grpSpPr>
+        <a:xfrm>
+          <a:off x="0" y="0"/>
+          <a:ext cx="0" cy="0"/>
+          <a:chOff x="0" y="0"/>
+          <a:chExt cx="0" cy="0"/>
+        </a:xfrm>
+      </p:grpSpPr>
+      <p:sp>
+        <p:nvSpPr>
+          <p:cNvPr id="2" name="Title 1"/>
+          <p:cNvSpPr>
+            <a:spLocks noGrp="1"/>
+          </p:cNvSpPr>
+          <p:nvPr>
+            <p:ph type="title"/>
+          </p:nvPr>
+        </p:nvSpPr>
+        <p:spPr/>
+        <p:txBody>
+          <a:bodyPr/>
+          <a:lstStyle/>
+          <a:p>
+            <a:pPr lvl="0" indent="0" marL="0">
+              <a:buNone/>
+            </a:pPr>
+            <a:r>
+              <a:rPr/>
+              <a:t>Responsive slide 2</a:t>
+            </a:r>
+          </a:p>
+        </p:txBody>
+      </p:sp>
+      <p:sp>
+        <p:nvSpPr>
+          <p:cNvPr id="3" name="Content Placeholder 2"/>
+          <p:cNvSpPr>
+            <a:spLocks noGrp="1"/>
+          </p:cNvSpPr>
+          <p:nvPr>
+            <p:ph idx="1"/>
+          </p:nvPr>
+        </p:nvSpPr>
+        <p:spPr/>
+        <p:txBody>
+          <a:bodyPr/>
+          <a:lstStyle/>
+          <a:p>
+            <a:pPr lvl="0"/>
+            <a:r>
+              <a:rPr/>
+              <a:t>Clases de utilidad de bootstrap –&gt; agilizan el desarrollo web</a:t>
+            </a:r>
+          </a:p>
+          <a:p>
+            <a:pPr lvl="0"/>
+            <a:r>
+              <a:rPr/>
+              <a:t>Ayuda a diseñar rápidamente elementos sin usar código CSS</a:t>
+            </a:r>
+          </a:p>
+          <a:p>
+            <a:pPr lvl="0"/>
+            <a:r>
+              <a:rPr/>
+              <a:t>Clases que cruzan breakpoints y propiedades de diseño</a:t>
+            </a:r>
+          </a:p>
+        </p:txBody>
+      </p:sp>
+    </p:spTree>
+  </p:cSld>
+</p:sld>
+</file>
+
+<file path=ppt/slides/slide8.xml><?xml version="1.0" encoding="utf-8"?>
+<p:sld xmlns:a="http://schemas.openxmlformats.org/drawingml/2006/main" xmlns:r="http://schemas.openxmlformats.org/officeDocument/2006/relationships" xmlns:p="http://schemas.openxmlformats.org/presentationml/2006/main">
+  <p:cSld>
+    <p:spTree>
+      <p:nvGrpSpPr>
+        <p:cNvPr id="1" name=""/>
+        <p:cNvGrpSpPr/>
+        <p:nvPr/>
+      </p:nvGrpSpPr>
+      <p:grpSpPr>
+        <a:xfrm>
+          <a:off x="0" y="0"/>
+          <a:ext cx="0" cy="0"/>
+          <a:chOff x="0" y="0"/>
+          <a:chExt cx="0" cy="0"/>
+        </a:xfrm>
+      </p:grpSpPr>
+      <p:sp>
+        <p:nvSpPr>
+          <p:cNvPr id="2" name="Title 1"/>
+          <p:cNvSpPr>
+            <a:spLocks noGrp="1"/>
+          </p:cNvSpPr>
+          <p:nvPr>
+            <p:ph type="title"/>
+          </p:nvPr>
+        </p:nvSpPr>
+        <p:spPr/>
+        <p:txBody>
+          <a:bodyPr/>
+          <a:lstStyle/>
+          <a:p>
+            <a:pPr lvl="0" indent="0" marL="0">
+              <a:buNone/>
+            </a:pPr>
+            <a:r>
+              <a:rPr/>
+              <a:t>Solución usando bootsrap</a:t>
+            </a:r>
+          </a:p>
+        </p:txBody>
+      </p:sp>
+      <p:sp>
+        <p:nvSpPr>
+          <p:cNvPr id="3" name="Content Placeholder 2"/>
+          <p:cNvSpPr>
+            <a:spLocks noGrp="1"/>
+          </p:cNvSpPr>
+          <p:nvPr>
+            <p:ph idx="1"/>
+          </p:nvPr>
+        </p:nvSpPr>
+        <p:spPr/>
+        <p:txBody>
+          <a:bodyPr/>
+          <a:lstStyle/>
+          <a:p>
+            <a:pPr lvl="0" indent="0">
+              <a:buNone/>
+            </a:pPr>
+            <a:r>
+              <a:rPr b="1">
+                <a:solidFill>
+                  <a:srgbClr val="007020"/>
+                </a:solidFill>
+                <a:latin typeface="Courier"/>
+              </a:rPr>
+              <a:t>&lt;div</a:t>
+            </a:r>
+            <a:r>
+              <a:rPr>
+                <a:latin typeface="Courier"/>
+              </a:rPr>
+              <a:t> </a:t>
+            </a:r>
+            <a:r>
+              <a:rPr b="1">
+                <a:solidFill>
+                  <a:srgbClr val="FF0000"/>
+                </a:solidFill>
+                <a:latin typeface="Courier"/>
+              </a:rPr>
+              <a:t>class</a:t>
+            </a:r>
+            <a:r>
+              <a:rPr>
+                <a:solidFill>
+                  <a:srgbClr val="007020"/>
+                </a:solidFill>
+                <a:latin typeface="Courier"/>
+              </a:rPr>
+              <a:t>=</a:t>
+            </a:r>
+            <a:r>
+              <a:rPr>
+                <a:solidFill>
+                  <a:srgbClr val="4070A0"/>
+                </a:solidFill>
+                <a:latin typeface="Courier"/>
+              </a:rPr>
+              <a:t>"row d-flex"</a:t>
+            </a:r>
+            <a:r>
+              <a:rPr b="1">
+                <a:solidFill>
+                  <a:srgbClr val="007020"/>
+                </a:solidFill>
+                <a:latin typeface="Courier"/>
+              </a:rPr>
+              <a:t>&gt;</a:t>
+            </a:r>
+            <a:br/>
+            <a:r>
+              <a:rPr>
+                <a:latin typeface="Courier"/>
+              </a:rPr>
+              <a:t>    </a:t>
+            </a:r>
+            <a:r>
+              <a:rPr b="1">
+                <a:solidFill>
+                  <a:srgbClr val="007020"/>
+                </a:solidFill>
+                <a:latin typeface="Courier"/>
+              </a:rPr>
+              <a:t>&lt;div</a:t>
+            </a:r>
+            <a:r>
+              <a:rPr>
+                <a:latin typeface="Courier"/>
+              </a:rPr>
+              <a:t> </a:t>
+            </a:r>
+            <a:r>
+              <a:rPr b="1">
+                <a:solidFill>
+                  <a:srgbClr val="FF0000"/>
+                </a:solidFill>
+                <a:latin typeface="Courier"/>
+              </a:rPr>
+              <a:t>class</a:t>
+            </a:r>
+            <a:r>
+              <a:rPr>
+                <a:latin typeface="Courier"/>
+              </a:rPr>
+              <a:t> </a:t>
+            </a:r>
+            <a:r>
+              <a:rPr>
+                <a:solidFill>
+                  <a:srgbClr val="007020"/>
+                </a:solidFill>
+                <a:latin typeface="Courier"/>
+              </a:rPr>
+              <a:t>=</a:t>
+            </a:r>
+            <a:r>
+              <a:rPr>
+                <a:latin typeface="Courier"/>
+              </a:rPr>
+              <a:t> </a:t>
+            </a:r>
+            <a:r>
+              <a:rPr>
+                <a:solidFill>
+                  <a:srgbClr val="4070A0"/>
+                </a:solidFill>
+                <a:latin typeface="Courier"/>
+              </a:rPr>
+              <a:t>“graph-container</a:t>
+            </a:r>
+            <a:r>
+              <a:rPr>
+                <a:latin typeface="Courier"/>
+              </a:rPr>
+              <a:t> </a:t>
+            </a:r>
+            <a:r>
+              <a:rPr b="1">
+                <a:solidFill>
+                  <a:srgbClr val="FF0000"/>
+                </a:solidFill>
+                <a:latin typeface="Courier"/>
+              </a:rPr>
+              <a:t>col-sm-12</a:t>
+            </a:r>
+            <a:r>
+              <a:rPr>
+                <a:latin typeface="Courier"/>
+              </a:rPr>
+              <a:t> </a:t>
+            </a:r>
+            <a:r>
+              <a:rPr b="1">
+                <a:solidFill>
+                  <a:srgbClr val="FF0000"/>
+                </a:solidFill>
+                <a:latin typeface="Courier"/>
+              </a:rPr>
+              <a:t>col-md-8</a:t>
+            </a:r>
+            <a:r>
+              <a:rPr>
+                <a:latin typeface="Courier"/>
+              </a:rPr>
+              <a:t> </a:t>
+            </a:r>
+            <a:r>
+              <a:rPr b="1">
+                <a:solidFill>
+                  <a:srgbClr val="FF0000"/>
+                </a:solidFill>
+                <a:latin typeface="Courier"/>
+              </a:rPr>
+              <a:t>align-items-center</a:t>
+            </a:r>
+            <a:r>
+              <a:rPr>
+                <a:latin typeface="Courier"/>
+              </a:rPr>
+              <a:t> </a:t>
+            </a:r>
+            <a:r>
+              <a:rPr b="1">
+                <a:solidFill>
+                  <a:srgbClr val="FF0000"/>
+                </a:solidFill>
+                <a:latin typeface="Courier"/>
+              </a:rPr>
+              <a:t>position</a:t>
+            </a:r>
+            <a:r>
+              <a:rPr>
+                <a:latin typeface="Courier"/>
+              </a:rPr>
+              <a:t> </a:t>
+            </a:r>
+            <a:r>
+              <a:rPr b="1">
+                <a:solidFill>
+                  <a:srgbClr val="FF0000"/>
+                </a:solidFill>
+                <a:latin typeface="Courier"/>
+              </a:rPr>
+              <a:t>mb-lg-3”</a:t>
+            </a:r>
+            <a:r>
+              <a:rPr b="1">
+                <a:solidFill>
+                  <a:srgbClr val="007020"/>
+                </a:solidFill>
+                <a:latin typeface="Courier"/>
+              </a:rPr>
+              <a:t>&gt;</a:t>
+            </a:r>
+            <a:br/>
+            <a:r>
+              <a:rPr>
+                <a:latin typeface="Courier"/>
+              </a:rPr>
+              <a:t>        ...</a:t>
+            </a:r>
+            <a:br/>
+            <a:r>
+              <a:rPr>
+                <a:latin typeface="Courier"/>
+              </a:rPr>
+              <a:t>    </a:t>
+            </a:r>
+            <a:r>
+              <a:rPr b="1">
+                <a:solidFill>
+                  <a:srgbClr val="007020"/>
+                </a:solidFill>
+                <a:latin typeface="Courier"/>
+              </a:rPr>
+              <a:t>&lt;div/&gt;</a:t>
+            </a:r>
+            <a:br/>
+            <a:r>
+              <a:rPr>
+                <a:latin typeface="Courier"/>
+              </a:rPr>
+              <a:t>    </a:t>
+            </a:r>
+            <a:r>
+              <a:rPr b="1">
+                <a:solidFill>
+                  <a:srgbClr val="007020"/>
+                </a:solidFill>
+                <a:latin typeface="Courier"/>
+              </a:rPr>
+              <a:t>&lt;div</a:t>
+            </a:r>
+            <a:r>
+              <a:rPr>
+                <a:latin typeface="Courier"/>
+              </a:rPr>
+              <a:t> </a:t>
+            </a:r>
+            <a:r>
+              <a:rPr b="1">
+                <a:solidFill>
+                  <a:srgbClr val="FF0000"/>
+                </a:solidFill>
+                <a:latin typeface="Courier"/>
+              </a:rPr>
+              <a:t>class</a:t>
+            </a:r>
+            <a:r>
+              <a:rPr>
+                <a:latin typeface="Courier"/>
+              </a:rPr>
+              <a:t> </a:t>
+            </a:r>
+            <a:r>
+              <a:rPr>
+                <a:solidFill>
+                  <a:srgbClr val="007020"/>
+                </a:solidFill>
+                <a:latin typeface="Courier"/>
+              </a:rPr>
+              <a:t>=</a:t>
+            </a:r>
+            <a:r>
+              <a:rPr>
+                <a:latin typeface="Courier"/>
+              </a:rPr>
+              <a:t> </a:t>
+            </a:r>
+            <a:r>
+              <a:rPr>
+                <a:solidFill>
+                  <a:srgbClr val="4070A0"/>
+                </a:solidFill>
+                <a:latin typeface="Courier"/>
+              </a:rPr>
+              <a:t>“text-container</a:t>
+            </a:r>
+            <a:r>
+              <a:rPr>
+                <a:latin typeface="Courier"/>
+              </a:rPr>
+              <a:t> </a:t>
+            </a:r>
+            <a:r>
+              <a:rPr b="1">
+                <a:solidFill>
+                  <a:srgbClr val="FF0000"/>
+                </a:solidFill>
+                <a:latin typeface="Courier"/>
+              </a:rPr>
+              <a:t>col-sm-12</a:t>
+            </a:r>
+            <a:r>
+              <a:rPr>
+                <a:latin typeface="Courier"/>
+              </a:rPr>
+              <a:t> </a:t>
+            </a:r>
+            <a:r>
+              <a:rPr b="1">
+                <a:solidFill>
+                  <a:srgbClr val="FF0000"/>
+                </a:solidFill>
+                <a:latin typeface="Courier"/>
+              </a:rPr>
+              <a:t>col-md-3</a:t>
+            </a:r>
+            <a:r>
+              <a:rPr>
+                <a:latin typeface="Courier"/>
+              </a:rPr>
+              <a:t> </a:t>
+            </a:r>
+            <a:r>
+              <a:rPr b="1">
+                <a:solidFill>
+                  <a:srgbClr val="FF0000"/>
+                </a:solidFill>
+                <a:latin typeface="Courier"/>
+              </a:rPr>
+              <a:t>my-auto</a:t>
+            </a:r>
+            <a:r>
+              <a:rPr>
+                <a:latin typeface="Courier"/>
+              </a:rPr>
+              <a:t> </a:t>
+            </a:r>
+            <a:r>
+              <a:rPr b="1">
+                <a:solidFill>
+                  <a:srgbClr val="FF0000"/>
+                </a:solidFill>
+                <a:latin typeface="Courier"/>
+              </a:rPr>
+              <a:t>mx-auto”</a:t>
+            </a:r>
+            <a:r>
+              <a:rPr b="1">
+                <a:solidFill>
+                  <a:srgbClr val="007020"/>
+                </a:solidFill>
+                <a:latin typeface="Courier"/>
+              </a:rPr>
+              <a:t>&gt;</a:t>
+            </a:r>
+            <a:br/>
+            <a:r>
+              <a:rPr>
+                <a:latin typeface="Courier"/>
+              </a:rPr>
+              <a:t>          ...</a:t>
+            </a:r>
+            <a:br/>
+            <a:r>
+              <a:rPr>
+                <a:latin typeface="Courier"/>
+              </a:rPr>
+              <a:t>    </a:t>
+            </a:r>
+            <a:r>
+              <a:rPr b="1">
+                <a:solidFill>
+                  <a:srgbClr val="007020"/>
+                </a:solidFill>
+                <a:latin typeface="Courier"/>
+              </a:rPr>
+              <a:t>&lt;div/&gt;</a:t>
+            </a:r>
+            <a:br/>
+            <a:r>
+              <a:rPr b="1">
+                <a:solidFill>
+                  <a:srgbClr val="007020"/>
+                </a:solidFill>
+                <a:latin typeface="Courier"/>
+              </a:rPr>
+              <a:t>&lt;div/&gt;</a:t>
+            </a:r>
+          </a:p>
+        </p:txBody>
+      </p:sp>
+    </p:spTree>
+  </p:cSld>
+</p:sld>
+</file>
+
+<file path=ppt/slides/slide9.xml><?xml version="1.0" encoding="utf-8"?>
+<p:sld xmlns:a="http://schemas.openxmlformats.org/drawingml/2006/main" xmlns:r="http://schemas.openxmlformats.org/officeDocument/2006/relationships" xmlns:p="http://schemas.openxmlformats.org/presentationml/2006/main">
+  <p:cSld>
+    <p:spTree>
+      <p:nvGrpSpPr>
+        <p:cNvPr id="1" name=""/>
+        <p:cNvGrpSpPr/>
+        <p:nvPr/>
+      </p:nvGrpSpPr>
+      <p:grpSpPr>
+        <a:xfrm>
+          <a:off x="0" y="0"/>
+          <a:ext cx="0" cy="0"/>
+          <a:chOff x="0" y="0"/>
+          <a:chExt cx="0" cy="0"/>
+        </a:xfrm>
+      </p:grpSpPr>
+      <p:sp>
+        <p:nvSpPr>
+          <p:cNvPr id="2" name="Title 1"/>
+          <p:cNvSpPr>
+            <a:spLocks noGrp="1"/>
+          </p:cNvSpPr>
+          <p:nvPr>
+            <p:ph type="title"/>
+          </p:nvPr>
+        </p:nvSpPr>
+        <p:spPr/>
+        <p:txBody>
+          <a:bodyPr/>
+          <a:lstStyle/>
+          <a:p>
+            <a:pPr lvl="0" indent="0" marL="0">
+              <a:buNone/>
+            </a:pPr>
+            <a:r>
+              <a:rPr/>
+              <a:t>¿Cuál era la alternativa?</a:t>
+            </a:r>
+          </a:p>
+        </p:txBody>
+      </p:sp>
+      <p:sp>
+        <p:nvSpPr>
+          <p:cNvPr id="3" name="Content Placeholder 2"/>
+          <p:cNvSpPr>
+            <a:spLocks noGrp="1"/>
+          </p:cNvSpPr>
+          <p:nvPr>
+            <p:ph idx="1"/>
+          </p:nvPr>
+        </p:nvSpPr>
+        <p:spPr/>
+        <p:txBody>
+          <a:bodyPr/>
+          <a:lstStyle/>
+          <a:p>
+            <a:pPr lvl="0" indent="0" marL="0">
+              <a:buNone/>
+            </a:pPr>
+            <a:r>
+              <a:rPr/>
+              <a:t>-Generar un un html y css con layout y tamaños de mobile -Adicionalmente agregar media queries para</a:t>
+            </a:r>
+          </a:p>
+        </p:txBody>
+      </p:sp>
     </p:spTree>
   </p:cSld>
 </p:sld>

--- a/ppt-LatinR.pptx
+++ b/ppt-LatinR.pptx
@@ -10,6 +10,26 @@
     <p:sldId id="258" r:id="rId4"/>
     <p:sldId id="259" r:id="rId5"/>
     <p:sldId id="260" r:id="rId6"/>
+    <p:sldId id="261" r:id="rId7"/>
+    <p:sldId id="262" r:id="rId8"/>
+    <p:sldId id="263" r:id="rId9"/>
+    <p:sldId id="264" r:id="rId10"/>
+    <p:sldId id="265" r:id="rId11"/>
+    <p:sldId id="266" r:id="rId12"/>
+    <p:sldId id="267" r:id="rId13"/>
+    <p:sldId id="268" r:id="rId14"/>
+    <p:sldId id="269" r:id="rId15"/>
+    <p:sldId id="270" r:id="rId16"/>
+    <p:sldId id="271" r:id="rId17"/>
+    <p:sldId id="272" r:id="rId18"/>
+    <p:sldId id="273" r:id="rId19"/>
+    <p:sldId id="274" r:id="rId20"/>
+    <p:sldId id="275" r:id="rId21"/>
+    <p:sldId id="276" r:id="rId22"/>
+    <p:sldId id="277" r:id="rId23"/>
+    <p:sldId id="278" r:id="rId24"/>
+    <p:sldId id="279" r:id="rId25"/>
+    <p:sldId id="280" r:id="rId26"/>
   </p:sldIdLst>
   <p:sldSz cx="9144000" cy="5143500" type="screen16x9"/>
   <p:notesSz cx="6858000" cy="9144000"/>
@@ -3119,7 +3139,7 @@
             </a:pPr>
             <a:r>
               <a:rPr/>
-              <a:t>De los datos a la acción</a:t>
+              <a:t>DE LOS DATOS A LA ACCIÓN:</a:t>
             </a:r>
           </a:p>
         </p:txBody>
@@ -3147,11 +3167,15 @@
             <a:pPr lvl="0" indent="0" marL="0">
               <a:buNone/>
             </a:pPr>
+            <a:r>
+              <a:rPr/>
+              <a:t>Shiny como herramienta para la divulgación y el cambio social</a:t>
+            </a:r>
             <a:br/>
             <a:br/>
             <a:r>
               <a:rPr/>
-              <a:t>Alicia Valentina Franco Boscan, Maria Monserrat Perez Villanueva &amp; Jorge Ruiz Reyes</a:t>
+              <a:t>Maria Monserrat Perez Villanueva, Jorge Ruiz Reyez &amp; Alicia Valentina Franco Boscan</a:t>
             </a:r>
           </a:p>
         </p:txBody>
@@ -3176,11 +3200,2706 @@
             </a:pPr>
             <a:r>
               <a:rPr/>
-              <a:t>2022-09-26</a:t>
-            </a:r>
-          </a:p>
-        </p:txBody>
-      </p:sp>
+              <a:t>2022-09-29</a:t>
+            </a:r>
+          </a:p>
+        </p:txBody>
+      </p:sp>
+    </p:spTree>
+  </p:cSld>
+</p:sld>
+</file>
+
+<file path=ppt/slides/slide10.xml><?xml version="1.0" encoding="utf-8"?>
+<p:sld xmlns:a="http://schemas.openxmlformats.org/drawingml/2006/main" xmlns:r="http://schemas.openxmlformats.org/officeDocument/2006/relationships" xmlns:p="http://schemas.openxmlformats.org/presentationml/2006/main">
+  <p:cSld>
+    <p:spTree>
+      <p:nvGrpSpPr>
+        <p:cNvPr id="1" name=""/>
+        <p:cNvGrpSpPr/>
+        <p:nvPr/>
+      </p:nvGrpSpPr>
+      <p:grpSpPr>
+        <a:xfrm>
+          <a:off x="0" y="0"/>
+          <a:ext cx="0" cy="0"/>
+          <a:chOff x="0" y="0"/>
+          <a:chExt cx="0" cy="0"/>
+        </a:xfrm>
+      </p:grpSpPr>
+      <p:sp>
+        <p:nvSpPr>
+          <p:cNvPr id="2" name="Title 1"/>
+          <p:cNvSpPr>
+            <a:spLocks noGrp="1"/>
+          </p:cNvSpPr>
+          <p:nvPr>
+            <p:ph type="title"/>
+          </p:nvPr>
+        </p:nvSpPr>
+        <p:spPr/>
+        <p:txBody>
+          <a:bodyPr/>
+          <a:lstStyle/>
+          <a:p>
+            <a:pPr lvl="0" indent="0" marL="0">
+              <a:buNone/>
+            </a:pPr>
+            <a:r>
+              <a:rPr/>
+              <a:t>¿Cómo </a:t>
+            </a:r>
+            <a:r>
+              <a:rPr b="1"/>
+              <a:t>sensibilizar</a:t>
+            </a:r>
+            <a:r>
+              <a:rPr/>
+              <a:t>? Personalización del problema</a:t>
+            </a:r>
+          </a:p>
+        </p:txBody>
+      </p:sp>
+      <p:pic>
+        <p:nvPicPr>
+          <p:cNvPr descr="img/preguntas/p1.png" id="0" name="Picture 1">
+            <a:hlinkClick r:id="rId3"/>
+          </p:cNvPr>
+          <p:cNvPicPr>
+            <a:picLocks noGrp="1" noChangeAspect="1"/>
+          </p:cNvPicPr>
+          <p:nvPr/>
+        </p:nvPicPr>
+        <p:blipFill>
+          <a:blip r:embed="rId2"/>
+          <a:stretch>
+            <a:fillRect/>
+          </a:stretch>
+        </p:blipFill>
+        <p:spPr bwMode="auto">
+          <a:xfrm>
+            <a:off x="457200" y="1549400"/>
+            <a:ext cx="4038600" cy="2171700"/>
+          </a:xfrm>
+          <a:prstGeom prst="rect">
+            <a:avLst/>
+          </a:prstGeom>
+          <a:noFill/>
+          <a:ln w="9525">
+            <a:noFill/>
+            <a:headEnd/>
+            <a:tailEnd/>
+          </a:ln>
+        </p:spPr>
+      </p:pic>
+      <p:sp>
+        <p:nvSpPr>
+          <p:cNvPr id="1" name="TextBox 3"/>
+          <p:cNvSpPr txBox="1"/>
+          <p:nvPr/>
+        </p:nvSpPr>
+        <p:spPr>
+          <a:xfrm>
+            <a:off x="457200" y="4076700"/>
+            <a:ext cx="4038600" cy="508000"/>
+          </a:xfrm>
+          <a:prstGeom prst="rect">
+            <a:avLst/>
+          </a:prstGeom>
+          <a:noFill/>
+        </p:spPr>
+        <p:txBody>
+          <a:bodyPr/>
+          <a:lstStyle/>
+          <a:p>
+            <a:pPr lvl="0" indent="0" marL="0" algn="ctr">
+              <a:buNone/>
+            </a:pPr>
+            <a:r>
+              <a:rPr/>
+              <a:t>P1</a:t>
+            </a:r>
+          </a:p>
+        </p:txBody>
+      </p:sp>
+      <p:sp>
+        <p:nvSpPr>
+          <p:cNvPr id="4" name="Content Placeholder 3"/>
+          <p:cNvSpPr>
+            <a:spLocks noGrp="1"/>
+          </p:cNvSpPr>
+          <p:nvPr>
+            <p:ph idx="2" sz="half"/>
+          </p:nvPr>
+        </p:nvSpPr>
+        <p:spPr/>
+        <p:txBody>
+          <a:bodyPr/>
+          <a:lstStyle/>
+          <a:p>
+            <a:pPr lvl="0" indent="0">
+              <a:buNone/>
+            </a:pPr>
+            <a:r>
+              <a:rPr>
+                <a:latin typeface="Courier"/>
+              </a:rPr>
+              <a:t>mod_select_ui </a:t>
+            </a:r>
+            <a:r>
+              <a:rPr>
+                <a:solidFill>
+                  <a:srgbClr val="007020"/>
+                </a:solidFill>
+                <a:latin typeface="Courier"/>
+              </a:rPr>
+              <a:t>&lt;-</a:t>
+            </a:r>
+            <a:r>
+              <a:rPr>
+                <a:latin typeface="Courier"/>
+              </a:rPr>
+              <a:t> </a:t>
+            </a:r>
+            <a:r>
+              <a:rPr b="1">
+                <a:solidFill>
+                  <a:srgbClr val="007020"/>
+                </a:solidFill>
+                <a:latin typeface="Courier"/>
+              </a:rPr>
+              <a:t>function</a:t>
+            </a:r>
+            <a:r>
+              <a:rPr>
+                <a:latin typeface="Courier"/>
+              </a:rPr>
+              <a:t>(id) {</a:t>
+            </a:r>
+            <a:br/>
+            <a:r>
+              <a:rPr>
+                <a:latin typeface="Courier"/>
+              </a:rPr>
+              <a:t>  ns </a:t>
+            </a:r>
+            <a:r>
+              <a:rPr>
+                <a:solidFill>
+                  <a:srgbClr val="007020"/>
+                </a:solidFill>
+                <a:latin typeface="Courier"/>
+              </a:rPr>
+              <a:t>&lt;-</a:t>
+            </a:r>
+            <a:r>
+              <a:rPr>
+                <a:latin typeface="Courier"/>
+              </a:rPr>
+              <a:t> </a:t>
+            </a:r>
+            <a:r>
+              <a:rPr>
+                <a:solidFill>
+                  <a:srgbClr val="06287E"/>
+                </a:solidFill>
+                <a:latin typeface="Courier"/>
+              </a:rPr>
+              <a:t>NS</a:t>
+            </a:r>
+            <a:r>
+              <a:rPr>
+                <a:latin typeface="Courier"/>
+              </a:rPr>
+              <a:t>(id)</a:t>
+            </a:r>
+            <a:br/>
+            <a:r>
+              <a:rPr>
+                <a:latin typeface="Courier"/>
+              </a:rPr>
+              <a:t>  </a:t>
+            </a:r>
+            <a:r>
+              <a:rPr>
+                <a:solidFill>
+                  <a:srgbClr val="06287E"/>
+                </a:solidFill>
+                <a:latin typeface="Courier"/>
+              </a:rPr>
+              <a:t>textInput</a:t>
+            </a:r>
+            <a:r>
+              <a:rPr>
+                <a:latin typeface="Courier"/>
+              </a:rPr>
+              <a:t>(</a:t>
+            </a:r>
+            <a:br/>
+            <a:r>
+              <a:rPr>
+                <a:latin typeface="Courier"/>
+              </a:rPr>
+              <a:t>    </a:t>
+            </a:r>
+            <a:r>
+              <a:rPr>
+                <a:solidFill>
+                  <a:srgbClr val="06287E"/>
+                </a:solidFill>
+                <a:latin typeface="Courier"/>
+              </a:rPr>
+              <a:t>ns</a:t>
+            </a:r>
+            <a:r>
+              <a:rPr>
+                <a:latin typeface="Courier"/>
+              </a:rPr>
+              <a:t>(</a:t>
+            </a:r>
+            <a:r>
+              <a:rPr>
+                <a:solidFill>
+                  <a:srgbClr val="4070A0"/>
+                </a:solidFill>
+                <a:latin typeface="Courier"/>
+              </a:rPr>
+              <a:t>"nom"</a:t>
+            </a:r>
+            <a:r>
+              <a:rPr>
+                <a:latin typeface="Courier"/>
+              </a:rPr>
+              <a:t>),</a:t>
+            </a:r>
+            <a:br/>
+            <a:r>
+              <a:rPr>
+                <a:latin typeface="Courier"/>
+              </a:rPr>
+              <a:t>    </a:t>
+            </a:r>
+            <a:r>
+              <a:rPr>
+                <a:solidFill>
+                  <a:srgbClr val="4070A0"/>
+                </a:solidFill>
+                <a:latin typeface="Courier"/>
+              </a:rPr>
+              <a:t>"Pregunta"</a:t>
+            </a:r>
+            <a:r>
+              <a:rPr>
+                <a:latin typeface="Courier"/>
+              </a:rPr>
+              <a:t>,</a:t>
+            </a:r>
+            <a:br/>
+            <a:r>
+              <a:rPr>
+                <a:latin typeface="Courier"/>
+              </a:rPr>
+              <a:t>    </a:t>
+            </a:r>
+            <a:r>
+              <a:rPr>
+                <a:solidFill>
+                  <a:srgbClr val="4070A0"/>
+                </a:solidFill>
+                <a:latin typeface="Courier"/>
+              </a:rPr>
+              <a:t>"Sin default"</a:t>
+            </a:r>
+            <a:r>
+              <a:rPr>
+                <a:latin typeface="Courier"/>
+              </a:rPr>
+              <a:t>)</a:t>
+            </a:r>
+            <a:br/>
+            <a:r>
+              <a:rPr>
+                <a:latin typeface="Courier"/>
+              </a:rPr>
+              <a:t>}</a:t>
+            </a:r>
+          </a:p>
+        </p:txBody>
+      </p:sp>
+    </p:spTree>
+  </p:cSld>
+</p:sld>
+</file>
+
+<file path=ppt/slides/slide11.xml><?xml version="1.0" encoding="utf-8"?>
+<p:sld xmlns:a="http://schemas.openxmlformats.org/drawingml/2006/main" xmlns:r="http://schemas.openxmlformats.org/officeDocument/2006/relationships" xmlns:p="http://schemas.openxmlformats.org/presentationml/2006/main">
+  <p:cSld>
+    <p:spTree>
+      <p:nvGrpSpPr>
+        <p:cNvPr id="1" name=""/>
+        <p:cNvGrpSpPr/>
+        <p:nvPr/>
+      </p:nvGrpSpPr>
+      <p:grpSpPr>
+        <a:xfrm>
+          <a:off x="0" y="0"/>
+          <a:ext cx="0" cy="0"/>
+          <a:chOff x="0" y="0"/>
+          <a:chExt cx="0" cy="0"/>
+        </a:xfrm>
+      </p:grpSpPr>
+      <p:sp>
+        <p:nvSpPr>
+          <p:cNvPr id="2" name="Title 1"/>
+          <p:cNvSpPr>
+            <a:spLocks noGrp="1"/>
+          </p:cNvSpPr>
+          <p:nvPr>
+            <p:ph type="title"/>
+          </p:nvPr>
+        </p:nvSpPr>
+        <p:spPr/>
+        <p:txBody>
+          <a:bodyPr/>
+          <a:lstStyle/>
+          <a:p>
+            <a:pPr lvl="0" indent="0" marL="0">
+              <a:buNone/>
+            </a:pPr>
+            <a:r>
+              <a:rPr/>
+              <a:t>¿Cómo </a:t>
+            </a:r>
+            <a:r>
+              <a:rPr b="1"/>
+              <a:t>sensibilizar</a:t>
+            </a:r>
+            <a:r>
+              <a:rPr/>
+              <a:t>? Personalización del problema</a:t>
+            </a:r>
+          </a:p>
+        </p:txBody>
+      </p:sp>
+      <p:sp>
+        <p:nvSpPr>
+          <p:cNvPr id="3" name="Content Placeholder 2"/>
+          <p:cNvSpPr>
+            <a:spLocks noGrp="1"/>
+          </p:cNvSpPr>
+          <p:nvPr>
+            <p:ph idx="1" sz="half"/>
+          </p:nvPr>
+        </p:nvSpPr>
+        <p:spPr/>
+        <p:txBody>
+          <a:bodyPr/>
+          <a:lstStyle/>
+          <a:p>
+            <a:pPr lvl="0" indent="0">
+              <a:buNone/>
+            </a:pPr>
+            <a:r>
+              <a:rPr>
+                <a:latin typeface="Courier"/>
+              </a:rPr>
+              <a:t>mod_select_server </a:t>
+            </a:r>
+            <a:r>
+              <a:rPr>
+                <a:solidFill>
+                  <a:srgbClr val="007020"/>
+                </a:solidFill>
+                <a:latin typeface="Courier"/>
+              </a:rPr>
+              <a:t>&lt;-</a:t>
+            </a:r>
+            <a:r>
+              <a:rPr>
+                <a:latin typeface="Courier"/>
+              </a:rPr>
+              <a:t> </a:t>
+            </a:r>
+            <a:r>
+              <a:rPr b="1">
+                <a:solidFill>
+                  <a:srgbClr val="007020"/>
+                </a:solidFill>
+                <a:latin typeface="Courier"/>
+              </a:rPr>
+              <a:t>function</a:t>
+            </a:r>
+            <a:r>
+              <a:rPr>
+                <a:latin typeface="Courier"/>
+              </a:rPr>
+              <a:t>(id){</a:t>
+            </a:r>
+            <a:br/>
+            <a:r>
+              <a:rPr>
+                <a:latin typeface="Courier"/>
+              </a:rPr>
+              <a:t>  </a:t>
+            </a:r>
+            <a:r>
+              <a:rPr>
+                <a:solidFill>
+                  <a:srgbClr val="06287E"/>
+                </a:solidFill>
+                <a:latin typeface="Courier"/>
+              </a:rPr>
+              <a:t>moduleServer</a:t>
+            </a:r>
+            <a:r>
+              <a:rPr>
+                <a:latin typeface="Courier"/>
+              </a:rPr>
+              <a:t>(id, </a:t>
+            </a:r>
+            <a:br/>
+            <a:r>
+              <a:rPr>
+                <a:latin typeface="Courier"/>
+              </a:rPr>
+              <a:t>               </a:t>
+            </a:r>
+            <a:r>
+              <a:rPr b="1">
+                <a:solidFill>
+                  <a:srgbClr val="007020"/>
+                </a:solidFill>
+                <a:latin typeface="Courier"/>
+              </a:rPr>
+              <a:t>function</a:t>
+            </a:r>
+            <a:r>
+              <a:rPr>
+                <a:latin typeface="Courier"/>
+              </a:rPr>
+              <a:t>(input, </a:t>
+            </a:r>
+            <a:br/>
+            <a:r>
+              <a:rPr>
+                <a:latin typeface="Courier"/>
+              </a:rPr>
+              <a:t>                        output, </a:t>
+            </a:r>
+            <a:br/>
+            <a:r>
+              <a:rPr>
+                <a:latin typeface="Courier"/>
+              </a:rPr>
+              <a:t>                        session){</a:t>
+            </a:r>
+            <a:br/>
+            <a:r>
+              <a:rPr>
+                <a:latin typeface="Courier"/>
+              </a:rPr>
+              <a:t>    ns </a:t>
+            </a:r>
+            <a:r>
+              <a:rPr>
+                <a:solidFill>
+                  <a:srgbClr val="007020"/>
+                </a:solidFill>
+                <a:latin typeface="Courier"/>
+              </a:rPr>
+              <a:t>&lt;-</a:t>
+            </a:r>
+            <a:r>
+              <a:rPr>
+                <a:latin typeface="Courier"/>
+              </a:rPr>
+              <a:t> session</a:t>
+            </a:r>
+            <a:r>
+              <a:rPr>
+                <a:solidFill>
+                  <a:srgbClr val="4070A0"/>
+                </a:solidFill>
+                <a:latin typeface="Courier"/>
+              </a:rPr>
+              <a:t>$</a:t>
+            </a:r>
+            <a:r>
+              <a:rPr>
+                <a:latin typeface="Courier"/>
+              </a:rPr>
+              <a:t>ns</a:t>
+            </a:r>
+            <a:br/>
+            <a:br/>
+            <a:r>
+              <a:rPr>
+                <a:latin typeface="Courier"/>
+              </a:rPr>
+              <a:t>    user_values </a:t>
+            </a:r>
+            <a:r>
+              <a:rPr>
+                <a:solidFill>
+                  <a:srgbClr val="007020"/>
+                </a:solidFill>
+                <a:latin typeface="Courier"/>
+              </a:rPr>
+              <a:t>&lt;-</a:t>
+            </a:r>
+            <a:r>
+              <a:rPr>
+                <a:latin typeface="Courier"/>
+              </a:rPr>
+              <a:t> </a:t>
+            </a:r>
+            <a:r>
+              <a:rPr>
+                <a:solidFill>
+                  <a:srgbClr val="06287E"/>
+                </a:solidFill>
+                <a:latin typeface="Courier"/>
+              </a:rPr>
+              <a:t>list</a:t>
+            </a:r>
+            <a:r>
+              <a:rPr>
+                <a:latin typeface="Courier"/>
+              </a:rPr>
+              <a:t>(</a:t>
+            </a:r>
+            <a:br/>
+            <a:r>
+              <a:rPr>
+                <a:latin typeface="Courier"/>
+              </a:rPr>
+              <a:t>      </a:t>
+            </a:r>
+            <a:r>
+              <a:rPr>
+                <a:solidFill>
+                  <a:srgbClr val="7D9029"/>
+                </a:solidFill>
+                <a:latin typeface="Courier"/>
+              </a:rPr>
+              <a:t>name =</a:t>
+            </a:r>
+            <a:r>
+              <a:rPr>
+                <a:latin typeface="Courier"/>
+              </a:rPr>
+              <a:t> </a:t>
+            </a:r>
+            <a:r>
+              <a:rPr>
+                <a:solidFill>
+                  <a:srgbClr val="06287E"/>
+                </a:solidFill>
+                <a:latin typeface="Courier"/>
+              </a:rPr>
+              <a:t>reactive</a:t>
+            </a:r>
+            <a:r>
+              <a:rPr>
+                <a:latin typeface="Courier"/>
+              </a:rPr>
+              <a:t>({ input</a:t>
+            </a:r>
+            <a:r>
+              <a:rPr>
+                <a:solidFill>
+                  <a:srgbClr val="4070A0"/>
+                </a:solidFill>
+                <a:latin typeface="Courier"/>
+              </a:rPr>
+              <a:t>$</a:t>
+            </a:r>
+            <a:r>
+              <a:rPr>
+                <a:latin typeface="Courier"/>
+              </a:rPr>
+              <a:t>nom }),</a:t>
+            </a:r>
+            <a:br/>
+            <a:r>
+              <a:rPr>
+                <a:latin typeface="Courier"/>
+              </a:rPr>
+              <a:t>      ...,</a:t>
+            </a:r>
+            <a:br/>
+            <a:r>
+              <a:rPr>
+                <a:latin typeface="Courier"/>
+              </a:rPr>
+              <a:t>      </a:t>
+            </a:r>
+            <a:r>
+              <a:rPr>
+                <a:solidFill>
+                  <a:srgbClr val="7D9029"/>
+                </a:solidFill>
+                <a:latin typeface="Courier"/>
+              </a:rPr>
+              <a:t>sex =</a:t>
+            </a:r>
+            <a:r>
+              <a:rPr>
+                <a:latin typeface="Courier"/>
+              </a:rPr>
+              <a:t> </a:t>
+            </a:r>
+            <a:r>
+              <a:rPr>
+                <a:solidFill>
+                  <a:srgbClr val="06287E"/>
+                </a:solidFill>
+                <a:latin typeface="Courier"/>
+              </a:rPr>
+              <a:t>reactive</a:t>
+            </a:r>
+            <a:r>
+              <a:rPr>
+                <a:latin typeface="Courier"/>
+              </a:rPr>
+              <a:t>({ input</a:t>
+            </a:r>
+            <a:r>
+              <a:rPr>
+                <a:solidFill>
+                  <a:srgbClr val="4070A0"/>
+                </a:solidFill>
+                <a:latin typeface="Courier"/>
+              </a:rPr>
+              <a:t>$</a:t>
+            </a:r>
+            <a:r>
+              <a:rPr>
+                <a:latin typeface="Courier"/>
+              </a:rPr>
+              <a:t>sexo }))</a:t>
+            </a:r>
+            <a:br/>
+            <a:r>
+              <a:rPr>
+                <a:latin typeface="Courier"/>
+              </a:rPr>
+              <a:t>    </a:t>
+            </a:r>
+            <a:r>
+              <a:rPr b="1">
+                <a:solidFill>
+                  <a:srgbClr val="FF0000"/>
+                </a:solidFill>
+                <a:latin typeface="Courier"/>
+              </a:rPr>
+              <a:t>)</a:t>
+            </a:r>
+            <a:br/>
+            <a:br/>
+            <a:r>
+              <a:rPr>
+                <a:latin typeface="Courier"/>
+              </a:rPr>
+              <a:t>    </a:t>
+            </a:r>
+            <a:r>
+              <a:rPr>
+                <a:solidFill>
+                  <a:srgbClr val="06287E"/>
+                </a:solidFill>
+                <a:latin typeface="Courier"/>
+              </a:rPr>
+              <a:t>return</a:t>
+            </a:r>
+            <a:r>
+              <a:rPr>
+                <a:latin typeface="Courier"/>
+              </a:rPr>
+              <a:t>(user_values)</a:t>
+            </a:r>
+            <a:br/>
+            <a:r>
+              <a:rPr>
+                <a:latin typeface="Courier"/>
+              </a:rPr>
+              <a:t>  })</a:t>
+            </a:r>
+            <a:br/>
+            <a:r>
+              <a:rPr>
+                <a:latin typeface="Courier"/>
+              </a:rPr>
+              <a:t>}</a:t>
+            </a:r>
+          </a:p>
+        </p:txBody>
+      </p:sp>
+      <p:sp>
+        <p:nvSpPr>
+          <p:cNvPr id="4" name="Content Placeholder 3"/>
+          <p:cNvSpPr>
+            <a:spLocks noGrp="1"/>
+          </p:cNvSpPr>
+          <p:nvPr>
+            <p:ph idx="2" sz="half"/>
+          </p:nvPr>
+        </p:nvSpPr>
+        <p:spPr/>
+        <p:txBody>
+          <a:bodyPr/>
+          <a:lstStyle/>
+          <a:p>
+            <a:pPr lvl="0" indent="0">
+              <a:buNone/>
+            </a:pPr>
+            <a:r>
+              <a:rPr>
+                <a:latin typeface="Courier"/>
+              </a:rPr>
+              <a:t>app_server </a:t>
+            </a:r>
+            <a:r>
+              <a:rPr>
+                <a:solidFill>
+                  <a:srgbClr val="007020"/>
+                </a:solidFill>
+                <a:latin typeface="Courier"/>
+              </a:rPr>
+              <a:t>&lt;-</a:t>
+            </a:r>
+            <a:r>
+              <a:rPr>
+                <a:latin typeface="Courier"/>
+              </a:rPr>
+              <a:t> </a:t>
+            </a:r>
+            <a:r>
+              <a:rPr b="1">
+                <a:solidFill>
+                  <a:srgbClr val="007020"/>
+                </a:solidFill>
+                <a:latin typeface="Courier"/>
+              </a:rPr>
+              <a:t>function</a:t>
+            </a:r>
+            <a:r>
+              <a:rPr>
+                <a:latin typeface="Courier"/>
+              </a:rPr>
+              <a:t>(input, </a:t>
+            </a:r>
+            <a:br/>
+            <a:r>
+              <a:rPr>
+                <a:latin typeface="Courier"/>
+              </a:rPr>
+              <a:t>                       output, </a:t>
+            </a:r>
+            <a:br/>
+            <a:r>
+              <a:rPr>
+                <a:latin typeface="Courier"/>
+              </a:rPr>
+              <a:t>                       session) {</a:t>
+            </a:r>
+            <a:br/>
+            <a:r>
+              <a:rPr>
+                <a:latin typeface="Courier"/>
+              </a:rPr>
+              <a:t>  </a:t>
+            </a:r>
+            <a:br/>
+            <a:r>
+              <a:rPr>
+                <a:latin typeface="Courier"/>
+              </a:rPr>
+              <a:t>  input_values </a:t>
+            </a:r>
+            <a:r>
+              <a:rPr>
+                <a:solidFill>
+                  <a:srgbClr val="007020"/>
+                </a:solidFill>
+                <a:latin typeface="Courier"/>
+              </a:rPr>
+              <a:t>&lt;-</a:t>
+            </a:r>
+            <a:r>
+              <a:rPr>
+                <a:latin typeface="Courier"/>
+              </a:rPr>
+              <a:t> </a:t>
+            </a:r>
+            <a:r>
+              <a:rPr>
+                <a:solidFill>
+                  <a:srgbClr val="06287E"/>
+                </a:solidFill>
+                <a:latin typeface="Courier"/>
+              </a:rPr>
+              <a:t>mod_select_server</a:t>
+            </a:r>
+            <a:r>
+              <a:rPr>
+                <a:latin typeface="Courier"/>
+              </a:rPr>
+              <a:t>(</a:t>
+            </a:r>
+            <a:r>
+              <a:rPr>
+                <a:solidFill>
+                  <a:srgbClr val="4070A0"/>
+                </a:solidFill>
+                <a:latin typeface="Courier"/>
+              </a:rPr>
+              <a:t>"user"</a:t>
+            </a:r>
+            <a:r>
+              <a:rPr>
+                <a:latin typeface="Courier"/>
+              </a:rPr>
+              <a:t>)</a:t>
+            </a:r>
+            <a:br/>
+            <a:r>
+              <a:rPr>
+                <a:latin typeface="Courier"/>
+              </a:rPr>
+              <a:t>  enut_values </a:t>
+            </a:r>
+            <a:r>
+              <a:rPr>
+                <a:solidFill>
+                  <a:srgbClr val="007020"/>
+                </a:solidFill>
+                <a:latin typeface="Courier"/>
+              </a:rPr>
+              <a:t>&lt;-</a:t>
+            </a:r>
+            <a:r>
+              <a:rPr>
+                <a:latin typeface="Courier"/>
+              </a:rPr>
+              <a:t> </a:t>
+            </a:r>
+            <a:r>
+              <a:rPr>
+                <a:solidFill>
+                  <a:srgbClr val="06287E"/>
+                </a:solidFill>
+                <a:latin typeface="Courier"/>
+              </a:rPr>
+              <a:t>mod_hrst_server</a:t>
+            </a:r>
+            <a:r>
+              <a:rPr>
+                <a:latin typeface="Courier"/>
+              </a:rPr>
+              <a:t>(</a:t>
+            </a:r>
+            <a:r>
+              <a:rPr>
+                <a:solidFill>
+                  <a:srgbClr val="4070A0"/>
+                </a:solidFill>
+                <a:latin typeface="Courier"/>
+              </a:rPr>
+              <a:t>"user"</a:t>
+            </a:r>
+            <a:r>
+              <a:rPr>
+                <a:latin typeface="Courier"/>
+              </a:rPr>
+              <a:t>,</a:t>
+            </a:r>
+            <a:br/>
+            <a:r>
+              <a:rPr>
+                <a:latin typeface="Courier"/>
+              </a:rPr>
+              <a:t>                                        </a:t>
+            </a:r>
+            <a:r>
+              <a:rPr>
+                <a:solidFill>
+                  <a:srgbClr val="7D9029"/>
+                </a:solidFill>
+                <a:latin typeface="Courier"/>
+              </a:rPr>
+              <a:t>user_values =</a:t>
+            </a:r>
+            <a:r>
+              <a:rPr>
+                <a:latin typeface="Courier"/>
+              </a:rPr>
+              <a:t> input_values,</a:t>
+            </a:r>
+            <a:br/>
+            <a:r>
+              <a:rPr>
+                <a:latin typeface="Courier"/>
+              </a:rPr>
+              <a:t>                                        </a:t>
+            </a:r>
+            <a:r>
+              <a:rPr>
+                <a:solidFill>
+                  <a:srgbClr val="7D9029"/>
+                </a:solidFill>
+                <a:latin typeface="Courier"/>
+              </a:rPr>
+              <a:t>input_data =</a:t>
+            </a:r>
+            <a:r>
+              <a:rPr>
+                <a:latin typeface="Courier"/>
+              </a:rPr>
+              <a:t> enut_data)</a:t>
+            </a:r>
+            <a:br/>
+            <a:br/>
+            <a:r>
+              <a:rPr>
+                <a:latin typeface="Courier"/>
+              </a:rPr>
+              <a:t>}</a:t>
+            </a:r>
+          </a:p>
+        </p:txBody>
+      </p:sp>
+    </p:spTree>
+  </p:cSld>
+</p:sld>
+</file>
+
+<file path=ppt/slides/slide12.xml><?xml version="1.0" encoding="utf-8"?>
+<p:sld xmlns:a="http://schemas.openxmlformats.org/drawingml/2006/main" xmlns:r="http://schemas.openxmlformats.org/officeDocument/2006/relationships" xmlns:p="http://schemas.openxmlformats.org/presentationml/2006/main">
+  <p:cSld>
+    <p:spTree>
+      <p:nvGrpSpPr>
+        <p:cNvPr id="1" name=""/>
+        <p:cNvGrpSpPr/>
+        <p:nvPr/>
+      </p:nvGrpSpPr>
+      <p:grpSpPr>
+        <a:xfrm>
+          <a:off x="0" y="0"/>
+          <a:ext cx="0" cy="0"/>
+          <a:chOff x="0" y="0"/>
+          <a:chExt cx="0" cy="0"/>
+        </a:xfrm>
+      </p:grpSpPr>
+      <p:sp>
+        <p:nvSpPr>
+          <p:cNvPr id="2" name="Title 1"/>
+          <p:cNvSpPr>
+            <a:spLocks noGrp="1"/>
+          </p:cNvSpPr>
+          <p:nvPr>
+            <p:ph type="title"/>
+          </p:nvPr>
+        </p:nvSpPr>
+        <p:spPr/>
+        <p:txBody>
+          <a:bodyPr/>
+          <a:lstStyle/>
+          <a:p>
+            <a:pPr lvl="0" indent="0" marL="0">
+              <a:buNone/>
+            </a:pPr>
+            <a:r>
+              <a:rPr/>
+              <a:t>¿Cómo </a:t>
+            </a:r>
+            <a:r>
+              <a:rPr b="1"/>
+              <a:t>sensibilizar</a:t>
+            </a:r>
+            <a:r>
+              <a:rPr/>
+              <a:t>? Posicionamiento del usuario con respecto al resto</a:t>
+            </a:r>
+          </a:p>
+        </p:txBody>
+      </p:sp>
+      <p:pic>
+        <p:nvPicPr>
+          <p:cNvPr descr="img/preguntas/distri.png" id="0" name="Picture 1">
+            <a:hlinkClick r:id="rId3"/>
+          </p:cNvPr>
+          <p:cNvPicPr>
+            <a:picLocks noGrp="1" noChangeAspect="1"/>
+          </p:cNvPicPr>
+          <p:nvPr/>
+        </p:nvPicPr>
+        <p:blipFill>
+          <a:blip r:embed="rId2"/>
+          <a:stretch>
+            <a:fillRect/>
+          </a:stretch>
+        </p:blipFill>
+        <p:spPr bwMode="auto">
+          <a:xfrm>
+            <a:off x="1892300" y="1193800"/>
+            <a:ext cx="5346700" cy="2882900"/>
+          </a:xfrm>
+          <a:prstGeom prst="rect">
+            <a:avLst/>
+          </a:prstGeom>
+          <a:noFill/>
+          <a:ln w="9525">
+            <a:noFill/>
+            <a:headEnd/>
+            <a:tailEnd/>
+          </a:ln>
+        </p:spPr>
+      </p:pic>
+      <p:sp>
+        <p:nvSpPr>
+          <p:cNvPr id="1" name="TextBox 3"/>
+          <p:cNvSpPr txBox="1"/>
+          <p:nvPr/>
+        </p:nvSpPr>
+        <p:spPr>
+          <a:xfrm>
+            <a:off x="457200" y="4076700"/>
+            <a:ext cx="8229600" cy="508000"/>
+          </a:xfrm>
+          <a:prstGeom prst="rect">
+            <a:avLst/>
+          </a:prstGeom>
+          <a:noFill/>
+        </p:spPr>
+        <p:txBody>
+          <a:bodyPr/>
+          <a:lstStyle/>
+          <a:p>
+            <a:pPr lvl="0" indent="0" marL="0" algn="ctr">
+              <a:buNone/>
+            </a:pPr>
+            <a:r>
+              <a:rPr/>
+              <a:t>Distribución</a:t>
+            </a:r>
+          </a:p>
+        </p:txBody>
+      </p:sp>
+    </p:spTree>
+  </p:cSld>
+</p:sld>
+</file>
+
+<file path=ppt/slides/slide13.xml><?xml version="1.0" encoding="utf-8"?>
+<p:sld xmlns:a="http://schemas.openxmlformats.org/drawingml/2006/main" xmlns:r="http://schemas.openxmlformats.org/officeDocument/2006/relationships" xmlns:p="http://schemas.openxmlformats.org/presentationml/2006/main">
+  <p:cSld>
+    <p:spTree>
+      <p:nvGrpSpPr>
+        <p:cNvPr id="1" name=""/>
+        <p:cNvGrpSpPr/>
+        <p:nvPr/>
+      </p:nvGrpSpPr>
+      <p:grpSpPr>
+        <a:xfrm>
+          <a:off x="0" y="0"/>
+          <a:ext cx="0" cy="0"/>
+          <a:chOff x="0" y="0"/>
+          <a:chExt cx="0" cy="0"/>
+        </a:xfrm>
+      </p:grpSpPr>
+      <p:sp>
+        <p:nvSpPr>
+          <p:cNvPr id="2" name="Title 1"/>
+          <p:cNvSpPr>
+            <a:spLocks noGrp="1"/>
+          </p:cNvSpPr>
+          <p:nvPr>
+            <p:ph type="title"/>
+          </p:nvPr>
+        </p:nvSpPr>
+        <p:spPr/>
+        <p:txBody>
+          <a:bodyPr/>
+          <a:lstStyle/>
+          <a:p>
+            <a:pPr lvl="0" indent="0" marL="0">
+              <a:buNone/>
+            </a:pPr>
+            <a:r>
+              <a:rPr/>
+              <a:t>¿Cómo </a:t>
+            </a:r>
+            <a:r>
+              <a:rPr i="1"/>
+              <a:t>sensibilizar</a:t>
+            </a:r>
+            <a:r>
+              <a:rPr/>
+              <a:t>? Posicionamiento del usuario con respecto al resto</a:t>
+            </a:r>
+          </a:p>
+        </p:txBody>
+      </p:sp>
+      <p:sp>
+        <p:nvSpPr>
+          <p:cNvPr id="3" name="Content Placeholder 2"/>
+          <p:cNvSpPr>
+            <a:spLocks noGrp="1"/>
+          </p:cNvSpPr>
+          <p:nvPr>
+            <p:ph idx="1" sz="half"/>
+          </p:nvPr>
+        </p:nvSpPr>
+        <p:spPr/>
+        <p:txBody>
+          <a:bodyPr/>
+          <a:lstStyle/>
+          <a:p>
+            <a:pPr lvl="0" indent="0">
+              <a:buNone/>
+            </a:pPr>
+            <a:r>
+              <a:rPr>
+                <a:latin typeface="Courier"/>
+              </a:rPr>
+              <a:t> mod_distribucion_server </a:t>
+            </a:r>
+            <a:r>
+              <a:rPr>
+                <a:solidFill>
+                  <a:srgbClr val="007020"/>
+                </a:solidFill>
+                <a:latin typeface="Courier"/>
+              </a:rPr>
+              <a:t>&lt;-</a:t>
+            </a:r>
+            <a:r>
+              <a:rPr>
+                <a:latin typeface="Courier"/>
+              </a:rPr>
+              <a:t> </a:t>
+            </a:r>
+            <a:r>
+              <a:rPr b="1">
+                <a:solidFill>
+                  <a:srgbClr val="007020"/>
+                </a:solidFill>
+                <a:latin typeface="Courier"/>
+              </a:rPr>
+              <a:t>function</a:t>
+            </a:r>
+            <a:r>
+              <a:rPr>
+                <a:latin typeface="Courier"/>
+              </a:rPr>
+              <a:t>(id, input_data, hrs_values) {</a:t>
+            </a:r>
+            <a:br/>
+            <a:r>
+              <a:rPr>
+                <a:latin typeface="Courier"/>
+              </a:rPr>
+              <a:t>  </a:t>
+            </a:r>
+            <a:r>
+              <a:rPr>
+                <a:solidFill>
+                  <a:srgbClr val="06287E"/>
+                </a:solidFill>
+                <a:latin typeface="Courier"/>
+              </a:rPr>
+              <a:t>moduleServer</a:t>
+            </a:r>
+            <a:r>
+              <a:rPr>
+                <a:latin typeface="Courier"/>
+              </a:rPr>
+              <a:t>(id, </a:t>
+            </a:r>
+            <a:r>
+              <a:rPr b="1">
+                <a:solidFill>
+                  <a:srgbClr val="007020"/>
+                </a:solidFill>
+                <a:latin typeface="Courier"/>
+              </a:rPr>
+              <a:t>function</a:t>
+            </a:r>
+            <a:r>
+              <a:rPr>
+                <a:latin typeface="Courier"/>
+              </a:rPr>
+              <a:t>(input, output, session) {</a:t>
+            </a:r>
+            <a:br/>
+            <a:r>
+              <a:rPr>
+                <a:latin typeface="Courier"/>
+              </a:rPr>
+              <a:t>    dist_cuidados </a:t>
+            </a:r>
+            <a:r>
+              <a:rPr>
+                <a:solidFill>
+                  <a:srgbClr val="007020"/>
+                </a:solidFill>
+                <a:latin typeface="Courier"/>
+              </a:rPr>
+              <a:t>&lt;-</a:t>
+            </a:r>
+            <a:r>
+              <a:rPr>
+                <a:latin typeface="Courier"/>
+              </a:rPr>
+              <a:t> </a:t>
+            </a:r>
+            <a:r>
+              <a:rPr>
+                <a:solidFill>
+                  <a:srgbClr val="06287E"/>
+                </a:solidFill>
+                <a:latin typeface="Courier"/>
+              </a:rPr>
+              <a:t>reactive</a:t>
+            </a:r>
+            <a:r>
+              <a:rPr>
+                <a:latin typeface="Courier"/>
+              </a:rPr>
+              <a:t>({...})</a:t>
+            </a:r>
+            <a:br/>
+            <a:r>
+              <a:rPr>
+                <a:latin typeface="Courier"/>
+              </a:rPr>
+              <a:t>    output</a:t>
+            </a:r>
+            <a:r>
+              <a:rPr>
+                <a:solidFill>
+                  <a:srgbClr val="4070A0"/>
+                </a:solidFill>
+                <a:latin typeface="Courier"/>
+              </a:rPr>
+              <a:t>$</a:t>
+            </a:r>
+            <a:r>
+              <a:rPr>
+                <a:latin typeface="Courier"/>
+              </a:rPr>
+              <a:t>distribucion </a:t>
+            </a:r>
+            <a:r>
+              <a:rPr>
+                <a:solidFill>
+                  <a:srgbClr val="007020"/>
+                </a:solidFill>
+                <a:latin typeface="Courier"/>
+              </a:rPr>
+              <a:t>&lt;-</a:t>
+            </a:r>
+            <a:r>
+              <a:rPr>
+                <a:latin typeface="Courier"/>
+              </a:rPr>
+              <a:t> </a:t>
+            </a:r>
+            <a:r>
+              <a:rPr>
+                <a:solidFill>
+                  <a:srgbClr val="06287E"/>
+                </a:solidFill>
+                <a:latin typeface="Courier"/>
+              </a:rPr>
+              <a:t>renderPlot</a:t>
+            </a:r>
+            <a:r>
+              <a:rPr>
+                <a:latin typeface="Courier"/>
+              </a:rPr>
+              <a:t>({</a:t>
+            </a:r>
+            <a:r>
+              <a:rPr>
+                <a:solidFill>
+                  <a:srgbClr val="06287E"/>
+                </a:solidFill>
+                <a:latin typeface="Courier"/>
+              </a:rPr>
+              <a:t>dist_cuidados</a:t>
+            </a:r>
+            <a:r>
+              <a:rPr>
+                <a:latin typeface="Courier"/>
+              </a:rPr>
+              <a:t>()})</a:t>
+            </a:r>
+            <a:br/>
+            <a:br/>
+            <a:r>
+              <a:rPr>
+                <a:latin typeface="Courier"/>
+              </a:rPr>
+              <a:t>  }</a:t>
+            </a:r>
+            <a:br/>
+            <a:r>
+              <a:rPr>
+                <a:latin typeface="Courier"/>
+              </a:rPr>
+              <a:t> </a:t>
+            </a:r>
+            <a:r>
+              <a:rPr b="1">
+                <a:solidFill>
+                  <a:srgbClr val="FF0000"/>
+                </a:solidFill>
+                <a:latin typeface="Courier"/>
+              </a:rPr>
+              <a:t>}</a:t>
+            </a:r>
+            <a:br/>
+            <a:br/>
+            <a:r>
+              <a:rPr>
+                <a:latin typeface="Courier"/>
+              </a:rPr>
+              <a:t>mod_distribucion_ui </a:t>
+            </a:r>
+            <a:r>
+              <a:rPr>
+                <a:solidFill>
+                  <a:srgbClr val="007020"/>
+                </a:solidFill>
+                <a:latin typeface="Courier"/>
+              </a:rPr>
+              <a:t>&lt;-</a:t>
+            </a:r>
+            <a:r>
+              <a:rPr>
+                <a:latin typeface="Courier"/>
+              </a:rPr>
+              <a:t> </a:t>
+            </a:r>
+            <a:r>
+              <a:rPr b="1">
+                <a:solidFill>
+                  <a:srgbClr val="007020"/>
+                </a:solidFill>
+                <a:latin typeface="Courier"/>
+              </a:rPr>
+              <a:t>function</a:t>
+            </a:r>
+            <a:r>
+              <a:rPr>
+                <a:latin typeface="Courier"/>
+              </a:rPr>
+              <a:t>(id){</a:t>
+            </a:r>
+            <a:br/>
+            <a:r>
+              <a:rPr>
+                <a:latin typeface="Courier"/>
+              </a:rPr>
+              <a:t>  </a:t>
+            </a:r>
+            <a:r>
+              <a:rPr>
+                <a:solidFill>
+                  <a:srgbClr val="06287E"/>
+                </a:solidFill>
+                <a:latin typeface="Courier"/>
+              </a:rPr>
+              <a:t>plotOutput</a:t>
+            </a:r>
+            <a:r>
+              <a:rPr>
+                <a:latin typeface="Courier"/>
+              </a:rPr>
+              <a:t>(</a:t>
+            </a:r>
+            <a:r>
+              <a:rPr>
+                <a:solidFill>
+                  <a:srgbClr val="7D9029"/>
+                </a:solidFill>
+                <a:latin typeface="Courier"/>
+              </a:rPr>
+              <a:t>outputId =</a:t>
+            </a:r>
+            <a:r>
+              <a:rPr>
+                <a:latin typeface="Courier"/>
+              </a:rPr>
+              <a:t> </a:t>
+            </a:r>
+            <a:r>
+              <a:rPr>
+                <a:solidFill>
+                  <a:srgbClr val="06287E"/>
+                </a:solidFill>
+                <a:latin typeface="Courier"/>
+              </a:rPr>
+              <a:t>ns</a:t>
+            </a:r>
+            <a:r>
+              <a:rPr>
+                <a:latin typeface="Courier"/>
+              </a:rPr>
+              <a:t>(</a:t>
+            </a:r>
+            <a:r>
+              <a:rPr>
+                <a:solidFill>
+                  <a:srgbClr val="4070A0"/>
+                </a:solidFill>
+                <a:latin typeface="Courier"/>
+              </a:rPr>
+              <a:t>"distribucion"</a:t>
+            </a:r>
+            <a:r>
+              <a:rPr>
+                <a:latin typeface="Courier"/>
+              </a:rPr>
+              <a:t>))</a:t>
+            </a:r>
+            <a:br/>
+            <a:r>
+              <a:rPr>
+                <a:latin typeface="Courier"/>
+              </a:rPr>
+              <a:t>}</a:t>
+            </a:r>
+          </a:p>
+        </p:txBody>
+      </p:sp>
+      <p:sp>
+        <p:nvSpPr>
+          <p:cNvPr id="4" name="Content Placeholder 3"/>
+          <p:cNvSpPr>
+            <a:spLocks noGrp="1"/>
+          </p:cNvSpPr>
+          <p:nvPr>
+            <p:ph idx="2" sz="half"/>
+          </p:nvPr>
+        </p:nvSpPr>
+        <p:spPr/>
+        <p:txBody>
+          <a:bodyPr/>
+          <a:lstStyle/>
+          <a:p>
+            <a:pPr lvl="0" indent="0">
+              <a:buNone/>
+            </a:pPr>
+            <a:r>
+              <a:rPr>
+                <a:latin typeface="Courier"/>
+              </a:rPr>
+              <a:t>dist_cuidados  </a:t>
+            </a:r>
+            <a:r>
+              <a:rPr>
+                <a:solidFill>
+                  <a:srgbClr val="007020"/>
+                </a:solidFill>
+                <a:latin typeface="Courier"/>
+              </a:rPr>
+              <a:t>&lt;-</a:t>
+            </a:r>
+            <a:r>
+              <a:rPr>
+                <a:latin typeface="Courier"/>
+              </a:rPr>
+              <a:t> </a:t>
+            </a:r>
+            <a:r>
+              <a:rPr>
+                <a:solidFill>
+                  <a:srgbClr val="06287E"/>
+                </a:solidFill>
+                <a:latin typeface="Courier"/>
+              </a:rPr>
+              <a:t>reactive</a:t>
+            </a:r>
+            <a:r>
+              <a:rPr>
+                <a:latin typeface="Courier"/>
+              </a:rPr>
+              <a:t>({</a:t>
+            </a:r>
+            <a:br/>
+            <a:r>
+              <a:rPr>
+                <a:latin typeface="Courier"/>
+              </a:rPr>
+              <a:t>      sym.grob </a:t>
+            </a:r>
+            <a:r>
+              <a:rPr>
+                <a:solidFill>
+                  <a:srgbClr val="007020"/>
+                </a:solidFill>
+                <a:latin typeface="Courier"/>
+              </a:rPr>
+              <a:t>&lt;-</a:t>
+            </a:r>
+            <a:r>
+              <a:rPr>
+                <a:latin typeface="Courier"/>
+              </a:rPr>
+              <a:t> </a:t>
+            </a:r>
+            <a:r>
+              <a:rPr>
+                <a:solidFill>
+                  <a:srgbClr val="06287E"/>
+                </a:solidFill>
+                <a:latin typeface="Courier"/>
+              </a:rPr>
+              <a:t>symbolsGrob</a:t>
+            </a:r>
+            <a:r>
+              <a:rPr>
+                <a:latin typeface="Courier"/>
+              </a:rPr>
+              <a:t>(huella,</a:t>
+            </a:r>
+            <a:br/>
+            <a:r>
+              <a:rPr>
+                <a:latin typeface="Courier"/>
+              </a:rPr>
+              <a:t>                              </a:t>
+            </a:r>
+            <a:r>
+              <a:rPr>
+                <a:solidFill>
+                  <a:srgbClr val="7D9029"/>
+                </a:solidFill>
+                <a:latin typeface="Courier"/>
+              </a:rPr>
+              <a:t>x=</a:t>
+            </a:r>
+            <a:r>
+              <a:rPr>
+                <a:solidFill>
+                  <a:srgbClr val="06287E"/>
+                </a:solidFill>
+                <a:latin typeface="Courier"/>
+              </a:rPr>
+              <a:t>rescale</a:t>
+            </a:r>
+            <a:r>
+              <a:rPr>
+                <a:latin typeface="Courier"/>
+              </a:rPr>
+              <a:t>(...),</a:t>
+            </a:r>
+            <a:br/>
+            <a:r>
+              <a:rPr>
+                <a:latin typeface="Courier"/>
+              </a:rPr>
+              <a:t>                              </a:t>
+            </a:r>
+            <a:r>
+              <a:rPr>
+                <a:solidFill>
+                  <a:srgbClr val="7D9029"/>
+                </a:solidFill>
+                <a:latin typeface="Courier"/>
+              </a:rPr>
+              <a:t>y=</a:t>
+            </a:r>
+            <a:r>
+              <a:rPr>
+                <a:solidFill>
+                  <a:srgbClr val="06287E"/>
+                </a:solidFill>
+                <a:latin typeface="Courier"/>
+              </a:rPr>
+              <a:t>rescale</a:t>
+            </a:r>
+            <a:r>
+              <a:rPr>
+                <a:latin typeface="Courier"/>
+              </a:rPr>
+              <a:t>(...))</a:t>
+            </a:r>
+            <a:br/>
+            <a:br/>
+            <a:r>
+              <a:rPr>
+                <a:latin typeface="Courier"/>
+              </a:rPr>
+              <a:t>      </a:t>
+            </a:r>
+            <a:r>
+              <a:rPr>
+                <a:solidFill>
+                  <a:srgbClr val="06287E"/>
+                </a:solidFill>
+                <a:latin typeface="Courier"/>
+              </a:rPr>
+              <a:t>ggplot</a:t>
+            </a:r>
+            <a:r>
+              <a:rPr>
+                <a:latin typeface="Courier"/>
+              </a:rPr>
+              <a:t>() </a:t>
+            </a:r>
+            <a:r>
+              <a:rPr>
+                <a:solidFill>
+                  <a:srgbClr val="4070A0"/>
+                </a:solidFill>
+                <a:latin typeface="Courier"/>
+              </a:rPr>
+              <a:t>+</a:t>
+            </a:r>
+            <a:br/>
+            <a:r>
+              <a:rPr>
+                <a:latin typeface="Courier"/>
+              </a:rPr>
+              <a:t>        </a:t>
+            </a:r>
+            <a:r>
+              <a:rPr>
+                <a:solidFill>
+                  <a:srgbClr val="06287E"/>
+                </a:solidFill>
+                <a:latin typeface="Courier"/>
+              </a:rPr>
+              <a:t>geom_rect</a:t>
+            </a:r>
+            <a:r>
+              <a:rPr>
+                <a:latin typeface="Courier"/>
+              </a:rPr>
+              <a:t>(...) </a:t>
+            </a:r>
+            <a:r>
+              <a:rPr>
+                <a:solidFill>
+                  <a:srgbClr val="4070A0"/>
+                </a:solidFill>
+                <a:latin typeface="Courier"/>
+              </a:rPr>
+              <a:t>+</a:t>
+            </a:r>
+            <a:br/>
+            <a:r>
+              <a:rPr>
+                <a:latin typeface="Courier"/>
+              </a:rPr>
+              <a:t>        </a:t>
+            </a:r>
+            <a:r>
+              <a:rPr>
+                <a:solidFill>
+                  <a:srgbClr val="06287E"/>
+                </a:solidFill>
+                <a:latin typeface="Courier"/>
+              </a:rPr>
+              <a:t>geom_density</a:t>
+            </a:r>
+            <a:r>
+              <a:rPr>
+                <a:latin typeface="Courier"/>
+              </a:rPr>
+              <a:t>(</a:t>
+            </a:r>
+            <a:br/>
+            <a:r>
+              <a:rPr>
+                <a:latin typeface="Courier"/>
+              </a:rPr>
+              <a:t>          </a:t>
+            </a:r>
+            <a:r>
+              <a:rPr>
+                <a:solidFill>
+                  <a:srgbClr val="7D9029"/>
+                </a:solidFill>
+                <a:latin typeface="Courier"/>
+              </a:rPr>
+              <a:t>data =</a:t>
+            </a:r>
+            <a:r>
+              <a:rPr>
+                <a:latin typeface="Courier"/>
+              </a:rPr>
+              <a:t> input_data </a:t>
+            </a:r>
+            <a:r>
+              <a:rPr>
+                <a:solidFill>
+                  <a:srgbClr val="4070A0"/>
+                </a:solidFill>
+                <a:latin typeface="Courier"/>
+              </a:rPr>
+              <a:t>%&gt;%</a:t>
+            </a:r>
+            <a:r>
+              <a:rPr>
+                <a:latin typeface="Courier"/>
+              </a:rPr>
+              <a:t> </a:t>
+            </a:r>
+            <a:r>
+              <a:rPr>
+                <a:solidFill>
+                  <a:srgbClr val="06287E"/>
+                </a:solidFill>
+                <a:latin typeface="Courier"/>
+              </a:rPr>
+              <a:t>filter</a:t>
+            </a:r>
+            <a:r>
+              <a:rPr>
+                <a:latin typeface="Courier"/>
+              </a:rPr>
+              <a:t>(saldo </a:t>
+            </a:r>
+            <a:r>
+              <a:rPr>
+                <a:solidFill>
+                  <a:srgbClr val="4070A0"/>
+                </a:solidFill>
+                <a:latin typeface="Courier"/>
+              </a:rPr>
+              <a:t>&lt;</a:t>
+            </a:r>
+            <a:r>
+              <a:rPr>
+                <a:solidFill>
+                  <a:srgbClr val="40A070"/>
+                </a:solidFill>
+                <a:latin typeface="Courier"/>
+              </a:rPr>
+              <a:t>100</a:t>
+            </a:r>
+            <a:r>
+              <a:rPr>
+                <a:latin typeface="Courier"/>
+              </a:rPr>
+              <a:t>),</a:t>
+            </a:r>
+            <a:br/>
+            <a:r>
+              <a:rPr>
+                <a:latin typeface="Courier"/>
+              </a:rPr>
+              <a:t>          </a:t>
+            </a:r>
+            <a:r>
+              <a:rPr>
+                <a:solidFill>
+                  <a:srgbClr val="06287E"/>
+                </a:solidFill>
+                <a:latin typeface="Courier"/>
+              </a:rPr>
+              <a:t>aes</a:t>
+            </a:r>
+            <a:r>
+              <a:rPr>
+                <a:latin typeface="Courier"/>
+              </a:rPr>
+              <a:t>(</a:t>
+            </a:r>
+            <a:r>
+              <a:rPr>
+                <a:solidFill>
+                  <a:srgbClr val="7D9029"/>
+                </a:solidFill>
+                <a:latin typeface="Courier"/>
+              </a:rPr>
+              <a:t>x =</a:t>
+            </a:r>
+            <a:r>
+              <a:rPr>
+                <a:latin typeface="Courier"/>
+              </a:rPr>
+              <a:t> saldo, </a:t>
+            </a:r>
+            <a:r>
+              <a:rPr>
+                <a:solidFill>
+                  <a:srgbClr val="7D9029"/>
+                </a:solidFill>
+                <a:latin typeface="Courier"/>
+              </a:rPr>
+              <a:t>weight =</a:t>
+            </a:r>
+            <a:r>
+              <a:rPr>
+                <a:latin typeface="Courier"/>
+              </a:rPr>
+              <a:t> fac_per)) </a:t>
+            </a:r>
+            <a:r>
+              <a:rPr>
+                <a:solidFill>
+                  <a:srgbClr val="4070A0"/>
+                </a:solidFill>
+                <a:latin typeface="Courier"/>
+              </a:rPr>
+              <a:t>+</a:t>
+            </a:r>
+            <a:br/>
+            <a:r>
+              <a:rPr>
+                <a:latin typeface="Courier"/>
+              </a:rPr>
+              <a:t>        ...</a:t>
+            </a:r>
+            <a:br/>
+            <a:r>
+              <a:rPr>
+                <a:latin typeface="Courier"/>
+              </a:rPr>
+              <a:t>        </a:t>
+            </a:r>
+            <a:r>
+              <a:rPr>
+                <a:solidFill>
+                  <a:srgbClr val="06287E"/>
+                </a:solidFill>
+                <a:latin typeface="Courier"/>
+              </a:rPr>
+              <a:t>geom_segment</a:t>
+            </a:r>
+            <a:r>
+              <a:rPr>
+                <a:latin typeface="Courier"/>
+              </a:rPr>
+              <a:t>(</a:t>
+            </a:r>
+            <a:r>
+              <a:rPr>
+                <a:solidFill>
+                  <a:srgbClr val="06287E"/>
+                </a:solidFill>
+                <a:latin typeface="Courier"/>
+              </a:rPr>
+              <a:t>aes</a:t>
+            </a:r>
+            <a:r>
+              <a:rPr>
+                <a:latin typeface="Courier"/>
+              </a:rPr>
+              <a:t>(</a:t>
+            </a:r>
+            <a:br/>
+            <a:r>
+              <a:rPr>
+                <a:latin typeface="Courier"/>
+              </a:rPr>
+              <a:t>          </a:t>
+            </a:r>
+            <a:r>
+              <a:rPr>
+                <a:solidFill>
+                  <a:srgbClr val="7D9029"/>
+                </a:solidFill>
+                <a:latin typeface="Courier"/>
+              </a:rPr>
+              <a:t>x =</a:t>
+            </a:r>
+            <a:r>
+              <a:rPr>
+                <a:latin typeface="Courier"/>
+              </a:rPr>
+              <a:t> </a:t>
+            </a:r>
+            <a:r>
+              <a:rPr>
+                <a:solidFill>
+                  <a:srgbClr val="06287E"/>
+                </a:solidFill>
+                <a:latin typeface="Courier"/>
+              </a:rPr>
+              <a:t>hrs_values</a:t>
+            </a:r>
+            <a:r>
+              <a:rPr>
+                <a:latin typeface="Courier"/>
+              </a:rPr>
+              <a:t>()</a:t>
+            </a:r>
+            <a:r>
+              <a:rPr>
+                <a:solidFill>
+                  <a:srgbClr val="4070A0"/>
+                </a:solidFill>
+                <a:latin typeface="Courier"/>
+              </a:rPr>
+              <a:t>$</a:t>
+            </a:r>
+            <a:r>
+              <a:rPr>
+                <a:latin typeface="Courier"/>
+              </a:rPr>
+              <a:t>saldo,</a:t>
+            </a:r>
+            <a:br/>
+            <a:r>
+              <a:rPr>
+                <a:latin typeface="Courier"/>
+              </a:rPr>
+              <a:t>          </a:t>
+            </a:r>
+            <a:r>
+              <a:rPr>
+                <a:solidFill>
+                  <a:srgbClr val="7D9029"/>
+                </a:solidFill>
+                <a:latin typeface="Courier"/>
+              </a:rPr>
+              <a:t>xend =</a:t>
+            </a:r>
+            <a:r>
+              <a:rPr>
+                <a:latin typeface="Courier"/>
+              </a:rPr>
+              <a:t> </a:t>
+            </a:r>
+            <a:r>
+              <a:rPr>
+                <a:solidFill>
+                  <a:srgbClr val="06287E"/>
+                </a:solidFill>
+                <a:latin typeface="Courier"/>
+              </a:rPr>
+              <a:t>hrs_values</a:t>
+            </a:r>
+            <a:r>
+              <a:rPr>
+                <a:latin typeface="Courier"/>
+              </a:rPr>
+              <a:t>()</a:t>
+            </a:r>
+            <a:r>
+              <a:rPr>
+                <a:solidFill>
+                  <a:srgbClr val="4070A0"/>
+                </a:solidFill>
+                <a:latin typeface="Courier"/>
+              </a:rPr>
+              <a:t>$</a:t>
+            </a:r>
+            <a:r>
+              <a:rPr>
+                <a:latin typeface="Courier"/>
+              </a:rPr>
+              <a:t>saldo,</a:t>
+            </a:r>
+            <a:br/>
+            <a:r>
+              <a:rPr>
+                <a:latin typeface="Courier"/>
+              </a:rPr>
+              <a:t>          </a:t>
+            </a:r>
+            <a:r>
+              <a:rPr>
+                <a:solidFill>
+                  <a:srgbClr val="7D9029"/>
+                </a:solidFill>
+                <a:latin typeface="Courier"/>
+              </a:rPr>
+              <a:t>y =</a:t>
+            </a:r>
+            <a:r>
+              <a:rPr>
+                <a:latin typeface="Courier"/>
+              </a:rPr>
+              <a:t> </a:t>
+            </a:r>
+            <a:r>
+              <a:rPr>
+                <a:solidFill>
+                  <a:srgbClr val="40A070"/>
+                </a:solidFill>
+                <a:latin typeface="Courier"/>
+              </a:rPr>
+              <a:t>0</a:t>
+            </a:r>
+            <a:r>
+              <a:rPr>
+                <a:latin typeface="Courier"/>
+              </a:rPr>
+              <a:t>,</a:t>
+            </a:r>
+            <a:br/>
+            <a:r>
+              <a:rPr>
+                <a:latin typeface="Courier"/>
+              </a:rPr>
+              <a:t>          </a:t>
+            </a:r>
+            <a:r>
+              <a:rPr>
+                <a:solidFill>
+                  <a:srgbClr val="7D9029"/>
+                </a:solidFill>
+                <a:latin typeface="Courier"/>
+              </a:rPr>
+              <a:t>yend =</a:t>
+            </a:r>
+            <a:r>
+              <a:rPr>
+                <a:latin typeface="Courier"/>
+              </a:rPr>
+              <a:t> ylim)) </a:t>
+            </a:r>
+            <a:r>
+              <a:rPr>
+                <a:solidFill>
+                  <a:srgbClr val="4070A0"/>
+                </a:solidFill>
+                <a:latin typeface="Courier"/>
+              </a:rPr>
+              <a:t>+</a:t>
+            </a:r>
+            <a:br/>
+            <a:r>
+              <a:rPr>
+                <a:latin typeface="Courier"/>
+              </a:rPr>
+              <a:t>        </a:t>
+            </a:r>
+            <a:r>
+              <a:rPr>
+                <a:solidFill>
+                  <a:srgbClr val="06287E"/>
+                </a:solidFill>
+                <a:latin typeface="Courier"/>
+              </a:rPr>
+              <a:t>annotation_custom</a:t>
+            </a:r>
+            <a:r>
+              <a:rPr>
+                <a:latin typeface="Courier"/>
+              </a:rPr>
+              <a:t>(sym.grob)</a:t>
+            </a:r>
+            <a:br/>
+            <a:r>
+              <a:rPr>
+                <a:latin typeface="Courier"/>
+              </a:rPr>
+              <a:t>})</a:t>
+            </a:r>
+          </a:p>
+        </p:txBody>
+      </p:sp>
+    </p:spTree>
+  </p:cSld>
+</p:sld>
+</file>
+
+<file path=ppt/slides/slide14.xml><?xml version="1.0" encoding="utf-8"?>
+<p:sld xmlns:a="http://schemas.openxmlformats.org/drawingml/2006/main" xmlns:r="http://schemas.openxmlformats.org/officeDocument/2006/relationships" xmlns:p="http://schemas.openxmlformats.org/presentationml/2006/main">
+  <p:cSld>
+    <p:spTree>
+      <p:nvGrpSpPr>
+        <p:cNvPr id="1" name=""/>
+        <p:cNvGrpSpPr/>
+        <p:nvPr/>
+      </p:nvGrpSpPr>
+      <p:grpSpPr>
+        <a:xfrm>
+          <a:off x="0" y="0"/>
+          <a:ext cx="0" cy="0"/>
+          <a:chOff x="0" y="0"/>
+          <a:chExt cx="0" cy="0"/>
+        </a:xfrm>
+      </p:grpSpPr>
+      <p:sp>
+        <p:nvSpPr>
+          <p:cNvPr id="2" name="Title 1"/>
+          <p:cNvSpPr>
+            <a:spLocks noGrp="1"/>
+          </p:cNvSpPr>
+          <p:nvPr>
+            <p:ph type="title"/>
+          </p:nvPr>
+        </p:nvSpPr>
+        <p:spPr/>
+        <p:txBody>
+          <a:bodyPr/>
+          <a:lstStyle/>
+          <a:p>
+            <a:pPr lvl="0" indent="0" marL="0">
+              <a:buNone/>
+            </a:pPr>
+            <a:r>
+              <a:rPr/>
+              <a:t>¿Cómo </a:t>
+            </a:r>
+            <a:r>
+              <a:rPr b="1"/>
+              <a:t>sensibilizar</a:t>
+            </a:r>
+            <a:r>
+              <a:rPr/>
+              <a:t>? Dimensionando la problemática de distintas formas</a:t>
+            </a:r>
+          </a:p>
+        </p:txBody>
+      </p:sp>
+      <p:pic>
+        <p:nvPicPr>
+          <p:cNvPr descr="img/preguntas/costop.png" id="0" name="Picture 1">
+            <a:hlinkClick r:id="rId3"/>
+          </p:cNvPr>
+          <p:cNvPicPr>
+            <a:picLocks noGrp="1" noChangeAspect="1"/>
+          </p:cNvPicPr>
+          <p:nvPr/>
+        </p:nvPicPr>
+        <p:blipFill>
+          <a:blip r:embed="rId2"/>
+          <a:stretch>
+            <a:fillRect/>
+          </a:stretch>
+        </p:blipFill>
+        <p:spPr bwMode="auto">
+          <a:xfrm>
+            <a:off x="1892300" y="1193800"/>
+            <a:ext cx="5359400" cy="2882900"/>
+          </a:xfrm>
+          <a:prstGeom prst="rect">
+            <a:avLst/>
+          </a:prstGeom>
+          <a:noFill/>
+          <a:ln w="9525">
+            <a:noFill/>
+            <a:headEnd/>
+            <a:tailEnd/>
+          </a:ln>
+        </p:spPr>
+      </p:pic>
+      <p:sp>
+        <p:nvSpPr>
+          <p:cNvPr id="1" name="TextBox 3"/>
+          <p:cNvSpPr txBox="1"/>
+          <p:nvPr/>
+        </p:nvSpPr>
+        <p:spPr>
+          <a:xfrm>
+            <a:off x="457200" y="4076700"/>
+            <a:ext cx="8229600" cy="508000"/>
+          </a:xfrm>
+          <a:prstGeom prst="rect">
+            <a:avLst/>
+          </a:prstGeom>
+          <a:noFill/>
+        </p:spPr>
+        <p:txBody>
+          <a:bodyPr/>
+          <a:lstStyle/>
+          <a:p>
+            <a:pPr lvl="0" indent="0" marL="0" algn="ctr">
+              <a:buNone/>
+            </a:pPr>
+            <a:r>
+              <a:rPr/>
+              <a:t>Costos de Oportunidad</a:t>
+            </a:r>
+          </a:p>
+        </p:txBody>
+      </p:sp>
+    </p:spTree>
+  </p:cSld>
+</p:sld>
+</file>
+
+<file path=ppt/slides/slide15.xml><?xml version="1.0" encoding="utf-8"?>
+<p:sld xmlns:a="http://schemas.openxmlformats.org/drawingml/2006/main" xmlns:r="http://schemas.openxmlformats.org/officeDocument/2006/relationships" xmlns:p="http://schemas.openxmlformats.org/presentationml/2006/main">
+  <p:cSld>
+    <p:spTree>
+      <p:nvGrpSpPr>
+        <p:cNvPr id="1" name=""/>
+        <p:cNvGrpSpPr/>
+        <p:nvPr/>
+      </p:nvGrpSpPr>
+      <p:grpSpPr>
+        <a:xfrm>
+          <a:off x="0" y="0"/>
+          <a:ext cx="0" cy="0"/>
+          <a:chOff x="0" y="0"/>
+          <a:chExt cx="0" cy="0"/>
+        </a:xfrm>
+      </p:grpSpPr>
+      <p:sp>
+        <p:nvSpPr>
+          <p:cNvPr id="2" name="Title 1"/>
+          <p:cNvSpPr>
+            <a:spLocks noGrp="1"/>
+          </p:cNvSpPr>
+          <p:nvPr>
+            <p:ph type="title"/>
+          </p:nvPr>
+        </p:nvSpPr>
+        <p:spPr/>
+        <p:txBody>
+          <a:bodyPr/>
+          <a:lstStyle/>
+          <a:p>
+            <a:pPr lvl="0" indent="0" marL="0">
+              <a:buNone/>
+            </a:pPr>
+            <a:r>
+              <a:rPr/>
+              <a:t>¿Cómo </a:t>
+            </a:r>
+            <a:r>
+              <a:rPr b="1"/>
+              <a:t>sensibilizar</a:t>
+            </a:r>
+            <a:r>
+              <a:rPr/>
+              <a:t>? Rendición de cuentas a nivel local</a:t>
+            </a:r>
+          </a:p>
+        </p:txBody>
+      </p:sp>
+      <p:pic>
+        <p:nvPicPr>
+          <p:cNvPr descr="img/preguntas/scat.png" id="0" name="Picture 1">
+            <a:hlinkClick r:id="rId3"/>
+          </p:cNvPr>
+          <p:cNvPicPr>
+            <a:picLocks noGrp="1" noChangeAspect="1"/>
+          </p:cNvPicPr>
+          <p:nvPr/>
+        </p:nvPicPr>
+        <p:blipFill>
+          <a:blip r:embed="rId2"/>
+          <a:stretch>
+            <a:fillRect/>
+          </a:stretch>
+        </p:blipFill>
+        <p:spPr bwMode="auto">
+          <a:xfrm>
+            <a:off x="1892300" y="1193800"/>
+            <a:ext cx="5359400" cy="2882900"/>
+          </a:xfrm>
+          <a:prstGeom prst="rect">
+            <a:avLst/>
+          </a:prstGeom>
+          <a:noFill/>
+          <a:ln w="9525">
+            <a:noFill/>
+            <a:headEnd/>
+            <a:tailEnd/>
+          </a:ln>
+        </p:spPr>
+      </p:pic>
+      <p:sp>
+        <p:nvSpPr>
+          <p:cNvPr id="1" name="TextBox 3"/>
+          <p:cNvSpPr txBox="1"/>
+          <p:nvPr/>
+        </p:nvSpPr>
+        <p:spPr>
+          <a:xfrm>
+            <a:off x="457200" y="4076700"/>
+            <a:ext cx="8229600" cy="508000"/>
+          </a:xfrm>
+          <a:prstGeom prst="rect">
+            <a:avLst/>
+          </a:prstGeom>
+          <a:noFill/>
+        </p:spPr>
+        <p:txBody>
+          <a:bodyPr/>
+          <a:lstStyle/>
+          <a:p>
+            <a:pPr lvl="0" indent="0" marL="0" algn="ctr">
+              <a:buNone/>
+            </a:pPr>
+            <a:r>
+              <a:rPr/>
+              <a:t>Infraestructura local</a:t>
+            </a:r>
+          </a:p>
+        </p:txBody>
+      </p:sp>
+    </p:spTree>
+  </p:cSld>
+</p:sld>
+</file>
+
+<file path=ppt/slides/slide16.xml><?xml version="1.0" encoding="utf-8"?>
+<p:sld xmlns:a="http://schemas.openxmlformats.org/drawingml/2006/main" xmlns:r="http://schemas.openxmlformats.org/officeDocument/2006/relationships" xmlns:p="http://schemas.openxmlformats.org/presentationml/2006/main">
+  <p:cSld>
+    <p:spTree>
+      <p:nvGrpSpPr>
+        <p:cNvPr id="1" name=""/>
+        <p:cNvGrpSpPr/>
+        <p:nvPr/>
+      </p:nvGrpSpPr>
+      <p:grpSpPr>
+        <a:xfrm>
+          <a:off x="0" y="0"/>
+          <a:ext cx="0" cy="0"/>
+          <a:chOff x="0" y="0"/>
+          <a:chExt cx="0" cy="0"/>
+        </a:xfrm>
+      </p:grpSpPr>
+      <p:sp>
+        <p:nvSpPr>
+          <p:cNvPr id="2" name="Title 1"/>
+          <p:cNvSpPr>
+            <a:spLocks noGrp="1"/>
+          </p:cNvSpPr>
+          <p:nvPr>
+            <p:ph type="title"/>
+          </p:nvPr>
+        </p:nvSpPr>
+        <p:spPr/>
+        <p:txBody>
+          <a:bodyPr/>
+          <a:lstStyle/>
+          <a:p>
+            <a:pPr lvl="0" indent="0" marL="0">
+              <a:buNone/>
+            </a:pPr>
+            <a:r>
+              <a:rPr/>
+              <a:t>¿Cómo habilitar la </a:t>
+            </a:r>
+            <a:r>
+              <a:rPr b="1"/>
+              <a:t>toma de acción</a:t>
+            </a:r>
+            <a:r>
+              <a:rPr/>
+              <a:t>?</a:t>
+            </a:r>
+          </a:p>
+        </p:txBody>
+      </p:sp>
+      <p:pic>
+        <p:nvPicPr>
+          <p:cNvPr descr="img/preguntas/call2act.png" id="0" name="Picture 1">
+            <a:hlinkClick r:id="rId3"/>
+          </p:cNvPr>
+          <p:cNvPicPr>
+            <a:picLocks noGrp="1" noChangeAspect="1"/>
+          </p:cNvPicPr>
+          <p:nvPr/>
+        </p:nvPicPr>
+        <p:blipFill>
+          <a:blip r:embed="rId2"/>
+          <a:stretch>
+            <a:fillRect/>
+          </a:stretch>
+        </p:blipFill>
+        <p:spPr bwMode="auto">
+          <a:xfrm>
+            <a:off x="1892300" y="1193800"/>
+            <a:ext cx="5359400" cy="2882900"/>
+          </a:xfrm>
+          <a:prstGeom prst="rect">
+            <a:avLst/>
+          </a:prstGeom>
+          <a:noFill/>
+          <a:ln w="9525">
+            <a:noFill/>
+            <a:headEnd/>
+            <a:tailEnd/>
+          </a:ln>
+        </p:spPr>
+      </p:pic>
+      <p:sp>
+        <p:nvSpPr>
+          <p:cNvPr id="1" name="TextBox 3"/>
+          <p:cNvSpPr txBox="1"/>
+          <p:nvPr/>
+        </p:nvSpPr>
+        <p:spPr>
+          <a:xfrm>
+            <a:off x="457200" y="4076700"/>
+            <a:ext cx="8229600" cy="508000"/>
+          </a:xfrm>
+          <a:prstGeom prst="rect">
+            <a:avLst/>
+          </a:prstGeom>
+          <a:noFill/>
+        </p:spPr>
+        <p:txBody>
+          <a:bodyPr/>
+          <a:lstStyle/>
+          <a:p>
+            <a:pPr lvl="0" indent="0" marL="0" algn="ctr">
+              <a:buNone/>
+            </a:pPr>
+            <a:r>
+              <a:rPr/>
+              <a:t>Infraestructura local</a:t>
+            </a:r>
+          </a:p>
+        </p:txBody>
+      </p:sp>
+    </p:spTree>
+  </p:cSld>
+</p:sld>
+</file>
+
+<file path=ppt/slides/slide17.xml><?xml version="1.0" encoding="utf-8"?>
+<p:sld xmlns:a="http://schemas.openxmlformats.org/drawingml/2006/main" xmlns:r="http://schemas.openxmlformats.org/officeDocument/2006/relationships" xmlns:p="http://schemas.openxmlformats.org/presentationml/2006/main">
+  <p:cSld>
+    <p:spTree>
+      <p:nvGrpSpPr>
+        <p:cNvPr id="1" name=""/>
+        <p:cNvGrpSpPr/>
+        <p:nvPr/>
+      </p:nvGrpSpPr>
+      <p:grpSpPr>
+        <a:xfrm>
+          <a:off x="0" y="0"/>
+          <a:ext cx="0" cy="0"/>
+          <a:chOff x="0" y="0"/>
+          <a:chExt cx="0" cy="0"/>
+        </a:xfrm>
+      </p:grpSpPr>
+      <p:sp>
+        <p:nvSpPr>
+          <p:cNvPr id="2" name="Title 1"/>
+          <p:cNvSpPr>
+            <a:spLocks noGrp="1"/>
+          </p:cNvSpPr>
+          <p:nvPr>
+            <p:ph type="title"/>
+          </p:nvPr>
+        </p:nvSpPr>
+        <p:spPr/>
+        <p:txBody>
+          <a:bodyPr/>
+          <a:lstStyle/>
+          <a:p>
+            <a:pPr lvl="0" indent="0" marL="0">
+              <a:buNone/>
+            </a:pPr>
+            <a:r>
+              <a:rPr/>
+              <a:t>Jorge</a:t>
+            </a:r>
+          </a:p>
+        </p:txBody>
+      </p:sp>
+      <p:sp>
+        <p:nvSpPr>
+          <p:cNvPr id="3" name="Content Placeholder 2"/>
+          <p:cNvSpPr>
+            <a:spLocks noGrp="1"/>
+          </p:cNvSpPr>
+          <p:nvPr>
+            <p:ph idx="1"/>
+          </p:nvPr>
+        </p:nvSpPr>
+        <p:spPr/>
+        <p:txBody>
+          <a:bodyPr/>
+          <a:lstStyle/>
+          <a:p>
+            <a:pPr lvl="0" indent="0" marL="0">
+              <a:buNone/>
+            </a:pPr>
+            <a:r>
+              <a:rPr/>
+              <a:t>Slides Giorgi</a:t>
+            </a:r>
+          </a:p>
+        </p:txBody>
+      </p:sp>
+    </p:spTree>
+  </p:cSld>
+</p:sld>
+</file>
+
+<file path=ppt/slides/slide18.xml><?xml version="1.0" encoding="utf-8"?>
+<p:sld xmlns:a="http://schemas.openxmlformats.org/drawingml/2006/main" xmlns:r="http://schemas.openxmlformats.org/officeDocument/2006/relationships" xmlns:p="http://schemas.openxmlformats.org/presentationml/2006/main">
+  <p:cSld>
+    <p:spTree>
+      <p:nvGrpSpPr>
+        <p:cNvPr id="1" name=""/>
+        <p:cNvGrpSpPr/>
+        <p:nvPr/>
+      </p:nvGrpSpPr>
+      <p:grpSpPr>
+        <a:xfrm>
+          <a:off x="0" y="0"/>
+          <a:ext cx="0" cy="0"/>
+          <a:chOff x="0" y="0"/>
+          <a:chExt cx="0" cy="0"/>
+        </a:xfrm>
+      </p:grpSpPr>
+      <p:sp>
+        <p:nvSpPr>
+          <p:cNvPr id="2" name="Title 1"/>
+          <p:cNvSpPr>
+            <a:spLocks noGrp="1"/>
+          </p:cNvSpPr>
+          <p:nvPr>
+            <p:ph type="title"/>
+          </p:nvPr>
+        </p:nvSpPr>
+        <p:spPr/>
+        <p:txBody>
+          <a:bodyPr/>
+          <a:lstStyle/>
+          <a:p>
+            <a:pPr lvl="0" indent="0" marL="0">
+              <a:buNone/>
+            </a:pPr>
+            <a:r>
+              <a:rPr/>
+              <a:t>Monse</a:t>
+            </a:r>
+          </a:p>
+        </p:txBody>
+      </p:sp>
+      <p:sp>
+        <p:nvSpPr>
+          <p:cNvPr id="3" name="Content Placeholder 2"/>
+          <p:cNvSpPr>
+            <a:spLocks noGrp="1"/>
+          </p:cNvSpPr>
+          <p:nvPr>
+            <p:ph idx="1"/>
+          </p:nvPr>
+        </p:nvSpPr>
+        <p:spPr/>
+        <p:txBody>
+          <a:bodyPr/>
+          <a:lstStyle/>
+          <a:p>
+            <a:pPr lvl="0" indent="0" marL="0">
+              <a:buNone/>
+            </a:pPr>
+            <a:r>
+              <a:rPr/>
+              <a:t>Slides Monse</a:t>
+            </a:r>
+          </a:p>
+        </p:txBody>
+      </p:sp>
+    </p:spTree>
+  </p:cSld>
+</p:sld>
+</file>
+
+<file path=ppt/slides/slide19.xml><?xml version="1.0" encoding="utf-8"?>
+<p:sld xmlns:a="http://schemas.openxmlformats.org/drawingml/2006/main" xmlns:r="http://schemas.openxmlformats.org/officeDocument/2006/relationships" xmlns:p="http://schemas.openxmlformats.org/presentationml/2006/main">
+  <p:cSld>
+    <p:spTree>
+      <p:nvGrpSpPr>
+        <p:cNvPr id="1" name=""/>
+        <p:cNvGrpSpPr/>
+        <p:nvPr/>
+      </p:nvGrpSpPr>
+      <p:grpSpPr>
+        <a:xfrm>
+          <a:off x="0" y="0"/>
+          <a:ext cx="0" cy="0"/>
+          <a:chOff x="0" y="0"/>
+          <a:chExt cx="0" cy="0"/>
+        </a:xfrm>
+      </p:grpSpPr>
+      <p:sp>
+        <p:nvSpPr>
+          <p:cNvPr id="2" name="Title 1"/>
+          <p:cNvSpPr>
+            <a:spLocks noGrp="1"/>
+          </p:cNvSpPr>
+          <p:nvPr>
+            <p:ph type="title"/>
+          </p:nvPr>
+        </p:nvSpPr>
+        <p:spPr/>
+        <p:txBody>
+          <a:bodyPr/>
+          <a:lstStyle/>
+          <a:p>
+            <a:pPr lvl="0" indent="0" marL="0">
+              <a:buNone/>
+            </a:pPr>
+            <a:r>
+              <a:rPr/>
+              <a:t>¿Cómo hacer un ggplot responsive?</a:t>
+            </a:r>
+          </a:p>
+        </p:txBody>
+      </p:sp>
+      <p:pic>
+        <p:nvPicPr>
+          <p:cNvPr descr="img/no-resp-lap.png" id="0" name="Picture 1"/>
+          <p:cNvPicPr>
+            <a:picLocks noGrp="1" noChangeAspect="1"/>
+          </p:cNvPicPr>
+          <p:nvPr/>
+        </p:nvPicPr>
+        <p:blipFill>
+          <a:blip r:embed="rId2"/>
+          <a:stretch>
+            <a:fillRect/>
+          </a:stretch>
+        </p:blipFill>
+        <p:spPr bwMode="auto">
+          <a:xfrm>
+            <a:off x="457200" y="1676400"/>
+            <a:ext cx="4038600" cy="2425700"/>
+          </a:xfrm>
+          <a:prstGeom prst="rect">
+            <a:avLst/>
+          </a:prstGeom>
+          <a:noFill/>
+          <a:ln w="9525">
+            <a:noFill/>
+            <a:headEnd/>
+            <a:tailEnd/>
+          </a:ln>
+        </p:spPr>
+      </p:pic>
+      <p:pic>
+        <p:nvPicPr>
+          <p:cNvPr descr="img/no-resp-mov.png" id="0" name="Picture 1"/>
+          <p:cNvPicPr>
+            <a:picLocks noGrp="1" noChangeAspect="1"/>
+          </p:cNvPicPr>
+          <p:nvPr/>
+        </p:nvPicPr>
+        <p:blipFill>
+          <a:blip r:embed="rId3"/>
+          <a:stretch>
+            <a:fillRect/>
+          </a:stretch>
+        </p:blipFill>
+        <p:spPr bwMode="auto">
+          <a:xfrm>
+            <a:off x="5499100" y="1193800"/>
+            <a:ext cx="2336800" cy="3390900"/>
+          </a:xfrm>
+          <a:prstGeom prst="rect">
+            <a:avLst/>
+          </a:prstGeom>
+          <a:noFill/>
+          <a:ln w="9525">
+            <a:noFill/>
+            <a:headEnd/>
+            <a:tailEnd/>
+          </a:ln>
+        </p:spPr>
+      </p:pic>
     </p:spTree>
   </p:cSld>
 </p:sld>
@@ -3203,6 +5922,58 @@
           <a:chExt cx="0" cy="0"/>
         </a:xfrm>
       </p:grpSpPr>
+      <p:pic>
+        <p:nvPicPr>
+          <p:cNvPr descr="img/DC_logo_2017-01.png" id="0" name="Picture 1"/>
+          <p:cNvPicPr>
+            <a:picLocks noGrp="1" noChangeAspect="1"/>
+          </p:cNvPicPr>
+          <p:nvPr/>
+        </p:nvPicPr>
+        <p:blipFill>
+          <a:blip r:embed="rId2"/>
+          <a:stretch>
+            <a:fillRect/>
+          </a:stretch>
+        </p:blipFill>
+        <p:spPr bwMode="auto">
+          <a:xfrm>
+            <a:off x="2209800" y="1193800"/>
+            <a:ext cx="4737100" cy="3390900"/>
+          </a:xfrm>
+          <a:prstGeom prst="rect">
+            <a:avLst/>
+          </a:prstGeom>
+          <a:noFill/>
+          <a:ln w="9525">
+            <a:noFill/>
+            <a:headEnd/>
+            <a:tailEnd/>
+          </a:ln>
+        </p:spPr>
+      </p:pic>
+    </p:spTree>
+  </p:cSld>
+</p:sld>
+</file>
+
+<file path=ppt/slides/slide20.xml><?xml version="1.0" encoding="utf-8"?>
+<p:sld xmlns:a="http://schemas.openxmlformats.org/drawingml/2006/main" xmlns:r="http://schemas.openxmlformats.org/officeDocument/2006/relationships" xmlns:p="http://schemas.openxmlformats.org/presentationml/2006/main">
+  <p:cSld>
+    <p:spTree>
+      <p:nvGrpSpPr>
+        <p:cNvPr id="1" name=""/>
+        <p:cNvGrpSpPr/>
+        <p:nvPr/>
+      </p:nvGrpSpPr>
+      <p:grpSpPr>
+        <a:xfrm>
+          <a:off x="0" y="0"/>
+          <a:ext cx="0" cy="0"/>
+          <a:chOff x="0" y="0"/>
+          <a:chExt cx="0" cy="0"/>
+        </a:xfrm>
+      </p:grpSpPr>
       <p:sp>
         <p:nvSpPr>
           <p:cNvPr id="2" name="Title 1"/>
@@ -3223,7 +5994,114 @@
             </a:pPr>
             <a:r>
               <a:rPr/>
-              <a:t>R Markdown</a:t>
+              <a:t>¿Cómo hacer un ggplot responsive?</a:t>
+            </a:r>
+          </a:p>
+        </p:txBody>
+      </p:sp>
+      <p:pic>
+        <p:nvPicPr>
+          <p:cNvPr descr="img/resp-lap.png" id="0" name="Picture 1"/>
+          <p:cNvPicPr>
+            <a:picLocks noGrp="1" noChangeAspect="1"/>
+          </p:cNvPicPr>
+          <p:nvPr/>
+        </p:nvPicPr>
+        <p:blipFill>
+          <a:blip r:embed="rId2"/>
+          <a:stretch>
+            <a:fillRect/>
+          </a:stretch>
+        </p:blipFill>
+        <p:spPr bwMode="auto">
+          <a:xfrm>
+            <a:off x="457200" y="1524000"/>
+            <a:ext cx="4038600" cy="2717800"/>
+          </a:xfrm>
+          <a:prstGeom prst="rect">
+            <a:avLst/>
+          </a:prstGeom>
+          <a:noFill/>
+          <a:ln w="9525">
+            <a:noFill/>
+            <a:headEnd/>
+            <a:tailEnd/>
+          </a:ln>
+        </p:spPr>
+      </p:pic>
+      <p:pic>
+        <p:nvPicPr>
+          <p:cNvPr descr="img/resp-mov.png" id="0" name="Picture 1"/>
+          <p:cNvPicPr>
+            <a:picLocks noGrp="1" noChangeAspect="1"/>
+          </p:cNvPicPr>
+          <p:nvPr/>
+        </p:nvPicPr>
+        <p:blipFill>
+          <a:blip r:embed="rId3"/>
+          <a:stretch>
+            <a:fillRect/>
+          </a:stretch>
+        </p:blipFill>
+        <p:spPr bwMode="auto">
+          <a:xfrm>
+            <a:off x="5384800" y="1193800"/>
+            <a:ext cx="2565400" cy="3390900"/>
+          </a:xfrm>
+          <a:prstGeom prst="rect">
+            <a:avLst/>
+          </a:prstGeom>
+          <a:noFill/>
+          <a:ln w="9525">
+            <a:noFill/>
+            <a:headEnd/>
+            <a:tailEnd/>
+          </a:ln>
+        </p:spPr>
+      </p:pic>
+    </p:spTree>
+  </p:cSld>
+</p:sld>
+</file>
+
+<file path=ppt/slides/slide21.xml><?xml version="1.0" encoding="utf-8"?>
+<p:sld xmlns:a="http://schemas.openxmlformats.org/drawingml/2006/main" xmlns:r="http://schemas.openxmlformats.org/officeDocument/2006/relationships" xmlns:p="http://schemas.openxmlformats.org/presentationml/2006/main">
+  <p:cSld>
+    <p:spTree>
+      <p:nvGrpSpPr>
+        <p:cNvPr id="1" name=""/>
+        <p:cNvGrpSpPr/>
+        <p:nvPr/>
+      </p:nvGrpSpPr>
+      <p:grpSpPr>
+        <a:xfrm>
+          <a:off x="0" y="0"/>
+          <a:ext cx="0" cy="0"/>
+          <a:chOff x="0" y="0"/>
+          <a:chExt cx="0" cy="0"/>
+        </a:xfrm>
+      </p:grpSpPr>
+      <p:sp>
+        <p:nvSpPr>
+          <p:cNvPr id="2" name="Title 1"/>
+          <p:cNvSpPr>
+            <a:spLocks noGrp="1"/>
+          </p:cNvSpPr>
+          <p:nvPr>
+            <p:ph type="title"/>
+          </p:nvPr>
+        </p:nvSpPr>
+        <p:spPr/>
+        <p:txBody>
+          <a:bodyPr/>
+          <a:lstStyle/>
+          <a:p>
+            <a:pPr lvl="0" indent="0" marL="0">
+              <a:buNone/>
+            </a:pPr>
+            <a:r>
+              <a:rPr/>
+              <a:t>¿Cómo hacer un ggplot responsive?</a:t>
             </a:r>
           </a:p>
         </p:txBody>
@@ -3243,39 +6121,1103 @@
           <a:bodyPr/>
           <a:lstStyle/>
           <a:p>
+            <a:pPr lvl="0"/>
+            <a:r>
+              <a:rPr/>
+              <a:t>Hacemos el tamaño de la fuente una </a:t>
+            </a:r>
+            <a:r>
+              <a:rPr b="1"/>
+              <a:t>función del ancho del ggplot rendereado</a:t>
+            </a:r>
+          </a:p>
+          <a:p>
+            <a:pPr lvl="0"/>
+            <a:r>
+              <a:rPr/>
+              <a:t>¿De donde sacamos el ancho del ggplot rendereado? </a:t>
+            </a:r>
+            <a:r>
+              <a:rPr>
+                <a:latin typeface="Courier"/>
+              </a:rPr>
+              <a:t>session$clientData</a:t>
+            </a:r>
+          </a:p>
+        </p:txBody>
+      </p:sp>
+    </p:spTree>
+  </p:cSld>
+</p:sld>
+</file>
+
+<file path=ppt/slides/slide22.xml><?xml version="1.0" encoding="utf-8"?>
+<p:sld xmlns:a="http://schemas.openxmlformats.org/drawingml/2006/main" xmlns:r="http://schemas.openxmlformats.org/officeDocument/2006/relationships" xmlns:p="http://schemas.openxmlformats.org/presentationml/2006/main">
+  <p:cSld>
+    <p:spTree>
+      <p:nvGrpSpPr>
+        <p:cNvPr id="1" name=""/>
+        <p:cNvGrpSpPr/>
+        <p:nvPr/>
+      </p:nvGrpSpPr>
+      <p:grpSpPr>
+        <a:xfrm>
+          <a:off x="0" y="0"/>
+          <a:ext cx="0" cy="0"/>
+          <a:chOff x="0" y="0"/>
+          <a:chExt cx="0" cy="0"/>
+        </a:xfrm>
+      </p:grpSpPr>
+      <p:sp>
+        <p:nvSpPr>
+          <p:cNvPr id="2" name="Title 1"/>
+          <p:cNvSpPr>
+            <a:spLocks noGrp="1"/>
+          </p:cNvSpPr>
+          <p:nvPr>
+            <p:ph type="title"/>
+          </p:nvPr>
+        </p:nvSpPr>
+        <p:spPr/>
+        <p:txBody>
+          <a:bodyPr/>
+          <a:lstStyle/>
+          <a:p>
             <a:pPr lvl="0" indent="0" marL="0">
               <a:buNone/>
             </a:pPr>
             <a:r>
               <a:rPr/>
-              <a:t>This is an R Markdown presentation. Markdown is a simple formatting syntax for authoring HTML, PDF, and MS Word documents. For more details on using R Markdown see </a:t>
-            </a:r>
-            <a:r>
-              <a:rPr>
-                <a:hlinkClick r:id="rId2"/>
-              </a:rPr>
-              <a:t>http://rmarkdown.rstudio.com</a:t>
-            </a:r>
+              <a:t>¿Cómo hacer un ggplot responsive?</a:t>
+            </a:r>
+          </a:p>
+        </p:txBody>
+      </p:sp>
+      <p:pic>
+        <p:nvPicPr>
+          <p:cNvPr descr="img/movses.png" id="0" name="Picture 1"/>
+          <p:cNvPicPr>
+            <a:picLocks noGrp="1" noChangeAspect="1"/>
+          </p:cNvPicPr>
+          <p:nvPr/>
+        </p:nvPicPr>
+        <p:blipFill>
+          <a:blip r:embed="rId2"/>
+          <a:stretch>
+            <a:fillRect/>
+          </a:stretch>
+        </p:blipFill>
+        <p:spPr bwMode="auto">
+          <a:xfrm>
+            <a:off x="1244600" y="1193800"/>
+            <a:ext cx="2463800" cy="3390900"/>
+          </a:xfrm>
+          <a:prstGeom prst="rect">
+            <a:avLst/>
+          </a:prstGeom>
+          <a:noFill/>
+          <a:ln w="9525">
+            <a:noFill/>
+            <a:headEnd/>
+            <a:tailEnd/>
+          </a:ln>
+        </p:spPr>
+      </p:pic>
+      <p:pic>
+        <p:nvPicPr>
+          <p:cNvPr descr="img/1024x800ses.png" id="0" name="Picture 1"/>
+          <p:cNvPicPr>
+            <a:picLocks noGrp="1" noChangeAspect="1"/>
+          </p:cNvPicPr>
+          <p:nvPr/>
+        </p:nvPicPr>
+        <p:blipFill>
+          <a:blip r:embed="rId3"/>
+          <a:stretch>
+            <a:fillRect/>
+          </a:stretch>
+        </p:blipFill>
+        <p:spPr bwMode="auto">
+          <a:xfrm>
+            <a:off x="4648200" y="2006600"/>
+            <a:ext cx="4038600" cy="1765300"/>
+          </a:xfrm>
+          <a:prstGeom prst="rect">
+            <a:avLst/>
+          </a:prstGeom>
+          <a:noFill/>
+          <a:ln w="9525">
+            <a:noFill/>
+            <a:headEnd/>
+            <a:tailEnd/>
+          </a:ln>
+        </p:spPr>
+      </p:pic>
+    </p:spTree>
+  </p:cSld>
+</p:sld>
+</file>
+
+<file path=ppt/slides/slide23.xml><?xml version="1.0" encoding="utf-8"?>
+<p:sld xmlns:a="http://schemas.openxmlformats.org/drawingml/2006/main" xmlns:r="http://schemas.openxmlformats.org/officeDocument/2006/relationships" xmlns:p="http://schemas.openxmlformats.org/presentationml/2006/main">
+  <p:cSld>
+    <p:spTree>
+      <p:nvGrpSpPr>
+        <p:cNvPr id="1" name=""/>
+        <p:cNvGrpSpPr/>
+        <p:nvPr/>
+      </p:nvGrpSpPr>
+      <p:grpSpPr>
+        <a:xfrm>
+          <a:off x="0" y="0"/>
+          <a:ext cx="0" cy="0"/>
+          <a:chOff x="0" y="0"/>
+          <a:chExt cx="0" cy="0"/>
+        </a:xfrm>
+      </p:grpSpPr>
+      <p:sp>
+        <p:nvSpPr>
+          <p:cNvPr id="2" name="Title 1"/>
+          <p:cNvSpPr>
+            <a:spLocks noGrp="1"/>
+          </p:cNvSpPr>
+          <p:nvPr>
+            <p:ph type="title"/>
+          </p:nvPr>
+        </p:nvSpPr>
+        <p:spPr/>
+        <p:txBody>
+          <a:bodyPr/>
+          <a:lstStyle/>
+          <a:p>
+            <a:pPr lvl="0" indent="0" marL="0">
+              <a:buNone/>
+            </a:pPr>
             <a:r>
               <a:rPr/>
-              <a:t>.</a:t>
-            </a:r>
-          </a:p>
+              <a:t>¿Cómo hacer un ggplot responsive?</a:t>
+            </a:r>
+          </a:p>
+        </p:txBody>
+      </p:sp>
+      <p:sp>
+        <p:nvSpPr>
+          <p:cNvPr id="3" name="Content Placeholder 2"/>
+          <p:cNvSpPr>
+            <a:spLocks noGrp="1"/>
+          </p:cNvSpPr>
+          <p:nvPr>
+            <p:ph idx="1" sz="half"/>
+          </p:nvPr>
+        </p:nvSpPr>
+        <p:spPr/>
+        <p:txBody>
+          <a:bodyPr/>
+          <a:lstStyle/>
+          <a:p>
+            <a:pPr lvl="0" indent="0">
+              <a:buNone/>
+            </a:pPr>
+            <a:r>
+              <a:rPr>
+                <a:latin typeface="Courier"/>
+              </a:rPr>
+              <a:t>    output</a:t>
+            </a:r>
+            <a:r>
+              <a:rPr>
+                <a:solidFill>
+                  <a:srgbClr val="4070A0"/>
+                </a:solidFill>
+                <a:latin typeface="Courier"/>
+              </a:rPr>
+              <a:t>$</a:t>
+            </a:r>
+            <a:r>
+              <a:rPr>
+                <a:latin typeface="Courier"/>
+              </a:rPr>
+              <a:t>graf </a:t>
+            </a:r>
+            <a:r>
+              <a:rPr>
+                <a:solidFill>
+                  <a:srgbClr val="007020"/>
+                </a:solidFill>
+                <a:latin typeface="Courier"/>
+              </a:rPr>
+              <a:t>&lt;-</a:t>
+            </a:r>
+            <a:r>
+              <a:rPr>
+                <a:latin typeface="Courier"/>
+              </a:rPr>
+              <a:t> </a:t>
+            </a:r>
+            <a:r>
+              <a:rPr>
+                <a:solidFill>
+                  <a:srgbClr val="06287E"/>
+                </a:solidFill>
+                <a:latin typeface="Courier"/>
+              </a:rPr>
+              <a:t>renderPlot</a:t>
+            </a:r>
+            <a:r>
+              <a:rPr>
+                <a:latin typeface="Courier"/>
+              </a:rPr>
+              <a:t>({</a:t>
+            </a:r>
+            <a:br/>
+            <a:r>
+              <a:rPr>
+                <a:latin typeface="Courier"/>
+              </a:rPr>
+              <a:t>      </a:t>
+            </a:r>
+            <a:r>
+              <a:rPr>
+                <a:solidFill>
+                  <a:srgbClr val="06287E"/>
+                </a:solidFill>
+                <a:latin typeface="Courier"/>
+              </a:rPr>
+              <a:t>ggplot</a:t>
+            </a:r>
+            <a:r>
+              <a:rPr>
+                <a:latin typeface="Courier"/>
+              </a:rPr>
+              <a:t>() </a:t>
+            </a:r>
+            <a:r>
+              <a:rPr>
+                <a:solidFill>
+                  <a:srgbClr val="4070A0"/>
+                </a:solidFill>
+                <a:latin typeface="Courier"/>
+              </a:rPr>
+              <a:t>+</a:t>
+            </a:r>
+            <a:br/>
+            <a:r>
+              <a:rPr>
+                <a:latin typeface="Courier"/>
+              </a:rPr>
+              <a:t>        </a:t>
+            </a:r>
+            <a:r>
+              <a:rPr>
+                <a:solidFill>
+                  <a:srgbClr val="06287E"/>
+                </a:solidFill>
+                <a:latin typeface="Courier"/>
+              </a:rPr>
+              <a:t>geom_text</a:t>
+            </a:r>
+            <a:r>
+              <a:rPr>
+                <a:latin typeface="Courier"/>
+              </a:rPr>
+              <a:t>(</a:t>
+            </a:r>
+            <a:br/>
+            <a:r>
+              <a:rPr>
+                <a:latin typeface="Courier"/>
+              </a:rPr>
+              <a:t>          </a:t>
+            </a:r>
+            <a:r>
+              <a:rPr>
+                <a:solidFill>
+                  <a:srgbClr val="7D9029"/>
+                </a:solidFill>
+                <a:latin typeface="Courier"/>
+              </a:rPr>
+              <a:t>size =</a:t>
+            </a:r>
+            <a:r>
+              <a:rPr>
+                <a:latin typeface="Courier"/>
+              </a:rPr>
+              <a:t> </a:t>
+            </a:r>
+            <a:r>
+              <a:rPr>
+                <a:solidFill>
+                  <a:srgbClr val="40A070"/>
+                </a:solidFill>
+                <a:latin typeface="Courier"/>
+              </a:rPr>
+              <a:t>0.75</a:t>
+            </a:r>
+            <a:r>
+              <a:rPr>
+                <a:solidFill>
+                  <a:srgbClr val="4070A0"/>
+                </a:solidFill>
+                <a:latin typeface="Courier"/>
+              </a:rPr>
+              <a:t>*</a:t>
+            </a:r>
+            <a:r>
+              <a:rPr>
+                <a:solidFill>
+                  <a:srgbClr val="06287E"/>
+                </a:solidFill>
+                <a:latin typeface="Courier"/>
+              </a:rPr>
+              <a:t>textFunction</a:t>
+            </a:r>
+            <a:r>
+              <a:rPr>
+                <a:latin typeface="Courier"/>
+              </a:rPr>
+              <a:t>()</a:t>
+            </a:r>
+            <a:br/>
+            <a:r>
+              <a:rPr>
+                <a:latin typeface="Courier"/>
+              </a:rPr>
+              <a:t>        ) </a:t>
+            </a:r>
+            <a:br/>
+            <a:r>
+              <a:rPr>
+                <a:latin typeface="Courier"/>
+              </a:rPr>
+              <a:t>      }, </a:t>
+            </a:r>
+            <a:br/>
+            <a:r>
+              <a:rPr>
+                <a:latin typeface="Courier"/>
+              </a:rPr>
+              <a:t>      </a:t>
+            </a:r>
+            <a:r>
+              <a:rPr>
+                <a:solidFill>
+                  <a:srgbClr val="7D9029"/>
+                </a:solidFill>
+                <a:latin typeface="Courier"/>
+              </a:rPr>
+              <a:t>height =</a:t>
+            </a:r>
+            <a:r>
+              <a:rPr>
+                <a:latin typeface="Courier"/>
+              </a:rPr>
+              <a:t> plotHeight)</a:t>
+            </a:r>
+          </a:p>
+        </p:txBody>
+      </p:sp>
+      <p:sp>
+        <p:nvSpPr>
+          <p:cNvPr id="4" name="Content Placeholder 3"/>
+          <p:cNvSpPr>
+            <a:spLocks noGrp="1"/>
+          </p:cNvSpPr>
+          <p:nvPr>
+            <p:ph idx="2" sz="half"/>
+          </p:nvPr>
+        </p:nvSpPr>
+        <p:spPr/>
+        <p:txBody>
+          <a:bodyPr/>
+          <a:lstStyle/>
+          <a:p>
+            <a:pPr lvl="0" indent="0">
+              <a:buNone/>
+            </a:pPr>
+            <a:r>
+              <a:rPr>
+                <a:latin typeface="Courier"/>
+              </a:rPr>
+              <a:t>f </a:t>
+            </a:r>
+            <a:r>
+              <a:rPr>
+                <a:solidFill>
+                  <a:srgbClr val="007020"/>
+                </a:solidFill>
+                <a:latin typeface="Courier"/>
+              </a:rPr>
+              <a:t>&lt;-</a:t>
+            </a:r>
+            <a:r>
+              <a:rPr>
+                <a:latin typeface="Courier"/>
+              </a:rPr>
+              <a:t> </a:t>
+            </a:r>
+            <a:r>
+              <a:rPr>
+                <a:solidFill>
+                  <a:srgbClr val="40A070"/>
+                </a:solidFill>
+                <a:latin typeface="Courier"/>
+              </a:rPr>
+              <a:t>8</a:t>
+            </a:r>
+            <a:br/>
+            <a:r>
+              <a:rPr>
+                <a:latin typeface="Courier"/>
+              </a:rPr>
+              <a:t>w </a:t>
+            </a:r>
+            <a:r>
+              <a:rPr>
+                <a:solidFill>
+                  <a:srgbClr val="007020"/>
+                </a:solidFill>
+                <a:latin typeface="Courier"/>
+              </a:rPr>
+              <a:t>&lt;-</a:t>
+            </a:r>
+            <a:r>
+              <a:rPr>
+                <a:latin typeface="Courier"/>
+              </a:rPr>
+              <a:t> </a:t>
+            </a:r>
+            <a:r>
+              <a:rPr>
+                <a:solidFill>
+                  <a:srgbClr val="06287E"/>
+                </a:solidFill>
+                <a:latin typeface="Courier"/>
+              </a:rPr>
+              <a:t>reactive</a:t>
+            </a:r>
+            <a:r>
+              <a:rPr>
+                <a:latin typeface="Courier"/>
+              </a:rPr>
+              <a:t>({</a:t>
+            </a:r>
+            <a:br/>
+            <a:r>
+              <a:rPr>
+                <a:latin typeface="Courier"/>
+              </a:rPr>
+              <a:t>  session</a:t>
+            </a:r>
+            <a:r>
+              <a:rPr>
+                <a:solidFill>
+                  <a:srgbClr val="4070A0"/>
+                </a:solidFill>
+                <a:latin typeface="Courier"/>
+              </a:rPr>
+              <a:t>$</a:t>
+            </a:r>
+            <a:r>
+              <a:rPr>
+                <a:latin typeface="Courier"/>
+              </a:rPr>
+              <a:t>clientData[[</a:t>
+            </a:r>
+            <a:r>
+              <a:rPr>
+                <a:solidFill>
+                  <a:srgbClr val="4070A0"/>
+                </a:solidFill>
+                <a:latin typeface="Courier"/>
+              </a:rPr>
+              <a:t>"output_g_width"</a:t>
+            </a:r>
+            <a:r>
+              <a:rPr>
+                <a:latin typeface="Courier"/>
+              </a:rPr>
+              <a:t>]]</a:t>
+            </a:r>
+            <a:br/>
+            <a:r>
+              <a:rPr>
+                <a:latin typeface="Courier"/>
+              </a:rPr>
+              <a:t>})</a:t>
+            </a:r>
+            <a:br/>
+            <a:br/>
+            <a:r>
+              <a:rPr>
+                <a:latin typeface="Courier"/>
+              </a:rPr>
+              <a:t>textFunction </a:t>
+            </a:r>
+            <a:r>
+              <a:rPr>
+                <a:solidFill>
+                  <a:srgbClr val="007020"/>
+                </a:solidFill>
+                <a:latin typeface="Courier"/>
+              </a:rPr>
+              <a:t>&lt;-</a:t>
+            </a:r>
+            <a:r>
+              <a:rPr>
+                <a:latin typeface="Courier"/>
+              </a:rPr>
+              <a:t> </a:t>
+            </a:r>
+            <a:r>
+              <a:rPr b="1">
+                <a:solidFill>
+                  <a:srgbClr val="007020"/>
+                </a:solidFill>
+                <a:latin typeface="Courier"/>
+              </a:rPr>
+              <a:t>function</a:t>
+            </a:r>
+            <a:r>
+              <a:rPr>
+                <a:latin typeface="Courier"/>
+              </a:rPr>
+              <a:t>() {</a:t>
+            </a:r>
+            <a:br/>
+            <a:r>
+              <a:rPr>
+                <a:latin typeface="Courier"/>
+              </a:rPr>
+              <a:t>  j </a:t>
+            </a:r>
+            <a:r>
+              <a:rPr>
+                <a:solidFill>
+                  <a:srgbClr val="007020"/>
+                </a:solidFill>
+                <a:latin typeface="Courier"/>
+              </a:rPr>
+              <a:t>&lt;-</a:t>
+            </a:r>
+            <a:r>
+              <a:rPr>
+                <a:latin typeface="Courier"/>
+              </a:rPr>
+              <a:t> </a:t>
+            </a:r>
+            <a:r>
+              <a:rPr>
+                <a:solidFill>
+                  <a:srgbClr val="06287E"/>
+                </a:solidFill>
+                <a:latin typeface="Courier"/>
+              </a:rPr>
+              <a:t>ifelse</a:t>
+            </a:r>
+            <a:r>
+              <a:rPr>
+                <a:latin typeface="Courier"/>
+              </a:rPr>
+              <a:t>(w </a:t>
+            </a:r>
+            <a:r>
+              <a:rPr>
+                <a:solidFill>
+                  <a:srgbClr val="4070A0"/>
+                </a:solidFill>
+                <a:latin typeface="Courier"/>
+              </a:rPr>
+              <a:t>&gt;</a:t>
+            </a:r>
+            <a:r>
+              <a:rPr>
+                <a:latin typeface="Courier"/>
+              </a:rPr>
+              <a:t> </a:t>
+            </a:r>
+            <a:r>
+              <a:rPr>
+                <a:solidFill>
+                  <a:srgbClr val="40A070"/>
+                </a:solidFill>
+                <a:latin typeface="Courier"/>
+              </a:rPr>
+              <a:t>425</a:t>
+            </a:r>
+            <a:r>
+              <a:rPr>
+                <a:latin typeface="Courier"/>
+              </a:rPr>
+              <a:t>, </a:t>
+            </a:r>
+            <a:br/>
+            <a:r>
+              <a:rPr>
+                <a:latin typeface="Courier"/>
+              </a:rPr>
+              <a:t>              f, </a:t>
+            </a:r>
+            <a:br/>
+            <a:r>
+              <a:rPr>
+                <a:latin typeface="Courier"/>
+              </a:rPr>
+              <a:t>              </a:t>
+            </a:r>
+            <a:r>
+              <a:rPr>
+                <a:solidFill>
+                  <a:srgbClr val="40A070"/>
+                </a:solidFill>
+                <a:latin typeface="Courier"/>
+              </a:rPr>
+              <a:t>0.45</a:t>
+            </a:r>
+            <a:r>
+              <a:rPr>
+                <a:latin typeface="Courier"/>
+              </a:rPr>
+              <a:t> </a:t>
+            </a:r>
+            <a:r>
+              <a:rPr>
+                <a:solidFill>
+                  <a:srgbClr val="4070A0"/>
+                </a:solidFill>
+                <a:latin typeface="Courier"/>
+              </a:rPr>
+              <a:t>*</a:t>
+            </a:r>
+            <a:r>
+              <a:rPr>
+                <a:latin typeface="Courier"/>
+              </a:rPr>
+              <a:t> f)</a:t>
+            </a:r>
+            <a:br/>
+            <a:r>
+              <a:rPr>
+                <a:latin typeface="Courier"/>
+              </a:rPr>
+              <a:t>  </a:t>
+            </a:r>
+            <a:r>
+              <a:rPr>
+                <a:solidFill>
+                  <a:srgbClr val="06287E"/>
+                </a:solidFill>
+                <a:latin typeface="Courier"/>
+              </a:rPr>
+              <a:t>return</a:t>
+            </a:r>
+            <a:r>
+              <a:rPr>
+                <a:latin typeface="Courier"/>
+              </a:rPr>
+              <a:t>(j)</a:t>
+            </a:r>
+            <a:br/>
+            <a:r>
+              <a:rPr>
+                <a:latin typeface="Courier"/>
+              </a:rPr>
+              <a:t>}</a:t>
+            </a:r>
+            <a:br/>
+            <a:br/>
+            <a:r>
+              <a:rPr>
+                <a:latin typeface="Courier"/>
+              </a:rPr>
+              <a:t>plotHeight </a:t>
+            </a:r>
+            <a:r>
+              <a:rPr>
+                <a:solidFill>
+                  <a:srgbClr val="007020"/>
+                </a:solidFill>
+                <a:latin typeface="Courier"/>
+              </a:rPr>
+              <a:t>&lt;-</a:t>
+            </a:r>
+            <a:r>
+              <a:rPr>
+                <a:latin typeface="Courier"/>
+              </a:rPr>
+              <a:t> </a:t>
+            </a:r>
+            <a:r>
+              <a:rPr b="1">
+                <a:solidFill>
+                  <a:srgbClr val="007020"/>
+                </a:solidFill>
+                <a:latin typeface="Courier"/>
+              </a:rPr>
+              <a:t>function</a:t>
+            </a:r>
+            <a:r>
+              <a:rPr>
+                <a:latin typeface="Courier"/>
+              </a:rPr>
+              <a:t>() {</a:t>
+            </a:r>
+            <a:br/>
+            <a:r>
+              <a:rPr>
+                <a:latin typeface="Courier"/>
+              </a:rPr>
+              <a:t>  h </a:t>
+            </a:r>
+            <a:r>
+              <a:rPr>
+                <a:solidFill>
+                  <a:srgbClr val="007020"/>
+                </a:solidFill>
+                <a:latin typeface="Courier"/>
+              </a:rPr>
+              <a:t>&lt;-</a:t>
+            </a:r>
+            <a:r>
+              <a:rPr>
+                <a:latin typeface="Courier"/>
+              </a:rPr>
+              <a:t> </a:t>
+            </a:r>
+            <a:r>
+              <a:rPr>
+                <a:solidFill>
+                  <a:srgbClr val="06287E"/>
+                </a:solidFill>
+                <a:latin typeface="Courier"/>
+              </a:rPr>
+              <a:t>ifelse</a:t>
+            </a:r>
+            <a:r>
+              <a:rPr>
+                <a:latin typeface="Courier"/>
+              </a:rPr>
+              <a:t>(</a:t>
+            </a:r>
+            <a:r>
+              <a:rPr>
+                <a:solidFill>
+                  <a:srgbClr val="06287E"/>
+                </a:solidFill>
+                <a:latin typeface="Courier"/>
+              </a:rPr>
+              <a:t>w</a:t>
+            </a:r>
+            <a:r>
+              <a:rPr>
+                <a:latin typeface="Courier"/>
+              </a:rPr>
+              <a:t>() </a:t>
+            </a:r>
+            <a:r>
+              <a:rPr>
+                <a:solidFill>
+                  <a:srgbClr val="4070A0"/>
+                </a:solidFill>
+                <a:latin typeface="Courier"/>
+              </a:rPr>
+              <a:t>&gt;</a:t>
+            </a:r>
+            <a:r>
+              <a:rPr>
+                <a:latin typeface="Courier"/>
+              </a:rPr>
+              <a:t> </a:t>
+            </a:r>
+            <a:r>
+              <a:rPr>
+                <a:solidFill>
+                  <a:srgbClr val="40A070"/>
+                </a:solidFill>
+                <a:latin typeface="Courier"/>
+              </a:rPr>
+              <a:t>425</a:t>
+            </a:r>
+            <a:r>
+              <a:rPr>
+                <a:latin typeface="Courier"/>
+              </a:rPr>
+              <a:t>, </a:t>
+            </a:r>
+            <a:br/>
+            <a:r>
+              <a:rPr>
+                <a:latin typeface="Courier"/>
+              </a:rPr>
+              <a:t>              </a:t>
+            </a:r>
+            <a:r>
+              <a:rPr>
+                <a:solidFill>
+                  <a:srgbClr val="06287E"/>
+                </a:solidFill>
+                <a:latin typeface="Courier"/>
+              </a:rPr>
+              <a:t>w</a:t>
+            </a:r>
+            <a:r>
+              <a:rPr>
+                <a:latin typeface="Courier"/>
+              </a:rPr>
+              <a:t>() </a:t>
+            </a:r>
+            <a:r>
+              <a:rPr>
+                <a:solidFill>
+                  <a:srgbClr val="4070A0"/>
+                </a:solidFill>
+                <a:latin typeface="Courier"/>
+              </a:rPr>
+              <a:t>*</a:t>
+            </a:r>
+            <a:r>
+              <a:rPr>
+                <a:latin typeface="Courier"/>
+              </a:rPr>
+              <a:t> </a:t>
+            </a:r>
+            <a:r>
+              <a:rPr>
+                <a:solidFill>
+                  <a:srgbClr val="40A070"/>
+                </a:solidFill>
+                <a:latin typeface="Courier"/>
+              </a:rPr>
+              <a:t>0.40</a:t>
+            </a:r>
+            <a:r>
+              <a:rPr>
+                <a:latin typeface="Courier"/>
+              </a:rPr>
+              <a:t>, </a:t>
+            </a:r>
+            <a:br/>
+            <a:r>
+              <a:rPr>
+                <a:latin typeface="Courier"/>
+              </a:rPr>
+              <a:t>              </a:t>
+            </a:r>
+            <a:r>
+              <a:rPr>
+                <a:solidFill>
+                  <a:srgbClr val="06287E"/>
+                </a:solidFill>
+                <a:latin typeface="Courier"/>
+              </a:rPr>
+              <a:t>w</a:t>
+            </a:r>
+            <a:r>
+              <a:rPr>
+                <a:latin typeface="Courier"/>
+              </a:rPr>
+              <a:t>() </a:t>
+            </a:r>
+            <a:r>
+              <a:rPr>
+                <a:solidFill>
+                  <a:srgbClr val="4070A0"/>
+                </a:solidFill>
+                <a:latin typeface="Courier"/>
+              </a:rPr>
+              <a:t>*</a:t>
+            </a:r>
+            <a:r>
+              <a:rPr>
+                <a:latin typeface="Courier"/>
+              </a:rPr>
+              <a:t> </a:t>
+            </a:r>
+            <a:r>
+              <a:rPr>
+                <a:solidFill>
+                  <a:srgbClr val="40A070"/>
+                </a:solidFill>
+                <a:latin typeface="Courier"/>
+              </a:rPr>
+              <a:t>0.70</a:t>
+            </a:r>
+            <a:r>
+              <a:rPr>
+                <a:latin typeface="Courier"/>
+              </a:rPr>
+              <a:t>)</a:t>
+            </a:r>
+            <a:br/>
+            <a:r>
+              <a:rPr>
+                <a:latin typeface="Courier"/>
+              </a:rPr>
+              <a:t>  </a:t>
+            </a:r>
+            <a:r>
+              <a:rPr>
+                <a:solidFill>
+                  <a:srgbClr val="06287E"/>
+                </a:solidFill>
+                <a:latin typeface="Courier"/>
+              </a:rPr>
+              <a:t>return</a:t>
+            </a:r>
+            <a:r>
+              <a:rPr>
+                <a:latin typeface="Courier"/>
+              </a:rPr>
+              <a:t>(h)</a:t>
+            </a:r>
+            <a:br/>
+            <a:r>
+              <a:rPr>
+                <a:latin typeface="Courier"/>
+              </a:rPr>
+              <a:t>}</a:t>
+            </a:r>
+          </a:p>
+        </p:txBody>
+      </p:sp>
+    </p:spTree>
+  </p:cSld>
+</p:sld>
+</file>
+
+<file path=ppt/slides/slide24.xml><?xml version="1.0" encoding="utf-8"?>
+<p:sld xmlns:a="http://schemas.openxmlformats.org/drawingml/2006/main" xmlns:r="http://schemas.openxmlformats.org/officeDocument/2006/relationships" xmlns:p="http://schemas.openxmlformats.org/presentationml/2006/main">
+  <p:cSld>
+    <p:spTree>
+      <p:nvGrpSpPr>
+        <p:cNvPr id="1" name=""/>
+        <p:cNvGrpSpPr/>
+        <p:nvPr/>
+      </p:nvGrpSpPr>
+      <p:grpSpPr>
+        <a:xfrm>
+          <a:off x="0" y="0"/>
+          <a:ext cx="0" cy="0"/>
+          <a:chOff x="0" y="0"/>
+          <a:chExt cx="0" cy="0"/>
+        </a:xfrm>
+      </p:grpSpPr>
+      <p:sp>
+        <p:nvSpPr>
+          <p:cNvPr id="2" name="Title 1"/>
+          <p:cNvSpPr>
+            <a:spLocks noGrp="1"/>
+          </p:cNvSpPr>
+          <p:nvPr>
+            <p:ph type="title"/>
+          </p:nvPr>
+        </p:nvSpPr>
+        <p:spPr/>
+        <p:txBody>
+          <a:bodyPr/>
+          <a:lstStyle/>
           <a:p>
             <a:pPr lvl="0" indent="0" marL="0">
               <a:buNone/>
             </a:pPr>
             <a:r>
               <a:rPr/>
-              <a:t>When you click the </a:t>
-            </a:r>
+              <a:t>Limitaciones de Shiny como herramienta para la divulgación</a:t>
+            </a:r>
+          </a:p>
+        </p:txBody>
+      </p:sp>
+      <p:sp>
+        <p:nvSpPr>
+          <p:cNvPr id="3" name="Content Placeholder 2"/>
+          <p:cNvSpPr>
+            <a:spLocks noGrp="1"/>
+          </p:cNvSpPr>
+          <p:nvPr>
+            <p:ph idx="1"/>
+          </p:nvPr>
+        </p:nvSpPr>
+        <p:spPr/>
+        <p:txBody>
+          <a:bodyPr/>
+          <a:lstStyle/>
+          <a:p>
+            <a:pPr lvl="0"/>
             <a:r>
               <a:rPr b="1"/>
-              <a:t>Knit</a:t>
+              <a:t>Lenguaje de alto nivel</a:t>
             </a:r>
             <a:r>
               <a:rPr/>
-              <a:t> button a document will be generated that includes both content as well as the output of any embedded R code chunks within the document.</a:t>
+              <a:t>: más recursos</a:t>
+            </a:r>
+          </a:p>
+          <a:p>
+            <a:pPr lvl="0"/>
+            <a:r>
+              <a:rPr b="1"/>
+              <a:t>Costo</a:t>
+            </a:r>
+            <a:r>
+              <a:rPr/>
+              <a:t> de Shiny Server para ONG: Shiny proxy (más recursos)</a:t>
+            </a:r>
+          </a:p>
+          <a:p>
+            <a:pPr lvl="0"/>
+            <a:r>
+              <a:rPr b="1"/>
+              <a:t>Comunicación</a:t>
+            </a:r>
+            <a:r>
+              <a:rPr/>
+              <a:t> con el equipo de programación (más recursos)</a:t>
+            </a:r>
+          </a:p>
+        </p:txBody>
+      </p:sp>
+    </p:spTree>
+  </p:cSld>
+</p:sld>
+</file>
+
+<file path=ppt/slides/slide25.xml><?xml version="1.0" encoding="utf-8"?>
+<p:sld xmlns:a="http://schemas.openxmlformats.org/drawingml/2006/main" xmlns:r="http://schemas.openxmlformats.org/officeDocument/2006/relationships" xmlns:p="http://schemas.openxmlformats.org/presentationml/2006/main">
+  <p:cSld>
+    <p:spTree>
+      <p:nvGrpSpPr>
+        <p:cNvPr id="1" name=""/>
+        <p:cNvGrpSpPr/>
+        <p:nvPr/>
+      </p:nvGrpSpPr>
+      <p:grpSpPr>
+        <a:xfrm>
+          <a:off x="0" y="0"/>
+          <a:ext cx="0" cy="0"/>
+          <a:chOff x="0" y="0"/>
+          <a:chExt cx="0" cy="0"/>
+        </a:xfrm>
+      </p:grpSpPr>
+      <p:sp>
+        <p:nvSpPr>
+          <p:cNvPr id="2" name="Title 1"/>
+          <p:cNvSpPr>
+            <a:spLocks noGrp="1"/>
+          </p:cNvSpPr>
+          <p:nvPr>
+            <p:ph type="title"/>
+          </p:nvPr>
+        </p:nvSpPr>
+        <p:spPr/>
+        <p:txBody>
+          <a:bodyPr/>
+          <a:lstStyle/>
+          <a:p>
+            <a:pPr lvl="0" indent="0" marL="0">
+              <a:buNone/>
+            </a:pPr>
+            <a:r>
+              <a:rPr/>
+              <a:t>Gracias</a:t>
             </a:r>
           </a:p>
         </p:txBody>
@@ -3322,48 +7264,41 @@
             </a:pPr>
             <a:r>
               <a:rPr/>
-              <a:t>Slide with Bullets</a:t>
-            </a:r>
-          </a:p>
-        </p:txBody>
-      </p:sp>
-      <p:sp>
-        <p:nvSpPr>
-          <p:cNvPr id="3" name="Content Placeholder 2"/>
-          <p:cNvSpPr>
-            <a:spLocks noGrp="1"/>
-          </p:cNvSpPr>
-          <p:nvPr>
-            <p:ph idx="1"/>
-          </p:nvPr>
-        </p:nvSpPr>
-        <p:spPr/>
-        <p:txBody>
-          <a:bodyPr/>
-          <a:lstStyle/>
-          <a:p>
-            <a:pPr lvl="0"/>
-            <a:r>
-              <a:rPr/>
-              <a:t>Bullet 1</a:t>
-            </a:r>
-          </a:p>
-          <a:p>
-            <a:pPr lvl="0"/>
-            <a:r>
-              <a:rPr/>
-              <a:t>Bullet 2</a:t>
-            </a:r>
-          </a:p>
-          <a:p>
-            <a:pPr lvl="0"/>
-            <a:r>
-              <a:rPr/>
-              <a:t>Bullet 3</a:t>
-            </a:r>
-          </a:p>
-        </p:txBody>
-      </p:sp>
+              <a:t>¿Por qué hablar de cuidados?</a:t>
+            </a:r>
+          </a:p>
+        </p:txBody>
+      </p:sp>
+      <p:pic>
+        <p:nvPicPr>
+          <p:cNvPr descr="img/distri.png" id="0" name="Picture 1"/>
+          <p:cNvPicPr>
+            <a:picLocks noGrp="1" noChangeAspect="1"/>
+          </p:cNvPicPr>
+          <p:nvPr/>
+        </p:nvPicPr>
+        <p:blipFill>
+          <a:blip r:embed="rId2"/>
+          <a:stretch>
+            <a:fillRect/>
+          </a:stretch>
+        </p:blipFill>
+        <p:spPr bwMode="auto">
+          <a:xfrm>
+            <a:off x="2032000" y="1193800"/>
+            <a:ext cx="5080000" cy="3390900"/>
+          </a:xfrm>
+          <a:prstGeom prst="rect">
+            <a:avLst/>
+          </a:prstGeom>
+          <a:noFill/>
+          <a:ln w="9525">
+            <a:noFill/>
+            <a:headEnd/>
+            <a:tailEnd/>
+          </a:ln>
+        </p:spPr>
+      </p:pic>
     </p:spTree>
   </p:cSld>
 </p:sld>
@@ -3406,64 +7341,41 @@
             </a:pPr>
             <a:r>
               <a:rPr/>
-              <a:t>Slide with R Output</a:t>
-            </a:r>
-          </a:p>
-        </p:txBody>
-      </p:sp>
-      <p:sp>
-        <p:nvSpPr>
-          <p:cNvPr id="3" name="Content Placeholder 2"/>
-          <p:cNvSpPr>
-            <a:spLocks noGrp="1"/>
-          </p:cNvSpPr>
-          <p:nvPr>
-            <p:ph idx="1"/>
-          </p:nvPr>
-        </p:nvSpPr>
-        <p:spPr/>
-        <p:txBody>
-          <a:bodyPr/>
-          <a:lstStyle/>
-          <a:p>
-            <a:pPr lvl="0" indent="0">
-              <a:buNone/>
-            </a:pPr>
-            <a:r>
-              <a:rPr>
-                <a:solidFill>
-                  <a:srgbClr val="06287E"/>
-                </a:solidFill>
-                <a:latin typeface="Courier"/>
-              </a:rPr>
-              <a:t>summary</a:t>
-            </a:r>
-            <a:r>
-              <a:rPr>
-                <a:latin typeface="Courier"/>
-              </a:rPr>
-              <a:t>(cars)</a:t>
-            </a:r>
-          </a:p>
-          <a:p>
-            <a:pPr lvl="0" indent="0">
-              <a:buNone/>
-            </a:pPr>
-            <a:r>
-              <a:rPr>
-                <a:latin typeface="Courier"/>
-              </a:rPr>
-              <a:t>##      speed           dist       
-##  Min.   : 4.0   Min.   :  2.00  
-##  1st Qu.:12.0   1st Qu.: 26.00  
-##  Median :15.0   Median : 36.00  
-##  Mean   :15.4   Mean   : 42.98  
-##  3rd Qu.:19.0   3rd Qu.: 56.00  
-##  Max.   :25.0   Max.   :120.00</a:t>
-            </a:r>
-          </a:p>
-        </p:txBody>
-      </p:sp>
+              <a:t>¿Por qué hablar de cuidados?</a:t>
+            </a:r>
+          </a:p>
+        </p:txBody>
+      </p:sp>
+      <p:pic>
+        <p:nvPicPr>
+          <p:cNvPr descr="img/boxplot.jpg" id="0" name="Picture 1"/>
+          <p:cNvPicPr>
+            <a:picLocks noGrp="1" noChangeAspect="1"/>
+          </p:cNvPicPr>
+          <p:nvPr/>
+        </p:nvPicPr>
+        <p:blipFill>
+          <a:blip r:embed="rId2"/>
+          <a:stretch>
+            <a:fillRect/>
+          </a:stretch>
+        </p:blipFill>
+        <p:spPr bwMode="auto">
+          <a:xfrm>
+            <a:off x="2451100" y="1193800"/>
+            <a:ext cx="4241800" cy="3390900"/>
+          </a:xfrm>
+          <a:prstGeom prst="rect">
+            <a:avLst/>
+          </a:prstGeom>
+          <a:noFill/>
+          <a:ln w="9525">
+            <a:noFill/>
+            <a:headEnd/>
+            <a:tailEnd/>
+          </a:ln>
+        </p:spPr>
+      </p:pic>
     </p:spTree>
   </p:cSld>
 </p:sld>
@@ -3506,14 +7418,407 @@
             </a:pPr>
             <a:r>
               <a:rPr/>
-              <a:t>Slide with Plot</a:t>
+              <a:t>¿Cómo los transformamos en cambio?</a:t>
+            </a:r>
+          </a:p>
+        </p:txBody>
+      </p:sp>
+      <p:sp>
+        <p:nvSpPr>
+          <p:cNvPr id="3" name="Content Placeholder 2"/>
+          <p:cNvSpPr>
+            <a:spLocks noGrp="1"/>
+          </p:cNvSpPr>
+          <p:nvPr>
+            <p:ph idx="1"/>
+          </p:nvPr>
+        </p:nvSpPr>
+        <p:spPr/>
+        <p:txBody>
+          <a:bodyPr/>
+          <a:lstStyle/>
+          <a:p>
+            <a:pPr lvl="0" indent="0" marL="0">
+              <a:buNone/>
+            </a:pPr>
+            <a:r>
+              <a:rPr/>
+              <a:t>Necesitamos </a:t>
+            </a:r>
+            <a:r>
+              <a:rPr b="1"/>
+              <a:t>interpelar</a:t>
+            </a:r>
+            <a:r>
+              <a:rPr/>
+              <a:t> al usuario:</a:t>
+            </a:r>
+          </a:p>
+          <a:p>
+            <a:pPr lvl="0"/>
+            <a:r>
+              <a:rPr/>
+              <a:t>Acercándole la problemática</a:t>
+            </a:r>
+          </a:p>
+          <a:p>
+            <a:pPr lvl="1"/>
+            <a:r>
+              <a:rPr/>
+              <a:t>Personalizando el problema</a:t>
+            </a:r>
+          </a:p>
+          <a:p>
+            <a:pPr lvl="1"/>
+            <a:r>
+              <a:rPr/>
+              <a:t>“TU”</a:t>
+            </a:r>
+          </a:p>
+          <a:p>
+            <a:pPr lvl="0"/>
+            <a:r>
+              <a:rPr/>
+              <a:t>Reconceptualizando la problemática para dimensionar su magnitud</a:t>
+            </a:r>
+          </a:p>
+          <a:p>
+            <a:pPr lvl="0"/>
+            <a:r>
+              <a:rPr/>
+              <a:t>Resquematizando los agentes de cambio de la problemática</a:t>
+            </a:r>
+          </a:p>
+          <a:p>
+            <a:pPr lvl="0"/>
+            <a:r>
+              <a:rPr/>
+              <a:t>Proviendo herramientas para convertir la indignación en acción</a:t>
+            </a:r>
+          </a:p>
+        </p:txBody>
+      </p:sp>
+    </p:spTree>
+  </p:cSld>
+</p:sld>
+</file>
+
+<file path=ppt/slides/slide6.xml><?xml version="1.0" encoding="utf-8"?>
+<p:sld xmlns:a="http://schemas.openxmlformats.org/drawingml/2006/main" xmlns:r="http://schemas.openxmlformats.org/officeDocument/2006/relationships" xmlns:p="http://schemas.openxmlformats.org/presentationml/2006/main">
+  <p:cSld>
+    <p:spTree>
+      <p:nvGrpSpPr>
+        <p:cNvPr id="1" name=""/>
+        <p:cNvGrpSpPr/>
+        <p:nvPr/>
+      </p:nvGrpSpPr>
+      <p:grpSpPr>
+        <a:xfrm>
+          <a:off x="0" y="0"/>
+          <a:ext cx="0" cy="0"/>
+          <a:chOff x="0" y="0"/>
+          <a:chExt cx="0" cy="0"/>
+        </a:xfrm>
+      </p:grpSpPr>
+      <p:sp>
+        <p:nvSpPr>
+          <p:cNvPr id="2" name="Title 1"/>
+          <p:cNvSpPr>
+            <a:spLocks noGrp="1"/>
+          </p:cNvSpPr>
+          <p:nvPr>
+            <p:ph type="title"/>
+          </p:nvPr>
+        </p:nvSpPr>
+        <p:spPr/>
+        <p:txBody>
+          <a:bodyPr/>
+          <a:lstStyle/>
+          <a:p>
+            <a:pPr lvl="0" indent="0" marL="0">
+              <a:buNone/>
+            </a:pPr>
+            <a:r>
+              <a:rPr/>
+              <a:t>¿Por qué </a:t>
+            </a:r>
+            <a:r>
+              <a:rPr b="1"/>
+              <a:t>Shiny</a:t>
+            </a:r>
+            <a:r>
+              <a:rPr/>
+              <a:t>?</a:t>
+            </a:r>
+          </a:p>
+        </p:txBody>
+      </p:sp>
+      <p:sp>
+        <p:nvSpPr>
+          <p:cNvPr id="3" name="Content Placeholder 2"/>
+          <p:cNvSpPr>
+            <a:spLocks noGrp="1"/>
+          </p:cNvSpPr>
+          <p:nvPr>
+            <p:ph idx="1"/>
+          </p:nvPr>
+        </p:nvSpPr>
+        <p:spPr/>
+        <p:txBody>
+          <a:bodyPr/>
+          <a:lstStyle/>
+          <a:p>
+            <a:pPr lvl="0"/>
+            <a:r>
+              <a:rPr/>
+              <a:t>Recursos limitados de parte del equipo de programación</a:t>
+            </a:r>
+          </a:p>
+          <a:p>
+            <a:pPr lvl="0"/>
+            <a:r>
+              <a:rPr/>
+              <a:t>Somos científicos sociales que utilizamos R de manera autodidácta</a:t>
+            </a:r>
+          </a:p>
+        </p:txBody>
+      </p:sp>
+    </p:spTree>
+  </p:cSld>
+</p:sld>
+</file>
+
+<file path=ppt/slides/slide7.xml><?xml version="1.0" encoding="utf-8"?>
+<p:sld xmlns:a="http://schemas.openxmlformats.org/drawingml/2006/main" xmlns:r="http://schemas.openxmlformats.org/officeDocument/2006/relationships" xmlns:p="http://schemas.openxmlformats.org/presentationml/2006/main">
+  <p:cSld>
+    <p:spTree>
+      <p:nvGrpSpPr>
+        <p:cNvPr id="1" name=""/>
+        <p:cNvGrpSpPr/>
+        <p:nvPr/>
+      </p:nvGrpSpPr>
+      <p:grpSpPr>
+        <a:xfrm>
+          <a:off x="0" y="0"/>
+          <a:ext cx="0" cy="0"/>
+          <a:chOff x="0" y="0"/>
+          <a:chExt cx="0" cy="0"/>
+        </a:xfrm>
+      </p:grpSpPr>
+      <p:sp>
+        <p:nvSpPr>
+          <p:cNvPr id="2" name="Title 1"/>
+          <p:cNvSpPr>
+            <a:spLocks noGrp="1"/>
+          </p:cNvSpPr>
+          <p:nvPr>
+            <p:ph type="title"/>
+          </p:nvPr>
+        </p:nvSpPr>
+        <p:spPr/>
+        <p:txBody>
+          <a:bodyPr/>
+          <a:lstStyle/>
+          <a:p>
+            <a:pPr lvl="0" indent="0" marL="0">
+              <a:buNone/>
+            </a:pPr>
+            <a:r>
+              <a:rPr/>
+              <a:t>OBJETIVO: ¿Cómo utilizar Shiny para generar herramientas que permitan no solo </a:t>
+            </a:r>
+            <a:r>
+              <a:rPr b="1"/>
+              <a:t>sensibilizar</a:t>
+            </a:r>
+            <a:r>
+              <a:rPr/>
+              <a:t> sino </a:t>
+            </a:r>
+            <a:r>
+              <a:rPr b="1"/>
+              <a:t>tomar acción</a:t>
+            </a:r>
+            <a:r>
+              <a:rPr/>
+              <a:t>?</a:t>
+            </a:r>
+          </a:p>
+        </p:txBody>
+      </p:sp>
+    </p:spTree>
+  </p:cSld>
+</p:sld>
+</file>
+
+<file path=ppt/slides/slide8.xml><?xml version="1.0" encoding="utf-8"?>
+<p:sld xmlns:a="http://schemas.openxmlformats.org/drawingml/2006/main" xmlns:r="http://schemas.openxmlformats.org/officeDocument/2006/relationships" xmlns:p="http://schemas.openxmlformats.org/presentationml/2006/main">
+  <p:cSld>
+    <p:spTree>
+      <p:nvGrpSpPr>
+        <p:cNvPr id="1" name=""/>
+        <p:cNvGrpSpPr/>
+        <p:nvPr/>
+      </p:nvGrpSpPr>
+      <p:grpSpPr>
+        <a:xfrm>
+          <a:off x="0" y="0"/>
+          <a:ext cx="0" cy="0"/>
+          <a:chOff x="0" y="0"/>
+          <a:chExt cx="0" cy="0"/>
+        </a:xfrm>
+      </p:grpSpPr>
+      <p:sp>
+        <p:nvSpPr>
+          <p:cNvPr id="2" name="Title 1"/>
+          <p:cNvSpPr>
+            <a:spLocks noGrp="1"/>
+          </p:cNvSpPr>
+          <p:nvPr>
+            <p:ph type="title"/>
+          </p:nvPr>
+        </p:nvSpPr>
+        <p:spPr/>
+        <p:txBody>
+          <a:bodyPr/>
+          <a:lstStyle/>
+          <a:p>
+            <a:pPr lvl="0" indent="0" marL="0">
+              <a:buNone/>
+            </a:pPr>
+            <a:r>
+              <a:rPr/>
+              <a:t>¿Cómo </a:t>
+            </a:r>
+            <a:r>
+              <a:rPr b="1"/>
+              <a:t>sensibilizar</a:t>
+            </a:r>
+            <a:r>
+              <a:rPr/>
+              <a:t>? Narrativa: “Tu huella”</a:t>
             </a:r>
           </a:p>
         </p:txBody>
       </p:sp>
       <p:pic>
         <p:nvPicPr>
-          <p:cNvPr descr="ppt-LatinR_files/figure-pptx/pressure-1.png" id="0" name="Picture 1"/>
+          <p:cNvPr descr="img/group-3.svg" id="0" name="Picture 1"/>
+          <p:cNvPicPr>
+            <a:picLocks noGrp="1" noChangeAspect="1"/>
+          </p:cNvPicPr>
+          <p:nvPr/>
+        </p:nvPicPr>
+        <p:blipFill>
+          <a:blip r:embed="rId2"/>
+          <a:stretch>
+            <a:fillRect/>
+          </a:stretch>
+        </p:blipFill>
+        <p:spPr bwMode="auto">
+          <a:xfrm>
+            <a:off x="457200" y="2286000"/>
+            <a:ext cx="4038600" cy="1193800"/>
+          </a:xfrm>
+          <a:prstGeom prst="rect">
+            <a:avLst/>
+          </a:prstGeom>
+          <a:noFill/>
+          <a:ln w="9525">
+            <a:noFill/>
+            <a:headEnd/>
+            <a:tailEnd/>
+          </a:ln>
+        </p:spPr>
+      </p:pic>
+      <p:pic>
+        <p:nvPicPr>
+          <p:cNvPr descr="img/manita_marcador.svg" id="0" name="Picture 1"/>
+          <p:cNvPicPr>
+            <a:picLocks noGrp="1" noChangeAspect="1"/>
+          </p:cNvPicPr>
+          <p:nvPr/>
+        </p:nvPicPr>
+        <p:blipFill>
+          <a:blip r:embed="rId3"/>
+          <a:stretch>
+            <a:fillRect/>
+          </a:stretch>
+        </p:blipFill>
+        <p:spPr bwMode="auto">
+          <a:xfrm>
+            <a:off x="4978400" y="1193800"/>
+            <a:ext cx="3390900" cy="3390900"/>
+          </a:xfrm>
+          <a:prstGeom prst="rect">
+            <a:avLst/>
+          </a:prstGeom>
+          <a:noFill/>
+          <a:ln w="9525">
+            <a:noFill/>
+            <a:headEnd/>
+            <a:tailEnd/>
+          </a:ln>
+        </p:spPr>
+      </p:pic>
+    </p:spTree>
+  </p:cSld>
+</p:sld>
+</file>
+
+<file path=ppt/slides/slide9.xml><?xml version="1.0" encoding="utf-8"?>
+<p:sld xmlns:a="http://schemas.openxmlformats.org/drawingml/2006/main" xmlns:r="http://schemas.openxmlformats.org/officeDocument/2006/relationships" xmlns:p="http://schemas.openxmlformats.org/presentationml/2006/main">
+  <p:cSld>
+    <p:spTree>
+      <p:nvGrpSpPr>
+        <p:cNvPr id="1" name=""/>
+        <p:cNvGrpSpPr/>
+        <p:nvPr/>
+      </p:nvGrpSpPr>
+      <p:grpSpPr>
+        <a:xfrm>
+          <a:off x="0" y="0"/>
+          <a:ext cx="0" cy="0"/>
+          <a:chOff x="0" y="0"/>
+          <a:chExt cx="0" cy="0"/>
+        </a:xfrm>
+      </p:grpSpPr>
+      <p:sp>
+        <p:nvSpPr>
+          <p:cNvPr id="2" name="Title 1"/>
+          <p:cNvSpPr>
+            <a:spLocks noGrp="1"/>
+          </p:cNvSpPr>
+          <p:nvPr>
+            <p:ph type="title"/>
+          </p:nvPr>
+        </p:nvSpPr>
+        <p:spPr/>
+        <p:txBody>
+          <a:bodyPr/>
+          <a:lstStyle/>
+          <a:p>
+            <a:pPr lvl="0" indent="0" marL="0">
+              <a:buNone/>
+            </a:pPr>
+            <a:r>
+              <a:rPr/>
+              <a:t>¿Cómo </a:t>
+            </a:r>
+            <a:r>
+              <a:rPr b="1"/>
+              <a:t>sensibilizar</a:t>
+            </a:r>
+            <a:r>
+              <a:rPr/>
+              <a:t>? Narrativa: Niveles del problema</a:t>
+            </a:r>
+          </a:p>
+        </p:txBody>
+      </p:sp>
+      <p:pic>
+        <p:nvPicPr>
+          <p:cNvPr descr="ppt-LatinR_files/figure-pptx/unnamed-chunk-3-1.png" id="0" name="Picture 1"/>
           <p:cNvPicPr>
             <a:picLocks noGrp="1" noChangeAspect="1"/>
           </p:cNvPicPr>

--- a/ppt-LatinR.pptx
+++ b/ppt-LatinR.pptx
@@ -3181,7 +3181,7 @@
             </a:pPr>
             <a:r>
               <a:rPr/>
-              <a:t>2022-09-28</a:t>
+              <a:t>2022-09-29</a:t>
             </a:r>
           </a:p>
         </p:txBody>

--- a/ppt-LatinR.pptx
+++ b/ppt-LatinR.pptx
@@ -15,6 +15,7 @@
     <p:sldId id="263" r:id="rId9"/>
     <p:sldId id="264" r:id="rId10"/>
     <p:sldId id="265" r:id="rId11"/>
+    <p:sldId id="266" r:id="rId12"/>
   </p:sldIdLst>
   <p:sldSz cx="9144000" cy="5143500" type="screen16x9"/>
   <p:notesSz cx="6858000" cy="9144000"/>
@@ -3261,6 +3262,69 @@
               <a:t>Además, es necesario modificar el botón original de desarcarga en Shiny para poder integrar nuestra propia clase en CSS.</a:t>
             </a:r>
           </a:p>
+        </p:txBody>
+      </p:sp>
+    </p:spTree>
+  </p:cSld>
+</p:sld>
+</file>
+
+<file path=ppt/slides/slide11.xml><?xml version="1.0" encoding="utf-8"?>
+<p:sld xmlns:a="http://schemas.openxmlformats.org/drawingml/2006/main" xmlns:r="http://schemas.openxmlformats.org/officeDocument/2006/relationships" xmlns:p="http://schemas.openxmlformats.org/presentationml/2006/main">
+  <p:cSld>
+    <p:spTree>
+      <p:nvGrpSpPr>
+        <p:cNvPr id="1" name=""/>
+        <p:cNvGrpSpPr/>
+        <p:nvPr/>
+      </p:nvGrpSpPr>
+      <p:grpSpPr>
+        <a:xfrm>
+          <a:off x="0" y="0"/>
+          <a:ext cx="0" cy="0"/>
+          <a:chOff x="0" y="0"/>
+          <a:chExt cx="0" cy="0"/>
+        </a:xfrm>
+      </p:grpSpPr>
+      <p:sp>
+        <p:nvSpPr>
+          <p:cNvPr id="2" name="Title 1"/>
+          <p:cNvSpPr>
+            <a:spLocks noGrp="1"/>
+          </p:cNvSpPr>
+          <p:nvPr>
+            <p:ph type="title"/>
+          </p:nvPr>
+        </p:nvSpPr>
+        <p:spPr/>
+        <p:txBody>
+          <a:bodyPr/>
+          <a:lstStyle/>
+          <a:p>
+            <a:pPr lvl="0" indent="0" marL="0">
+              <a:buNone/>
+            </a:pPr>
+            <a:r>
+              <a:rPr/>
+              <a:t>¿Cuáles son los retos?</a:t>
+            </a:r>
+          </a:p>
+        </p:txBody>
+      </p:sp>
+      <p:sp>
+        <p:nvSpPr>
+          <p:cNvPr id="3" name="Content Placeholder 2"/>
+          <p:cNvSpPr>
+            <a:spLocks noGrp="1"/>
+          </p:cNvSpPr>
+          <p:nvPr>
+            <p:ph idx="1"/>
+          </p:nvPr>
+        </p:nvSpPr>
+        <p:spPr/>
+        <p:txBody>
+          <a:bodyPr/>
+          <a:lstStyle/>
           <a:p>
             <a:pPr lvl="0" indent="0">
               <a:buNone/>
@@ -3384,6 +3448,13 @@
               </a:rPr>
               <a:t> outputId, </a:t>
             </a:r>
+            <a:br/>
+            <a:r>
+              <a:rPr>
+                <a:latin typeface="Courier"/>
+              </a:rPr>
+              <a:t>         </a:t>
+            </a:r>
             <a:r>
               <a:rPr>
                 <a:solidFill>
@@ -3414,6 +3485,13 @@
               </a:rPr>
               <a:t>, </a:t>
             </a:r>
+            <a:br/>
+            <a:r>
+              <a:rPr>
+                <a:latin typeface="Courier"/>
+              </a:rPr>
+              <a:t>         </a:t>
+            </a:r>
             <a:r>
               <a:rPr>
                 <a:solidFill>
@@ -3481,6 +3559,13 @@
               </a:rPr>
               <a:t>, </a:t>
             </a:r>
+            <a:br/>
+            <a:r>
+              <a:rPr>
+                <a:latin typeface="Courier"/>
+              </a:rPr>
+              <a:t>         </a:t>
+            </a:r>
             <a:r>
               <a:rPr>
                 <a:solidFill>
@@ -3524,7 +3609,14 @@
               <a:rPr>
                 <a:latin typeface="Courier"/>
               </a:rPr>
-              <a:t>, label)</a:t>
+              <a:t>, </a:t>
+            </a:r>
+            <a:br/>
+            <a:r>
+              <a:rPr>
+                <a:latin typeface="Courier"/>
+              </a:rPr>
+              <a:t>         label)</a:t>
             </a:r>
             <a:br/>
             <a:r>
@@ -4271,7 +4363,7 @@
       </p:sp>
       <p:pic>
         <p:nvPicPr>
-          <p:cNvPr descr="input/mi-reporte-1.png" id="0" name="Picture 1"/>
+          <p:cNvPr descr="img/mi-reporte-1.png" id="0" name="Picture 1"/>
           <p:cNvPicPr>
             <a:picLocks noGrp="1" noChangeAspect="1"/>
           </p:cNvPicPr>

--- a/ppt-LatinR.pptx
+++ b/ppt-LatinR.pptx
@@ -3182,7 +3182,7 @@
             </a:pPr>
             <a:r>
               <a:rPr/>
-              <a:t>2022-09-28</a:t>
+              <a:t>2022-09-29</a:t>
             </a:r>
           </a:p>
         </p:txBody>
@@ -3252,36 +3252,42 @@
             <a:pPr lvl="0" indent="0">
               <a:buNone/>
             </a:pPr>
+            <a:r>
+              <a:rPr>
+                <a:solidFill>
+                  <a:srgbClr val="06287E"/>
+                </a:solidFill>
+                <a:latin typeface="Courier"/>
+              </a:rPr>
+              <a:t>.progress-bar-stages</a:t>
+            </a:r>
+            <a:r>
+              <a:rPr>
+                <a:latin typeface="Courier"/>
+              </a:rPr>
+              <a:t>{</a:t>
+            </a:r>
             <a:br/>
             <a:r>
+              <a:rPr>
+                <a:latin typeface="Courier"/>
+              </a:rPr>
+              <a:t>          </a:t>
+            </a:r>
+            <a:r>
               <a:rPr b="1">
                 <a:solidFill>
-                  <a:srgbClr val="008000"/>
-                </a:solidFill>
-                <a:latin typeface="Courier"/>
-              </a:rPr>
-              <a:t>@media</a:t>
-            </a:r>
-            <a:r>
-              <a:rPr>
-                <a:latin typeface="Courier"/>
-              </a:rPr>
-              <a:t> (</a:t>
-            </a:r>
-            <a:r>
-              <a:rPr b="1">
-                <a:solidFill>
                   <a:srgbClr val="007020"/>
                 </a:solidFill>
                 <a:latin typeface="Courier"/>
               </a:rPr>
-              <a:t>min-width</a:t>
-            </a:r>
-            <a:r>
-              <a:rPr>
-                <a:latin typeface="Courier"/>
-              </a:rPr>
-              <a:t>: </a:t>
+              <a:t>visibility</a:t>
+            </a:r>
+            <a:r>
+              <a:rPr>
+                <a:latin typeface="Courier"/>
+              </a:rPr>
+              <a:t>:</a:t>
             </a:r>
             <a:r>
               <a:rPr>
@@ -3290,46 +3296,49 @@
                 </a:solidFill>
                 <a:latin typeface="Courier"/>
               </a:rPr>
-              <a:t>768</a:t>
-            </a:r>
-            <a:r>
-              <a:rPr>
-                <a:latin typeface="Courier"/>
-              </a:rPr>
-              <a:t> px) {</a:t>
+              <a:t>hidden</a:t>
+            </a:r>
+            <a:r>
+              <a:rPr>
+                <a:solidFill>
+                  <a:srgbClr val="666666"/>
+                </a:solidFill>
+                <a:latin typeface="Courier"/>
+              </a:rPr>
+              <a:t>;</a:t>
+            </a:r>
+            <a:br/>
+            <a:r>
+              <a:rPr>
+                <a:latin typeface="Courier"/>
+              </a:rPr>
+              <a:t>}</a:t>
             </a:r>
             <a:br/>
             <a:br/>
             <a:r>
-              <a:rPr>
-                <a:solidFill>
-                  <a:srgbClr val="06287E"/>
-                </a:solidFill>
-                <a:latin typeface="Courier"/>
-              </a:rPr>
-              <a:t>.graph-container</a:t>
-            </a:r>
-            <a:r>
-              <a:rPr>
-                <a:latin typeface="Courier"/>
-              </a:rPr>
-              <a:t>{</a:t>
-            </a:r>
-            <a:br/>
-            <a:r>
-              <a:rPr>
-                <a:latin typeface="Courier"/>
-              </a:rPr>
-              <a:t>            </a:t>
-            </a:r>
-            <a:r>
               <a:rPr b="1">
                 <a:solidFill>
+                  <a:srgbClr val="008000"/>
+                </a:solidFill>
+                <a:latin typeface="Courier"/>
+              </a:rPr>
+              <a:t>@media</a:t>
+            </a:r>
+            <a:r>
+              <a:rPr>
+                <a:latin typeface="Courier"/>
+              </a:rPr>
+              <a:t> (</a:t>
+            </a:r>
+            <a:r>
+              <a:rPr b="1">
+                <a:solidFill>
                   <a:srgbClr val="007020"/>
                 </a:solidFill>
                 <a:latin typeface="Courier"/>
               </a:rPr>
-              <a:t>flex</a:t>
+              <a:t>min-width</a:t>
             </a:r>
             <a:r>
               <a:rPr>
@@ -3344,99 +3353,13 @@
                 </a:solidFill>
                 <a:latin typeface="Courier"/>
               </a:rPr>
-              <a:t>0</a:t>
-            </a:r>
-            <a:r>
-              <a:rPr>
-                <a:latin typeface="Courier"/>
-              </a:rPr>
-              <a:t> </a:t>
-            </a:r>
-            <a:r>
-              <a:rPr>
-                <a:solidFill>
-                  <a:srgbClr val="40A070"/>
-                </a:solidFill>
-                <a:latin typeface="Courier"/>
-              </a:rPr>
-              <a:t>0</a:t>
-            </a:r>
-            <a:r>
-              <a:rPr>
-                <a:latin typeface="Courier"/>
-              </a:rPr>
-              <a:t> </a:t>
-            </a:r>
-            <a:r>
-              <a:rPr>
-                <a:solidFill>
-                  <a:srgbClr val="008000"/>
-                </a:solidFill>
-                <a:latin typeface="Courier"/>
-              </a:rPr>
-              <a:t>auto</a:t>
-            </a:r>
-            <a:r>
-              <a:rPr>
-                <a:solidFill>
-                  <a:srgbClr val="666666"/>
-                </a:solidFill>
-                <a:latin typeface="Courier"/>
-              </a:rPr>
-              <a:t>;</a:t>
-            </a:r>
-            <a:br/>
-            <a:r>
-              <a:rPr>
-                <a:latin typeface="Courier"/>
-              </a:rPr>
-              <a:t>            </a:t>
-            </a:r>
-            <a:r>
-              <a:rPr b="1">
-                <a:solidFill>
-                  <a:srgbClr val="007020"/>
-                </a:solidFill>
-                <a:latin typeface="Courier"/>
-              </a:rPr>
-              <a:t>width</a:t>
-            </a:r>
-            <a:r>
-              <a:rPr>
-                <a:latin typeface="Courier"/>
-              </a:rPr>
-              <a:t>: </a:t>
-            </a:r>
-            <a:r>
-              <a:rPr>
-                <a:solidFill>
-                  <a:srgbClr val="40A070"/>
-                </a:solidFill>
-                <a:latin typeface="Courier"/>
-              </a:rPr>
-              <a:t>66.66667</a:t>
-            </a:r>
-            <a:r>
-              <a:rPr>
-                <a:latin typeface="Courier"/>
-              </a:rPr>
-              <a:t> %</a:t>
-            </a:r>
-            <a:r>
-              <a:rPr>
-                <a:solidFill>
-                  <a:srgbClr val="666666"/>
-                </a:solidFill>
-                <a:latin typeface="Courier"/>
-              </a:rPr>
-              <a:t>;</a:t>
-            </a:r>
-            <a:br/>
-            <a:r>
-              <a:rPr>
-                <a:latin typeface="Courier"/>
-              </a:rPr>
-              <a:t>            }</a:t>
+              <a:t>992</a:t>
+            </a:r>
+            <a:r>
+              <a:rPr>
+                <a:latin typeface="Courier"/>
+              </a:rPr>
+              <a:t> px) {</a:t>
             </a:r>
             <a:br/>
             <a:br/>
@@ -3447,7 +3370,77 @@
                 </a:solidFill>
                 <a:latin typeface="Courier"/>
               </a:rPr>
-              <a:t>.text-container</a:t>
+              <a:t>.graph-container</a:t>
+            </a:r>
+            <a:r>
+              <a:rPr>
+                <a:latin typeface="Courier"/>
+              </a:rPr>
+              <a:t>{ </a:t>
+            </a:r>
+            <a:br/>
+            <a:r>
+              <a:rPr>
+                <a:latin typeface="Courier"/>
+              </a:rPr>
+              <a:t>          </a:t>
+            </a:r>
+            <a:r>
+              <a:rPr b="1">
+                <a:solidFill>
+                  <a:srgbClr val="007020"/>
+                </a:solidFill>
+                <a:latin typeface="Courier"/>
+              </a:rPr>
+              <a:t>margin-bottom</a:t>
+            </a:r>
+            <a:r>
+              <a:rPr>
+                <a:latin typeface="Courier"/>
+              </a:rPr>
+              <a:t>: </a:t>
+            </a:r>
+            <a:r>
+              <a:rPr>
+                <a:solidFill>
+                  <a:srgbClr val="40A070"/>
+                </a:solidFill>
+                <a:latin typeface="Courier"/>
+              </a:rPr>
+              <a:t>1</a:t>
+            </a:r>
+            <a:r>
+              <a:rPr>
+                <a:solidFill>
+                  <a:srgbClr val="902000"/>
+                </a:solidFill>
+                <a:latin typeface="Courier"/>
+              </a:rPr>
+              <a:t>rem</a:t>
+            </a:r>
+            <a:r>
+              <a:rPr>
+                <a:latin typeface="Courier"/>
+              </a:rPr>
+              <a:t> </a:t>
+            </a:r>
+            <a:br/>
+            <a:r>
+              <a:rPr>
+                <a:latin typeface="Courier"/>
+              </a:rPr>
+              <a:t>          }</a:t>
+            </a:r>
+            <a:br/>
+            <a:br/>
+            <a:r>
+              <a:rPr>
+                <a:solidFill>
+                  <a:srgbClr val="06287E"/>
+                </a:solidFill>
+                <a:latin typeface="Courier"/>
+              </a:rPr>
+              <a:t>.progress-bar-stages</a:t>
             </a:r>
             <a:r>
               <a:rPr>
@@ -3460,7 +3453,7 @@
               <a:rPr>
                 <a:latin typeface="Courier"/>
               </a:rPr>
-              <a:t>            </a:t>
+              <a:t>          </a:t>
             </a:r>
             <a:r>
               <a:rPr b="1">
@@ -3469,13 +3462,13 @@
                 </a:solidFill>
                 <a:latin typeface="Courier"/>
               </a:rPr>
-              <a:t>flex</a:t>
-            </a:r>
-            <a:r>
-              <a:rPr>
-                <a:latin typeface="Courier"/>
-              </a:rPr>
-              <a:t>: </a:t>
+              <a:t>visibility</a:t>
+            </a:r>
+            <a:r>
+              <a:rPr>
+                <a:latin typeface="Courier"/>
+              </a:rPr>
+              <a:t>:</a:t>
             </a:r>
             <a:r>
               <a:rPr>
@@ -3484,95 +3477,7 @@
                 </a:solidFill>
                 <a:latin typeface="Courier"/>
               </a:rPr>
-              <a:t>0</a:t>
-            </a:r>
-            <a:r>
-              <a:rPr>
-                <a:latin typeface="Courier"/>
-              </a:rPr>
-              <a:t> </a:t>
-            </a:r>
-            <a:r>
-              <a:rPr>
-                <a:solidFill>
-                  <a:srgbClr val="40A070"/>
-                </a:solidFill>
-                <a:latin typeface="Courier"/>
-              </a:rPr>
-              <a:t>0</a:t>
-            </a:r>
-            <a:r>
-              <a:rPr>
-                <a:latin typeface="Courier"/>
-              </a:rPr>
-              <a:t> </a:t>
-            </a:r>
-            <a:r>
-              <a:rPr>
-                <a:solidFill>
-                  <a:srgbClr val="008000"/>
-                </a:solidFill>
-                <a:latin typeface="Courier"/>
-              </a:rPr>
-              <a:t>auto</a:t>
-            </a:r>
-            <a:r>
-              <a:rPr>
-                <a:solidFill>
-                  <a:srgbClr val="666666"/>
-                </a:solidFill>
-                <a:latin typeface="Courier"/>
-              </a:rPr>
-              <a:t>;</a:t>
-            </a:r>
-            <a:br/>
-            <a:r>
-              <a:rPr>
-                <a:latin typeface="Courier"/>
-              </a:rPr>
-              <a:t>            </a:t>
-            </a:r>
-            <a:r>
-              <a:rPr b="1">
-                <a:solidFill>
-                  <a:srgbClr val="007020"/>
-                </a:solidFill>
-                <a:latin typeface="Courier"/>
-              </a:rPr>
-              <a:t>width</a:t>
-            </a:r>
-            <a:r>
-              <a:rPr>
-                <a:latin typeface="Courier"/>
-              </a:rPr>
-              <a:t>:</a:t>
-            </a:r>
-            <a:r>
-              <a:rPr>
-                <a:solidFill>
-                  <a:srgbClr val="40A070"/>
-                </a:solidFill>
-                <a:latin typeface="Courier"/>
-              </a:rPr>
-              <a:t>25</a:t>
-            </a:r>
-            <a:r>
-              <a:rPr>
-                <a:solidFill>
-                  <a:srgbClr val="902000"/>
-                </a:solidFill>
-                <a:latin typeface="Courier"/>
-              </a:rPr>
-              <a:t>%</a:t>
-            </a:r>
-            <a:r>
-              <a:rPr>
-                <a:solidFill>
-                  <a:srgbClr val="666666"/>
-                </a:solidFill>
-                <a:latin typeface="Courier"/>
-              </a:rPr>
-              <a:t>;</a:t>
+              <a:t>visible</a:t>
             </a:r>
             <a:br/>
             <a:r>
@@ -3633,7 +3538,50 @@
             </a:pPr>
             <a:r>
               <a:rPr/>
-              <a:t>Otra</a:t>
+              <a:t>¿Qué aprendimos?</a:t>
+            </a:r>
+          </a:p>
+        </p:txBody>
+      </p:sp>
+      <p:sp>
+        <p:nvSpPr>
+          <p:cNvPr id="3" name="Content Placeholder 2"/>
+          <p:cNvSpPr>
+            <a:spLocks noGrp="1"/>
+          </p:cNvSpPr>
+          <p:nvPr>
+            <p:ph idx="1"/>
+          </p:nvPr>
+        </p:nvSpPr>
+        <p:spPr/>
+        <p:txBody>
+          <a:bodyPr/>
+          <a:lstStyle/>
+          <a:p>
+            <a:pPr lvl="0" indent="0" marL="0">
+              <a:buNone/>
+            </a:pPr>
+            <a:r>
+              <a:rPr/>
+              <a:t>-Grid system, clases de utilidad y clases responsive agilizan el desarrollo web.</a:t>
+            </a:r>
+          </a:p>
+          <a:p>
+            <a:pPr lvl="0" indent="0" marL="0">
+              <a:buNone/>
+            </a:pPr>
+            <a:r>
+              <a:rPr/>
+              <a:t>-Limitación: Hay algunas resoluciones que no pueden ser atacadas con estas clases.</a:t>
+            </a:r>
+          </a:p>
+          <a:p>
+            <a:pPr lvl="0" indent="0" marL="0">
+              <a:buNone/>
+            </a:pPr>
+            <a:r>
+              <a:rPr/>
+              <a:t>-Tip: Shiny incluye Bootstrap 3 por default. Es necesario especificar qué versión queremos usar. (Se puede definir con la librería bslib)</a:t>
             </a:r>
           </a:p>
         </p:txBody>
@@ -3779,90 +3727,6 @@
             </a:pPr>
             <a:r>
               <a:rPr/>
-              <a:t>Slide with Bullets</a:t>
-            </a:r>
-          </a:p>
-        </p:txBody>
-      </p:sp>
-      <p:sp>
-        <p:nvSpPr>
-          <p:cNvPr id="3" name="Content Placeholder 2"/>
-          <p:cNvSpPr>
-            <a:spLocks noGrp="1"/>
-          </p:cNvSpPr>
-          <p:nvPr>
-            <p:ph idx="1"/>
-          </p:nvPr>
-        </p:nvSpPr>
-        <p:spPr/>
-        <p:txBody>
-          <a:bodyPr/>
-          <a:lstStyle/>
-          <a:p>
-            <a:pPr lvl="0"/>
-            <a:r>
-              <a:rPr/>
-              <a:t>Bullet 1</a:t>
-            </a:r>
-          </a:p>
-          <a:p>
-            <a:pPr lvl="0"/>
-            <a:r>
-              <a:rPr/>
-              <a:t>Bullet 2</a:t>
-            </a:r>
-          </a:p>
-          <a:p>
-            <a:pPr lvl="0"/>
-            <a:r>
-              <a:rPr/>
-              <a:t>Bullet 3</a:t>
-            </a:r>
-          </a:p>
-        </p:txBody>
-      </p:sp>
-    </p:spTree>
-  </p:cSld>
-</p:sld>
-</file>
-
-<file path=ppt/slides/slide4.xml><?xml version="1.0" encoding="utf-8"?>
-<p:sld xmlns:a="http://schemas.openxmlformats.org/drawingml/2006/main" xmlns:r="http://schemas.openxmlformats.org/officeDocument/2006/relationships" xmlns:p="http://schemas.openxmlformats.org/presentationml/2006/main">
-  <p:cSld>
-    <p:spTree>
-      <p:nvGrpSpPr>
-        <p:cNvPr id="1" name=""/>
-        <p:cNvGrpSpPr/>
-        <p:nvPr/>
-      </p:nvGrpSpPr>
-      <p:grpSpPr>
-        <a:xfrm>
-          <a:off x="0" y="0"/>
-          <a:ext cx="0" cy="0"/>
-          <a:chOff x="0" y="0"/>
-          <a:chExt cx="0" cy="0"/>
-        </a:xfrm>
-      </p:grpSpPr>
-      <p:sp>
-        <p:nvSpPr>
-          <p:cNvPr id="2" name="Title 1"/>
-          <p:cNvSpPr>
-            <a:spLocks noGrp="1"/>
-          </p:cNvSpPr>
-          <p:nvPr>
-            <p:ph type="title"/>
-          </p:nvPr>
-        </p:nvSpPr>
-        <p:spPr/>
-        <p:txBody>
-          <a:bodyPr/>
-          <a:lstStyle/>
-          <a:p>
-            <a:pPr lvl="0" indent="0" marL="0">
-              <a:buNone/>
-            </a:pPr>
-            <a:r>
-              <a:rPr/>
               <a:t>Slide with R Output</a:t>
             </a:r>
           </a:p>
@@ -3926,7 +3790,7 @@
 </p:sld>
 </file>
 
-<file path=ppt/slides/slide5.xml><?xml version="1.0" encoding="utf-8"?>
+<file path=ppt/slides/slide4.xml><?xml version="1.0" encoding="utf-8"?>
 <p:sld xmlns:a="http://schemas.openxmlformats.org/drawingml/2006/main" xmlns:r="http://schemas.openxmlformats.org/officeDocument/2006/relationships" xmlns:p="http://schemas.openxmlformats.org/presentationml/2006/main">
   <p:cSld>
     <p:spTree>
@@ -4003,6 +3867,113 @@
 </p:sld>
 </file>
 
+<file path=ppt/slides/slide5.xml><?xml version="1.0" encoding="utf-8"?>
+<p:sld xmlns:a="http://schemas.openxmlformats.org/drawingml/2006/main" xmlns:r="http://schemas.openxmlformats.org/officeDocument/2006/relationships" xmlns:p="http://schemas.openxmlformats.org/presentationml/2006/main">
+  <p:cSld>
+    <p:spTree>
+      <p:nvGrpSpPr>
+        <p:cNvPr id="1" name=""/>
+        <p:cNvGrpSpPr/>
+        <p:nvPr/>
+      </p:nvGrpSpPr>
+      <p:grpSpPr>
+        <a:xfrm>
+          <a:off x="0" y="0"/>
+          <a:ext cx="0" cy="0"/>
+          <a:chOff x="0" y="0"/>
+          <a:chExt cx="0" cy="0"/>
+        </a:xfrm>
+      </p:grpSpPr>
+      <p:sp>
+        <p:nvSpPr>
+          <p:cNvPr id="2" name="Title 1"/>
+          <p:cNvSpPr>
+            <a:spLocks noGrp="1"/>
+          </p:cNvSpPr>
+          <p:nvPr>
+            <p:ph type="title"/>
+          </p:nvPr>
+        </p:nvSpPr>
+        <p:spPr/>
+        <p:txBody>
+          <a:bodyPr/>
+          <a:lstStyle/>
+          <a:p>
+            <a:pPr lvl="0" indent="0" marL="0">
+              <a:buNone/>
+            </a:pPr>
+            <a:r>
+              <a:rPr/>
+              <a:t>¿Cuál era el reto?</a:t>
+            </a:r>
+          </a:p>
+        </p:txBody>
+      </p:sp>
+      <p:pic>
+        <p:nvPicPr>
+          <p:cNvPr descr="input/ss-huella.png" id="0" name="Picture 1"/>
+          <p:cNvPicPr>
+            <a:picLocks noGrp="1" noChangeAspect="1"/>
+          </p:cNvPicPr>
+          <p:nvPr/>
+        </p:nvPicPr>
+        <p:blipFill>
+          <a:blip r:embed="rId2"/>
+          <a:stretch>
+            <a:fillRect/>
+          </a:stretch>
+        </p:blipFill>
+        <p:spPr bwMode="auto">
+          <a:xfrm>
+            <a:off x="457200" y="1752600"/>
+            <a:ext cx="4038600" cy="2273300"/>
+          </a:xfrm>
+          <a:prstGeom prst="rect">
+            <a:avLst/>
+          </a:prstGeom>
+          <a:noFill/>
+          <a:ln w="9525">
+            <a:noFill/>
+            <a:headEnd/>
+            <a:tailEnd/>
+          </a:ln>
+        </p:spPr>
+      </p:pic>
+      <p:pic>
+        <p:nvPicPr>
+          <p:cNvPr descr="input/ss-huella_mobile.png" id="0" name="Picture 1"/>
+          <p:cNvPicPr>
+            <a:picLocks noGrp="1" noChangeAspect="1"/>
+          </p:cNvPicPr>
+          <p:nvPr/>
+        </p:nvPicPr>
+        <p:blipFill>
+          <a:blip r:embed="rId3"/>
+          <a:stretch>
+            <a:fillRect/>
+          </a:stretch>
+        </p:blipFill>
+        <p:spPr bwMode="auto">
+          <a:xfrm>
+            <a:off x="5727700" y="1193800"/>
+            <a:ext cx="1879600" cy="3390900"/>
+          </a:xfrm>
+          <a:prstGeom prst="rect">
+            <a:avLst/>
+          </a:prstGeom>
+          <a:noFill/>
+          <a:ln w="9525">
+            <a:noFill/>
+            <a:headEnd/>
+            <a:tailEnd/>
+          </a:ln>
+        </p:spPr>
+      </p:pic>
+    </p:spTree>
+  </p:cSld>
+</p:sld>
+</file>
+
 <file path=ppt/slides/slide6.xml><?xml version="1.0" encoding="utf-8"?>
 <p:sld xmlns:a="http://schemas.openxmlformats.org/drawingml/2006/main" xmlns:r="http://schemas.openxmlformats.org/officeDocument/2006/relationships" xmlns:p="http://schemas.openxmlformats.org/presentationml/2006/main">
   <p:cSld>
@@ -4040,7 +4011,7 @@
             </a:pPr>
             <a:r>
               <a:rPr/>
-              <a:t>Responsive slide 1</a:t>
+              <a:t>¿Cuál era el reto?</a:t>
             </a:r>
           </a:p>
         </p:txBody>
@@ -4060,10 +4031,39 @@
           <a:bodyPr/>
           <a:lstStyle/>
           <a:p>
-            <a:pPr lvl="0"/>
+            <a:pPr lvl="0" indent="0" marL="0">
+              <a:buNone/>
+            </a:pPr>
             <a:r>
               <a:rPr/>
-              <a:t>Exhibir el problema</a:t>
+              <a:t>-Existe una infinidad de tamaños de resoluciones.</a:t>
+            </a:r>
+          </a:p>
+          <a:p>
+            <a:pPr lvl="0" indent="0" marL="0">
+              <a:buNone/>
+            </a:pPr>
+            <a:r>
+              <a:rPr/>
+              <a:t>-Convencionalmente se dividen en 5 grupos, marcadas por breakpoints.</a:t>
+            </a:r>
+          </a:p>
+          <a:p>
+            <a:pPr lvl="0" indent="0" marL="0">
+              <a:buNone/>
+            </a:pPr>
+            <a:r>
+              <a:rPr/>
+              <a:t>-Las clases de utilidad de bootstrap ayudan a diseñar rápidamente elementos sin usar código CSS.</a:t>
+            </a:r>
+          </a:p>
+          <a:p>
+            <a:pPr lvl="0" indent="0" marL="0">
+              <a:buNone/>
+            </a:pPr>
+            <a:r>
+              <a:rPr/>
+              <a:t>-Existen clases de utilidad responsive que combinan breakpoints y propiedades de diseño.</a:t>
             </a:r>
           </a:p>
         </p:txBody>
@@ -4110,7 +4110,7 @@
             </a:pPr>
             <a:r>
               <a:rPr/>
-              <a:t>Responsive slide 2</a:t>
+              <a:t>Creando un layout responsive con clases de bootstrap</a:t>
             </a:r>
           </a:p>
         </p:txBody>
@@ -4130,24 +4130,236 @@
           <a:bodyPr/>
           <a:lstStyle/>
           <a:p>
-            <a:pPr lvl="0"/>
-            <a:r>
-              <a:rPr/>
-              <a:t>Clases de utilidad de bootstrap –&gt; agilizan el desarrollo web</a:t>
-            </a:r>
-          </a:p>
-          <a:p>
-            <a:pPr lvl="0"/>
-            <a:r>
-              <a:rPr/>
-              <a:t>Ayuda a diseñar rápidamente elementos sin usar código CSS</a:t>
-            </a:r>
-          </a:p>
-          <a:p>
-            <a:pPr lvl="0"/>
-            <a:r>
-              <a:rPr/>
-              <a:t>Clases que cruzan breakpoints y propiedades de diseño</a:t>
+            <a:pPr lvl="0" indent="0">
+              <a:buNone/>
+            </a:pPr>
+            <a:br/>
+            <a:r>
+              <a:rPr b="1">
+                <a:solidFill>
+                  <a:srgbClr val="007020"/>
+                </a:solidFill>
+                <a:latin typeface="Courier"/>
+              </a:rPr>
+              <a:t>&lt;div</a:t>
+            </a:r>
+            <a:r>
+              <a:rPr>
+                <a:latin typeface="Courier"/>
+              </a:rPr>
+              <a:t> </a:t>
+            </a:r>
+            <a:r>
+              <a:rPr b="1">
+                <a:solidFill>
+                  <a:srgbClr val="FF0000"/>
+                </a:solidFill>
+                <a:latin typeface="Courier"/>
+              </a:rPr>
+              <a:t>class</a:t>
+            </a:r>
+            <a:r>
+              <a:rPr>
+                <a:solidFill>
+                  <a:srgbClr val="007020"/>
+                </a:solidFill>
+                <a:latin typeface="Courier"/>
+              </a:rPr>
+              <a:t>=</a:t>
+            </a:r>
+            <a:r>
+              <a:rPr>
+                <a:solidFill>
+                  <a:srgbClr val="4070A0"/>
+                </a:solidFill>
+                <a:latin typeface="Courier"/>
+              </a:rPr>
+              <a:t>"graph-container col-sm-12 col-md-9 mb-lg-3"</a:t>
+            </a:r>
+            <a:r>
+              <a:rPr b="1">
+                <a:solidFill>
+                  <a:srgbClr val="007020"/>
+                </a:solidFill>
+                <a:latin typeface="Courier"/>
+              </a:rPr>
+              <a:t>&gt;</a:t>
+            </a:r>
+            <a:r>
+              <a:rPr>
+                <a:latin typeface="Courier"/>
+              </a:rPr>
+              <a:t>...</a:t>
+            </a:r>
+            <a:r>
+              <a:rPr b="1">
+                <a:solidFill>
+                  <a:srgbClr val="007020"/>
+                </a:solidFill>
+                <a:latin typeface="Courier"/>
+              </a:rPr>
+              <a:t>&lt;/div&gt;</a:t>
+            </a:r>
+            <a:br/>
+            <a:br/>
+            <a:r>
+              <a:rPr>
+                <a:latin typeface="Courier"/>
+              </a:rPr>
+              <a:t>  </a:t>
+            </a:r>
+            <a:r>
+              <a:rPr b="1">
+                <a:solidFill>
+                  <a:srgbClr val="007020"/>
+                </a:solidFill>
+                <a:latin typeface="Courier"/>
+              </a:rPr>
+              <a:t>&lt;div</a:t>
+            </a:r>
+            <a:r>
+              <a:rPr>
+                <a:latin typeface="Courier"/>
+              </a:rPr>
+              <a:t> </a:t>
+            </a:r>
+            <a:r>
+              <a:rPr b="1">
+                <a:solidFill>
+                  <a:srgbClr val="FF0000"/>
+                </a:solidFill>
+                <a:latin typeface="Courier"/>
+              </a:rPr>
+              <a:t>class</a:t>
+            </a:r>
+            <a:r>
+              <a:rPr>
+                <a:solidFill>
+                  <a:srgbClr val="007020"/>
+                </a:solidFill>
+                <a:latin typeface="Courier"/>
+              </a:rPr>
+              <a:t>=</a:t>
+            </a:r>
+            <a:r>
+              <a:rPr>
+                <a:latin typeface="Courier"/>
+              </a:rPr>
+              <a:t> </a:t>
+            </a:r>
+            <a:r>
+              <a:rPr>
+                <a:solidFill>
+                  <a:srgbClr val="4070A0"/>
+                </a:solidFill>
+                <a:latin typeface="Courier"/>
+              </a:rPr>
+              <a:t>"text-container col-sm-12 col-md-3"</a:t>
+            </a:r>
+            <a:r>
+              <a:rPr b="1">
+                <a:solidFill>
+                  <a:srgbClr val="007020"/>
+                </a:solidFill>
+                <a:latin typeface="Courier"/>
+              </a:rPr>
+              <a:t>&gt;</a:t>
+            </a:r>
+            <a:r>
+              <a:rPr>
+                <a:latin typeface="Courier"/>
+              </a:rPr>
+              <a:t>...</a:t>
+            </a:r>
+            <a:r>
+              <a:rPr b="1">
+                <a:solidFill>
+                  <a:srgbClr val="007020"/>
+                </a:solidFill>
+                <a:latin typeface="Courier"/>
+              </a:rPr>
+              <a:t>&lt;/div&gt;</a:t>
+            </a:r>
+            <a:br/>
+            <a:br/>
+            <a:r>
+              <a:rPr b="1">
+                <a:solidFill>
+                  <a:srgbClr val="007020"/>
+                </a:solidFill>
+                <a:latin typeface="Courier"/>
+              </a:rPr>
+              <a:t>&lt;div</a:t>
+            </a:r>
+            <a:r>
+              <a:rPr>
+                <a:latin typeface="Courier"/>
+              </a:rPr>
+              <a:t> </a:t>
+            </a:r>
+            <a:r>
+              <a:rPr b="1">
+                <a:solidFill>
+                  <a:srgbClr val="FF0000"/>
+                </a:solidFill>
+                <a:latin typeface="Courier"/>
+              </a:rPr>
+              <a:t>class</a:t>
+            </a:r>
+            <a:r>
+              <a:rPr>
+                <a:solidFill>
+                  <a:srgbClr val="007020"/>
+                </a:solidFill>
+                <a:latin typeface="Courier"/>
+              </a:rPr>
+              <a:t>=</a:t>
+            </a:r>
+            <a:r>
+              <a:rPr>
+                <a:latin typeface="Courier"/>
+              </a:rPr>
+              <a:t> </a:t>
+            </a:r>
+            <a:r>
+              <a:rPr>
+                <a:solidFill>
+                  <a:srgbClr val="4070A0"/>
+                </a:solidFill>
+                <a:latin typeface="Courier"/>
+              </a:rPr>
+              <a:t>"progress-bar-stages d-none d-lg-flex"</a:t>
+            </a:r>
+            <a:r>
+              <a:rPr b="1">
+                <a:solidFill>
+                  <a:srgbClr val="007020"/>
+                </a:solidFill>
+                <a:latin typeface="Courier"/>
+              </a:rPr>
+              <a:t>&gt;</a:t>
+            </a:r>
+            <a:r>
+              <a:rPr>
+                <a:latin typeface="Courier"/>
+              </a:rPr>
+              <a:t>...</a:t>
+            </a:r>
+            <a:r>
+              <a:rPr b="1">
+                <a:solidFill>
+                  <a:srgbClr val="007020"/>
+                </a:solidFill>
+                <a:latin typeface="Courier"/>
+              </a:rPr>
+              <a:t>&lt;/div&gt;</a:t>
+            </a:r>
+            <a:br/>
+            <a:r>
+              <a:rPr>
+                <a:latin typeface="Courier"/>
+              </a:rPr>
+              <a:t> </a:t>
             </a:r>
           </a:p>
         </p:txBody>
@@ -4194,7 +4406,7 @@
             </a:pPr>
             <a:r>
               <a:rPr/>
-              <a:t>Solución usando bootsrap</a:t>
+              <a:t>¿Cuál era la alternativa?</a:t>
             </a:r>
           </a:p>
         </p:txBody>
@@ -4214,390 +4426,21 @@
           <a:bodyPr/>
           <a:lstStyle/>
           <a:p>
-            <a:pPr lvl="0" indent="0">
+            <a:pPr lvl="0" indent="0" marL="0">
               <a:buNone/>
             </a:pPr>
             <a:r>
-              <a:rPr b="1">
-                <a:solidFill>
-                  <a:srgbClr val="007020"/>
-                </a:solidFill>
-                <a:latin typeface="Courier"/>
-              </a:rPr>
-              <a:t>&lt;div</a:t>
-            </a:r>
-            <a:r>
-              <a:rPr>
-                <a:latin typeface="Courier"/>
-              </a:rPr>
-              <a:t> </a:t>
-            </a:r>
-            <a:r>
-              <a:rPr b="1">
-                <a:solidFill>
-                  <a:srgbClr val="FF0000"/>
-                </a:solidFill>
-                <a:latin typeface="Courier"/>
-              </a:rPr>
-              <a:t>class</a:t>
-            </a:r>
-            <a:r>
-              <a:rPr>
-                <a:solidFill>
-                  <a:srgbClr val="007020"/>
-                </a:solidFill>
-                <a:latin typeface="Courier"/>
-              </a:rPr>
-              <a:t>=</a:t>
-            </a:r>
-            <a:r>
-              <a:rPr>
-                <a:solidFill>
-                  <a:srgbClr val="4070A0"/>
-                </a:solidFill>
-                <a:latin typeface="Courier"/>
-              </a:rPr>
-              <a:t>"row d-flex"</a:t>
-            </a:r>
-            <a:r>
-              <a:rPr b="1">
-                <a:solidFill>
-                  <a:srgbClr val="007020"/>
-                </a:solidFill>
-                <a:latin typeface="Courier"/>
-              </a:rPr>
-              <a:t>&gt;</a:t>
-            </a:r>
-            <a:br/>
-            <a:r>
-              <a:rPr>
-                <a:latin typeface="Courier"/>
-              </a:rPr>
-              <a:t>    </a:t>
-            </a:r>
-            <a:r>
-              <a:rPr b="1">
-                <a:solidFill>
-                  <a:srgbClr val="007020"/>
-                </a:solidFill>
-                <a:latin typeface="Courier"/>
-              </a:rPr>
-              <a:t>&lt;div</a:t>
-            </a:r>
-            <a:r>
-              <a:rPr>
-                <a:latin typeface="Courier"/>
-              </a:rPr>
-              <a:t> </a:t>
-            </a:r>
-            <a:r>
-              <a:rPr b="1">
-                <a:solidFill>
-                  <a:srgbClr val="FF0000"/>
-                </a:solidFill>
-                <a:latin typeface="Courier"/>
-              </a:rPr>
-              <a:t>class</a:t>
-            </a:r>
-            <a:r>
-              <a:rPr>
-                <a:latin typeface="Courier"/>
-              </a:rPr>
-              <a:t> </a:t>
-            </a:r>
-            <a:r>
-              <a:rPr>
-                <a:solidFill>
-                  <a:srgbClr val="007020"/>
-                </a:solidFill>
-                <a:latin typeface="Courier"/>
-              </a:rPr>
-              <a:t>=</a:t>
-            </a:r>
-            <a:r>
-              <a:rPr>
-                <a:latin typeface="Courier"/>
-              </a:rPr>
-              <a:t> </a:t>
-            </a:r>
-            <a:r>
-              <a:rPr>
-                <a:solidFill>
-                  <a:srgbClr val="4070A0"/>
-                </a:solidFill>
-                <a:latin typeface="Courier"/>
-              </a:rPr>
-              <a:t>“graph-container</a:t>
-            </a:r>
-            <a:r>
-              <a:rPr>
-                <a:latin typeface="Courier"/>
-              </a:rPr>
-              <a:t> </a:t>
-            </a:r>
-            <a:r>
-              <a:rPr b="1">
-                <a:solidFill>
-                  <a:srgbClr val="FF0000"/>
-                </a:solidFill>
-                <a:latin typeface="Courier"/>
-              </a:rPr>
-              <a:t>col-sm-12</a:t>
-            </a:r>
-            <a:r>
-              <a:rPr>
-                <a:latin typeface="Courier"/>
-              </a:rPr>
-              <a:t> </a:t>
-            </a:r>
-            <a:r>
-              <a:rPr b="1">
-                <a:solidFill>
-                  <a:srgbClr val="FF0000"/>
-                </a:solidFill>
-                <a:latin typeface="Courier"/>
-              </a:rPr>
-              <a:t>col-md-8</a:t>
-            </a:r>
-            <a:r>
-              <a:rPr>
-                <a:latin typeface="Courier"/>
-              </a:rPr>
-              <a:t> </a:t>
-            </a:r>
-            <a:r>
-              <a:rPr b="1">
-                <a:solidFill>
-                  <a:srgbClr val="FF0000"/>
-                </a:solidFill>
-                <a:latin typeface="Courier"/>
-              </a:rPr>
-              <a:t>align-items-center</a:t>
-            </a:r>
-            <a:r>
-              <a:rPr>
-                <a:latin typeface="Courier"/>
-              </a:rPr>
-              <a:t> </a:t>
-            </a:r>
-            <a:r>
-              <a:rPr b="1">
-                <a:solidFill>
-                  <a:srgbClr val="FF0000"/>
-                </a:solidFill>
-                <a:latin typeface="Courier"/>
-              </a:rPr>
-              <a:t>position</a:t>
-            </a:r>
-            <a:r>
-              <a:rPr>
-                <a:latin typeface="Courier"/>
-              </a:rPr>
-              <a:t> </a:t>
-            </a:r>
-            <a:r>
-              <a:rPr b="1">
-                <a:solidFill>
-                  <a:srgbClr val="FF0000"/>
-                </a:solidFill>
-                <a:latin typeface="Courier"/>
-              </a:rPr>
-              <a:t>mb-lg-3”</a:t>
-            </a:r>
-            <a:r>
-              <a:rPr b="1">
-                <a:solidFill>
-                  <a:srgbClr val="007020"/>
-                </a:solidFill>
-                <a:latin typeface="Courier"/>
-              </a:rPr>
-              <a:t>&gt;</a:t>
-            </a:r>
-            <a:br/>
-            <a:r>
-              <a:rPr>
-                <a:latin typeface="Courier"/>
-              </a:rPr>
-              <a:t>        ...</a:t>
-            </a:r>
-            <a:br/>
-            <a:r>
-              <a:rPr>
-                <a:latin typeface="Courier"/>
-              </a:rPr>
-              <a:t>    </a:t>
-            </a:r>
-            <a:r>
-              <a:rPr b="1">
-                <a:solidFill>
-                  <a:srgbClr val="007020"/>
-                </a:solidFill>
-                <a:latin typeface="Courier"/>
-              </a:rPr>
-              <a:t>&lt;div/&gt;</a:t>
-            </a:r>
-            <a:br/>
-            <a:r>
-              <a:rPr>
-                <a:latin typeface="Courier"/>
-              </a:rPr>
-              <a:t>    </a:t>
-            </a:r>
-            <a:r>
-              <a:rPr b="1">
-                <a:solidFill>
-                  <a:srgbClr val="007020"/>
-                </a:solidFill>
-                <a:latin typeface="Courier"/>
-              </a:rPr>
-              <a:t>&lt;div</a:t>
-            </a:r>
-            <a:r>
-              <a:rPr>
-                <a:latin typeface="Courier"/>
-              </a:rPr>
-              <a:t> </a:t>
-            </a:r>
-            <a:r>
-              <a:rPr b="1">
-                <a:solidFill>
-                  <a:srgbClr val="FF0000"/>
-                </a:solidFill>
-                <a:latin typeface="Courier"/>
-              </a:rPr>
-              <a:t>class</a:t>
-            </a:r>
-            <a:r>
-              <a:rPr>
-                <a:latin typeface="Courier"/>
-              </a:rPr>
-              <a:t> </a:t>
-            </a:r>
-            <a:r>
-              <a:rPr>
-                <a:solidFill>
-                  <a:srgbClr val="007020"/>
-                </a:solidFill>
-                <a:latin typeface="Courier"/>
-              </a:rPr>
-              <a:t>=</a:t>
-            </a:r>
-            <a:r>
-              <a:rPr>
-                <a:latin typeface="Courier"/>
-              </a:rPr>
-              <a:t> </a:t>
-            </a:r>
-            <a:r>
-              <a:rPr>
-                <a:solidFill>
-                  <a:srgbClr val="4070A0"/>
-                </a:solidFill>
-                <a:latin typeface="Courier"/>
-              </a:rPr>
-              <a:t>“text-container</a:t>
-            </a:r>
-            <a:r>
-              <a:rPr>
-                <a:latin typeface="Courier"/>
-              </a:rPr>
-              <a:t> </a:t>
-            </a:r>
-            <a:r>
-              <a:rPr b="1">
-                <a:solidFill>
-                  <a:srgbClr val="FF0000"/>
-                </a:solidFill>
-                <a:latin typeface="Courier"/>
-              </a:rPr>
-              <a:t>col-sm-12</a:t>
-            </a:r>
-            <a:r>
-              <a:rPr>
-                <a:latin typeface="Courier"/>
-              </a:rPr>
-              <a:t> </a:t>
-            </a:r>
-            <a:r>
-              <a:rPr b="1">
-                <a:solidFill>
-                  <a:srgbClr val="FF0000"/>
-                </a:solidFill>
-                <a:latin typeface="Courier"/>
-              </a:rPr>
-              <a:t>col-md-3</a:t>
-            </a:r>
-            <a:r>
-              <a:rPr>
-                <a:latin typeface="Courier"/>
-              </a:rPr>
-              <a:t> </a:t>
-            </a:r>
-            <a:r>
-              <a:rPr b="1">
-                <a:solidFill>
-                  <a:srgbClr val="FF0000"/>
-                </a:solidFill>
-                <a:latin typeface="Courier"/>
-              </a:rPr>
-              <a:t>my-auto</a:t>
-            </a:r>
-            <a:r>
-              <a:rPr>
-                <a:latin typeface="Courier"/>
-              </a:rPr>
-              <a:t> </a:t>
-            </a:r>
-            <a:r>
-              <a:rPr b="1">
-                <a:solidFill>
-                  <a:srgbClr val="FF0000"/>
-                </a:solidFill>
-                <a:latin typeface="Courier"/>
-              </a:rPr>
-              <a:t>mx-auto”</a:t>
-            </a:r>
-            <a:r>
-              <a:rPr b="1">
-                <a:solidFill>
-                  <a:srgbClr val="007020"/>
-                </a:solidFill>
-                <a:latin typeface="Courier"/>
-              </a:rPr>
-              <a:t>&gt;</a:t>
-            </a:r>
-            <a:br/>
-            <a:r>
-              <a:rPr>
-                <a:latin typeface="Courier"/>
-              </a:rPr>
-              <a:t>          ...</a:t>
-            </a:r>
-            <a:br/>
-            <a:r>
-              <a:rPr>
-                <a:latin typeface="Courier"/>
-              </a:rPr>
-              <a:t>    </a:t>
-            </a:r>
-            <a:r>
-              <a:rPr b="1">
-                <a:solidFill>
-                  <a:srgbClr val="007020"/>
-                </a:solidFill>
-                <a:latin typeface="Courier"/>
-              </a:rPr>
-              <a:t>&lt;div/&gt;</a:t>
-            </a:r>
-            <a:br/>
-            <a:r>
-              <a:rPr b="1">
-                <a:solidFill>
-                  <a:srgbClr val="007020"/>
-                </a:solidFill>
-                <a:latin typeface="Courier"/>
-              </a:rPr>
-              <a:t>&lt;div/&gt;</a:t>
+              <a:rPr/>
+              <a:t>1.Establecer en el archivo .html y .css el código y las clases para un layout base (convencionalmente se usa mobile)</a:t>
+            </a:r>
+          </a:p>
+          <a:p>
+            <a:pPr lvl="0" indent="0" marL="0">
+              <a:buNone/>
+            </a:pPr>
+            <a:r>
+              <a:rPr/>
+              <a:t>2.Generar media queries ajustando las propiedades de los elementos para todas las resoluciones diferentes a la base.</a:t>
             </a:r>
           </a:p>
         </p:txBody>
@@ -4644,7 +4487,7 @@
             </a:pPr>
             <a:r>
               <a:rPr/>
-              <a:t>¿Cuál era la alternativa?</a:t>
+              <a:t>Solucion con media queries</a:t>
             </a:r>
           </a:p>
         </p:txBody>
@@ -4664,12 +4507,344 @@
           <a:bodyPr/>
           <a:lstStyle/>
           <a:p>
-            <a:pPr lvl="0" indent="0" marL="0">
+            <a:pPr lvl="0" indent="0">
               <a:buNone/>
             </a:pPr>
-            <a:r>
-              <a:rPr/>
-              <a:t>-Generar un un html y css con layout y tamaños de mobile -Adicionalmente agregar media queries para</a:t>
+            <a:br/>
+            <a:r>
+              <a:rPr b="1">
+                <a:solidFill>
+                  <a:srgbClr val="008000"/>
+                </a:solidFill>
+                <a:latin typeface="Courier"/>
+              </a:rPr>
+              <a:t>@media</a:t>
+            </a:r>
+            <a:r>
+              <a:rPr>
+                <a:latin typeface="Courier"/>
+              </a:rPr>
+              <a:t> (</a:t>
+            </a:r>
+            <a:r>
+              <a:rPr b="1">
+                <a:solidFill>
+                  <a:srgbClr val="007020"/>
+                </a:solidFill>
+                <a:latin typeface="Courier"/>
+              </a:rPr>
+              <a:t>min-width</a:t>
+            </a:r>
+            <a:r>
+              <a:rPr>
+                <a:latin typeface="Courier"/>
+              </a:rPr>
+              <a:t>: </a:t>
+            </a:r>
+            <a:r>
+              <a:rPr>
+                <a:solidFill>
+                  <a:srgbClr val="40A070"/>
+                </a:solidFill>
+                <a:latin typeface="Courier"/>
+              </a:rPr>
+              <a:t>768</a:t>
+            </a:r>
+            <a:r>
+              <a:rPr>
+                <a:latin typeface="Courier"/>
+              </a:rPr>
+              <a:t> px) {</a:t>
+            </a:r>
+            <a:br/>
+            <a:br/>
+            <a:r>
+              <a:rPr>
+                <a:solidFill>
+                  <a:srgbClr val="06287E"/>
+                </a:solidFill>
+                <a:latin typeface="Courier"/>
+              </a:rPr>
+              <a:t>.graph-container</a:t>
+            </a:r>
+            <a:r>
+              <a:rPr>
+                <a:latin typeface="Courier"/>
+              </a:rPr>
+              <a:t>{</a:t>
+            </a:r>
+            <a:br/>
+            <a:r>
+              <a:rPr>
+                <a:latin typeface="Courier"/>
+              </a:rPr>
+              <a:t>            </a:t>
+            </a:r>
+            <a:r>
+              <a:rPr b="1">
+                <a:solidFill>
+                  <a:srgbClr val="007020"/>
+                </a:solidFill>
+                <a:latin typeface="Courier"/>
+              </a:rPr>
+              <a:t>flex</a:t>
+            </a:r>
+            <a:r>
+              <a:rPr>
+                <a:latin typeface="Courier"/>
+              </a:rPr>
+              <a:t>: </a:t>
+            </a:r>
+            <a:r>
+              <a:rPr>
+                <a:solidFill>
+                  <a:srgbClr val="40A070"/>
+                </a:solidFill>
+                <a:latin typeface="Courier"/>
+              </a:rPr>
+              <a:t>0</a:t>
+            </a:r>
+            <a:r>
+              <a:rPr>
+                <a:latin typeface="Courier"/>
+              </a:rPr>
+              <a:t> </a:t>
+            </a:r>
+            <a:r>
+              <a:rPr>
+                <a:solidFill>
+                  <a:srgbClr val="40A070"/>
+                </a:solidFill>
+                <a:latin typeface="Courier"/>
+              </a:rPr>
+              <a:t>0</a:t>
+            </a:r>
+            <a:r>
+              <a:rPr>
+                <a:latin typeface="Courier"/>
+              </a:rPr>
+              <a:t> </a:t>
+            </a:r>
+            <a:r>
+              <a:rPr>
+                <a:solidFill>
+                  <a:srgbClr val="008000"/>
+                </a:solidFill>
+                <a:latin typeface="Courier"/>
+              </a:rPr>
+              <a:t>auto</a:t>
+            </a:r>
+            <a:r>
+              <a:rPr>
+                <a:solidFill>
+                  <a:srgbClr val="666666"/>
+                </a:solidFill>
+                <a:latin typeface="Courier"/>
+              </a:rPr>
+              <a:t>;</a:t>
+            </a:r>
+            <a:br/>
+            <a:r>
+              <a:rPr>
+                <a:latin typeface="Courier"/>
+              </a:rPr>
+              <a:t>            </a:t>
+            </a:r>
+            <a:r>
+              <a:rPr b="1">
+                <a:solidFill>
+                  <a:srgbClr val="007020"/>
+                </a:solidFill>
+                <a:latin typeface="Courier"/>
+              </a:rPr>
+              <a:t>width</a:t>
+            </a:r>
+            <a:r>
+              <a:rPr>
+                <a:latin typeface="Courier"/>
+              </a:rPr>
+              <a:t>: </a:t>
+            </a:r>
+            <a:r>
+              <a:rPr>
+                <a:solidFill>
+                  <a:srgbClr val="40A070"/>
+                </a:solidFill>
+                <a:latin typeface="Courier"/>
+              </a:rPr>
+              <a:t>66.66667</a:t>
+            </a:r>
+            <a:r>
+              <a:rPr>
+                <a:latin typeface="Courier"/>
+              </a:rPr>
+              <a:t> %</a:t>
+            </a:r>
+            <a:r>
+              <a:rPr>
+                <a:solidFill>
+                  <a:srgbClr val="666666"/>
+                </a:solidFill>
+                <a:latin typeface="Courier"/>
+              </a:rPr>
+              <a:t>;</a:t>
+            </a:r>
+            <a:br/>
+            <a:r>
+              <a:rPr>
+                <a:latin typeface="Courier"/>
+              </a:rPr>
+              <a:t>            }</a:t>
+            </a:r>
+            <a:br/>
+            <a:br/>
+            <a:r>
+              <a:rPr>
+                <a:solidFill>
+                  <a:srgbClr val="06287E"/>
+                </a:solidFill>
+                <a:latin typeface="Courier"/>
+              </a:rPr>
+              <a:t>.text-container</a:t>
+            </a:r>
+            <a:r>
+              <a:rPr>
+                <a:latin typeface="Courier"/>
+              </a:rPr>
+              <a:t>{</a:t>
+            </a:r>
+            <a:br/>
+            <a:r>
+              <a:rPr>
+                <a:latin typeface="Courier"/>
+              </a:rPr>
+              <a:t>            </a:t>
+            </a:r>
+            <a:r>
+              <a:rPr b="1">
+                <a:solidFill>
+                  <a:srgbClr val="007020"/>
+                </a:solidFill>
+                <a:latin typeface="Courier"/>
+              </a:rPr>
+              <a:t>flex</a:t>
+            </a:r>
+            <a:r>
+              <a:rPr>
+                <a:latin typeface="Courier"/>
+              </a:rPr>
+              <a:t>: </a:t>
+            </a:r>
+            <a:r>
+              <a:rPr>
+                <a:solidFill>
+                  <a:srgbClr val="40A070"/>
+                </a:solidFill>
+                <a:latin typeface="Courier"/>
+              </a:rPr>
+              <a:t>0</a:t>
+            </a:r>
+            <a:r>
+              <a:rPr>
+                <a:latin typeface="Courier"/>
+              </a:rPr>
+              <a:t> </a:t>
+            </a:r>
+            <a:r>
+              <a:rPr>
+                <a:solidFill>
+                  <a:srgbClr val="40A070"/>
+                </a:solidFill>
+                <a:latin typeface="Courier"/>
+              </a:rPr>
+              <a:t>0</a:t>
+            </a:r>
+            <a:r>
+              <a:rPr>
+                <a:latin typeface="Courier"/>
+              </a:rPr>
+              <a:t> </a:t>
+            </a:r>
+            <a:r>
+              <a:rPr>
+                <a:solidFill>
+                  <a:srgbClr val="008000"/>
+                </a:solidFill>
+                <a:latin typeface="Courier"/>
+              </a:rPr>
+              <a:t>auto</a:t>
+            </a:r>
+            <a:r>
+              <a:rPr>
+                <a:solidFill>
+                  <a:srgbClr val="666666"/>
+                </a:solidFill>
+                <a:latin typeface="Courier"/>
+              </a:rPr>
+              <a:t>;</a:t>
+            </a:r>
+            <a:br/>
+            <a:r>
+              <a:rPr>
+                <a:latin typeface="Courier"/>
+              </a:rPr>
+              <a:t>            </a:t>
+            </a:r>
+            <a:r>
+              <a:rPr b="1">
+                <a:solidFill>
+                  <a:srgbClr val="007020"/>
+                </a:solidFill>
+                <a:latin typeface="Courier"/>
+              </a:rPr>
+              <a:t>width</a:t>
+            </a:r>
+            <a:r>
+              <a:rPr>
+                <a:latin typeface="Courier"/>
+              </a:rPr>
+              <a:t>:</a:t>
+            </a:r>
+            <a:r>
+              <a:rPr>
+                <a:solidFill>
+                  <a:srgbClr val="40A070"/>
+                </a:solidFill>
+                <a:latin typeface="Courier"/>
+              </a:rPr>
+              <a:t>25</a:t>
+            </a:r>
+            <a:r>
+              <a:rPr>
+                <a:solidFill>
+                  <a:srgbClr val="902000"/>
+                </a:solidFill>
+                <a:latin typeface="Courier"/>
+              </a:rPr>
+              <a:t>%</a:t>
+            </a:r>
+            <a:r>
+              <a:rPr>
+                <a:solidFill>
+                  <a:srgbClr val="666666"/>
+                </a:solidFill>
+                <a:latin typeface="Courier"/>
+              </a:rPr>
+              <a:t>;</a:t>
+            </a:r>
+            <a:br/>
+            <a:r>
+              <a:rPr>
+                <a:latin typeface="Courier"/>
+              </a:rPr>
+              <a:t>            }</a:t>
+            </a:r>
+            <a:br/>
+            <a:r>
+              <a:rPr>
+                <a:latin typeface="Courier"/>
+              </a:rPr>
+              <a:t>}</a:t>
             </a:r>
           </a:p>
         </p:txBody>

--- a/ppt-LatinR.pptx
+++ b/ppt-LatinR.pptx
@@ -15,7 +15,6 @@
     <p:sldId id="263" r:id="rId9"/>
     <p:sldId id="264" r:id="rId10"/>
     <p:sldId id="265" r:id="rId11"/>
-    <p:sldId id="266" r:id="rId12"/>
   </p:sldIdLst>
   <p:sldSz cx="9144000" cy="5143500" type="screen16x9"/>
   <p:notesSz cx="6858000" cy="9144000"/>
@@ -3229,315 +3228,6 @@
             </a:pPr>
             <a:r>
               <a:rPr/>
-              <a:t>Solucion con media queries</a:t>
-            </a:r>
-          </a:p>
-        </p:txBody>
-      </p:sp>
-      <p:sp>
-        <p:nvSpPr>
-          <p:cNvPr id="3" name="Content Placeholder 2"/>
-          <p:cNvSpPr>
-            <a:spLocks noGrp="1"/>
-          </p:cNvSpPr>
-          <p:nvPr>
-            <p:ph idx="1"/>
-          </p:nvPr>
-        </p:nvSpPr>
-        <p:spPr/>
-        <p:txBody>
-          <a:bodyPr/>
-          <a:lstStyle/>
-          <a:p>
-            <a:pPr lvl="0" indent="0">
-              <a:buNone/>
-            </a:pPr>
-            <a:r>
-              <a:rPr>
-                <a:solidFill>
-                  <a:srgbClr val="06287E"/>
-                </a:solidFill>
-                <a:latin typeface="Courier"/>
-              </a:rPr>
-              <a:t>.progress-bar-stages</a:t>
-            </a:r>
-            <a:r>
-              <a:rPr>
-                <a:latin typeface="Courier"/>
-              </a:rPr>
-              <a:t>{</a:t>
-            </a:r>
-            <a:br/>
-            <a:r>
-              <a:rPr>
-                <a:latin typeface="Courier"/>
-              </a:rPr>
-              <a:t>          </a:t>
-            </a:r>
-            <a:r>
-              <a:rPr b="1">
-                <a:solidFill>
-                  <a:srgbClr val="007020"/>
-                </a:solidFill>
-                <a:latin typeface="Courier"/>
-              </a:rPr>
-              <a:t>visibility</a:t>
-            </a:r>
-            <a:r>
-              <a:rPr>
-                <a:latin typeface="Courier"/>
-              </a:rPr>
-              <a:t>:</a:t>
-            </a:r>
-            <a:r>
-              <a:rPr>
-                <a:solidFill>
-                  <a:srgbClr val="40A070"/>
-                </a:solidFill>
-                <a:latin typeface="Courier"/>
-              </a:rPr>
-              <a:t>hidden</a:t>
-            </a:r>
-            <a:r>
-              <a:rPr>
-                <a:solidFill>
-                  <a:srgbClr val="666666"/>
-                </a:solidFill>
-                <a:latin typeface="Courier"/>
-              </a:rPr>
-              <a:t>;</a:t>
-            </a:r>
-            <a:br/>
-            <a:r>
-              <a:rPr>
-                <a:latin typeface="Courier"/>
-              </a:rPr>
-              <a:t>}</a:t>
-            </a:r>
-            <a:br/>
-            <a:br/>
-            <a:r>
-              <a:rPr b="1">
-                <a:solidFill>
-                  <a:srgbClr val="008000"/>
-                </a:solidFill>
-                <a:latin typeface="Courier"/>
-              </a:rPr>
-              <a:t>@media</a:t>
-            </a:r>
-            <a:r>
-              <a:rPr>
-                <a:latin typeface="Courier"/>
-              </a:rPr>
-              <a:t> (</a:t>
-            </a:r>
-            <a:r>
-              <a:rPr b="1">
-                <a:solidFill>
-                  <a:srgbClr val="007020"/>
-                </a:solidFill>
-                <a:latin typeface="Courier"/>
-              </a:rPr>
-              <a:t>min-width</a:t>
-            </a:r>
-            <a:r>
-              <a:rPr>
-                <a:latin typeface="Courier"/>
-              </a:rPr>
-              <a:t>: </a:t>
-            </a:r>
-            <a:r>
-              <a:rPr>
-                <a:solidFill>
-                  <a:srgbClr val="40A070"/>
-                </a:solidFill>
-                <a:latin typeface="Courier"/>
-              </a:rPr>
-              <a:t>992</a:t>
-            </a:r>
-            <a:r>
-              <a:rPr>
-                <a:latin typeface="Courier"/>
-              </a:rPr>
-              <a:t> px) {</a:t>
-            </a:r>
-            <a:br/>
-            <a:br/>
-            <a:r>
-              <a:rPr>
-                <a:solidFill>
-                  <a:srgbClr val="06287E"/>
-                </a:solidFill>
-                <a:latin typeface="Courier"/>
-              </a:rPr>
-              <a:t>.graph-container</a:t>
-            </a:r>
-            <a:r>
-              <a:rPr>
-                <a:latin typeface="Courier"/>
-              </a:rPr>
-              <a:t>{ </a:t>
-            </a:r>
-            <a:br/>
-            <a:r>
-              <a:rPr>
-                <a:latin typeface="Courier"/>
-              </a:rPr>
-              <a:t>          </a:t>
-            </a:r>
-            <a:r>
-              <a:rPr b="1">
-                <a:solidFill>
-                  <a:srgbClr val="007020"/>
-                </a:solidFill>
-                <a:latin typeface="Courier"/>
-              </a:rPr>
-              <a:t>margin-bottom</a:t>
-            </a:r>
-            <a:r>
-              <a:rPr>
-                <a:latin typeface="Courier"/>
-              </a:rPr>
-              <a:t>: </a:t>
-            </a:r>
-            <a:r>
-              <a:rPr>
-                <a:solidFill>
-                  <a:srgbClr val="40A070"/>
-                </a:solidFill>
-                <a:latin typeface="Courier"/>
-              </a:rPr>
-              <a:t>1</a:t>
-            </a:r>
-            <a:r>
-              <a:rPr>
-                <a:solidFill>
-                  <a:srgbClr val="902000"/>
-                </a:solidFill>
-                <a:latin typeface="Courier"/>
-              </a:rPr>
-              <a:t>rem</a:t>
-            </a:r>
-            <a:r>
-              <a:rPr>
-                <a:latin typeface="Courier"/>
-              </a:rPr>
-              <a:t> </a:t>
-            </a:r>
-            <a:br/>
-            <a:r>
-              <a:rPr>
-                <a:latin typeface="Courier"/>
-              </a:rPr>
-              <a:t>          }</a:t>
-            </a:r>
-            <a:br/>
-            <a:br/>
-            <a:r>
-              <a:rPr>
-                <a:solidFill>
-                  <a:srgbClr val="06287E"/>
-                </a:solidFill>
-                <a:latin typeface="Courier"/>
-              </a:rPr>
-              <a:t>.progress-bar-stages</a:t>
-            </a:r>
-            <a:r>
-              <a:rPr>
-                <a:latin typeface="Courier"/>
-              </a:rPr>
-              <a:t>{</a:t>
-            </a:r>
-            <a:br/>
-            <a:r>
-              <a:rPr>
-                <a:latin typeface="Courier"/>
-              </a:rPr>
-              <a:t>          </a:t>
-            </a:r>
-            <a:r>
-              <a:rPr b="1">
-                <a:solidFill>
-                  <a:srgbClr val="007020"/>
-                </a:solidFill>
-                <a:latin typeface="Courier"/>
-              </a:rPr>
-              <a:t>visibility</a:t>
-            </a:r>
-            <a:r>
-              <a:rPr>
-                <a:latin typeface="Courier"/>
-              </a:rPr>
-              <a:t>:</a:t>
-            </a:r>
-            <a:r>
-              <a:rPr>
-                <a:solidFill>
-                  <a:srgbClr val="40A070"/>
-                </a:solidFill>
-                <a:latin typeface="Courier"/>
-              </a:rPr>
-              <a:t>visible</a:t>
-            </a:r>
-            <a:br/>
-            <a:r>
-              <a:rPr>
-                <a:latin typeface="Courier"/>
-              </a:rPr>
-              <a:t>            }</a:t>
-            </a:r>
-            <a:br/>
-            <a:r>
-              <a:rPr>
-                <a:latin typeface="Courier"/>
-              </a:rPr>
-              <a:t>}</a:t>
-            </a:r>
-          </a:p>
-        </p:txBody>
-      </p:sp>
-    </p:spTree>
-  </p:cSld>
-</p:sld>
-</file>
-
-<file path=ppt/slides/slide11.xml><?xml version="1.0" encoding="utf-8"?>
-<p:sld xmlns:a="http://schemas.openxmlformats.org/drawingml/2006/main" xmlns:r="http://schemas.openxmlformats.org/officeDocument/2006/relationships" xmlns:p="http://schemas.openxmlformats.org/presentationml/2006/main">
-  <p:cSld>
-    <p:spTree>
-      <p:nvGrpSpPr>
-        <p:cNvPr id="1" name=""/>
-        <p:cNvGrpSpPr/>
-        <p:nvPr/>
-      </p:nvGrpSpPr>
-      <p:grpSpPr>
-        <a:xfrm>
-          <a:off x="0" y="0"/>
-          <a:ext cx="0" cy="0"/>
-          <a:chOff x="0" y="0"/>
-          <a:chExt cx="0" cy="0"/>
-        </a:xfrm>
-      </p:grpSpPr>
-      <p:sp>
-        <p:nvSpPr>
-          <p:cNvPr id="2" name="Title 1"/>
-          <p:cNvSpPr>
-            <a:spLocks noGrp="1"/>
-          </p:cNvSpPr>
-          <p:nvPr>
-            <p:ph type="title"/>
-          </p:nvPr>
-        </p:nvSpPr>
-        <p:spPr/>
-        <p:txBody>
-          <a:bodyPr/>
-          <a:lstStyle/>
-          <a:p>
-            <a:pPr lvl="0" indent="0" marL="0">
-              <a:buNone/>
-            </a:pPr>
-            <a:r>
-              <a:rPr/>
               <a:t>¿Qué aprendimos?</a:t>
             </a:r>
           </a:p>
@@ -3727,114 +3417,14 @@
             </a:pPr>
             <a:r>
               <a:rPr/>
-              <a:t>Slide with R Output</a:t>
-            </a:r>
-          </a:p>
-        </p:txBody>
-      </p:sp>
-      <p:sp>
-        <p:nvSpPr>
-          <p:cNvPr id="3" name="Content Placeholder 2"/>
-          <p:cNvSpPr>
-            <a:spLocks noGrp="1"/>
-          </p:cNvSpPr>
-          <p:nvPr>
-            <p:ph idx="1"/>
-          </p:nvPr>
-        </p:nvSpPr>
-        <p:spPr/>
-        <p:txBody>
-          <a:bodyPr/>
-          <a:lstStyle/>
-          <a:p>
-            <a:pPr lvl="0" indent="0">
-              <a:buNone/>
-            </a:pPr>
-            <a:r>
-              <a:rPr>
-                <a:solidFill>
-                  <a:srgbClr val="06287E"/>
-                </a:solidFill>
-                <a:latin typeface="Courier"/>
-              </a:rPr>
-              <a:t>summary</a:t>
-            </a:r>
-            <a:r>
-              <a:rPr>
-                <a:latin typeface="Courier"/>
-              </a:rPr>
-              <a:t>(cars)</a:t>
-            </a:r>
-          </a:p>
-          <a:p>
-            <a:pPr lvl="0" indent="0">
-              <a:buNone/>
-            </a:pPr>
-            <a:r>
-              <a:rPr>
-                <a:latin typeface="Courier"/>
-              </a:rPr>
-              <a:t>##      speed           dist       
-##  Min.   : 4.0   Min.   :  2.00  
-##  1st Qu.:12.0   1st Qu.: 26.00  
-##  Median :15.0   Median : 36.00  
-##  Mean   :15.4   Mean   : 42.98  
-##  3rd Qu.:19.0   3rd Qu.: 56.00  
-##  Max.   :25.0   Max.   :120.00</a:t>
-            </a:r>
-          </a:p>
-        </p:txBody>
-      </p:sp>
-    </p:spTree>
-  </p:cSld>
-</p:sld>
-</file>
-
-<file path=ppt/slides/slide4.xml><?xml version="1.0" encoding="utf-8"?>
-<p:sld xmlns:a="http://schemas.openxmlformats.org/drawingml/2006/main" xmlns:r="http://schemas.openxmlformats.org/officeDocument/2006/relationships" xmlns:p="http://schemas.openxmlformats.org/presentationml/2006/main">
-  <p:cSld>
-    <p:spTree>
-      <p:nvGrpSpPr>
-        <p:cNvPr id="1" name=""/>
-        <p:cNvGrpSpPr/>
-        <p:nvPr/>
-      </p:nvGrpSpPr>
-      <p:grpSpPr>
-        <a:xfrm>
-          <a:off x="0" y="0"/>
-          <a:ext cx="0" cy="0"/>
-          <a:chOff x="0" y="0"/>
-          <a:chExt cx="0" cy="0"/>
-        </a:xfrm>
-      </p:grpSpPr>
-      <p:sp>
-        <p:nvSpPr>
-          <p:cNvPr id="2" name="Title 1"/>
-          <p:cNvSpPr>
-            <a:spLocks noGrp="1"/>
-          </p:cNvSpPr>
-          <p:nvPr>
-            <p:ph type="title"/>
-          </p:nvPr>
-        </p:nvSpPr>
-        <p:spPr/>
-        <p:txBody>
-          <a:bodyPr/>
-          <a:lstStyle/>
-          <a:p>
-            <a:pPr lvl="0" indent="0" marL="0">
-              <a:buNone/>
-            </a:pPr>
-            <a:r>
-              <a:rPr/>
-              <a:t>Slide with Plot</a:t>
+              <a:t>¿Cuál era el reto?</a:t>
             </a:r>
           </a:p>
         </p:txBody>
       </p:sp>
       <p:pic>
         <p:nvPicPr>
-          <p:cNvPr descr="ppt-LatinR_files/figure-pptx/pressure-1.png" id="0" name="Picture 1"/>
+          <p:cNvPr descr="input/ss-huella.png" id="0" name="Picture 1"/>
           <p:cNvPicPr>
             <a:picLocks noGrp="1" noChangeAspect="1"/>
           </p:cNvPicPr>
@@ -3848,8 +3438,38 @@
         </p:blipFill>
         <p:spPr bwMode="auto">
           <a:xfrm>
-            <a:off x="2451100" y="1193800"/>
-            <a:ext cx="4241800" cy="3390900"/>
+            <a:off x="457200" y="1752600"/>
+            <a:ext cx="4038600" cy="2273300"/>
+          </a:xfrm>
+          <a:prstGeom prst="rect">
+            <a:avLst/>
+          </a:prstGeom>
+          <a:noFill/>
+          <a:ln w="9525">
+            <a:noFill/>
+            <a:headEnd/>
+            <a:tailEnd/>
+          </a:ln>
+        </p:spPr>
+      </p:pic>
+      <p:pic>
+        <p:nvPicPr>
+          <p:cNvPr descr="input/ss-huella_notresp.png" id="0" name="Picture 1"/>
+          <p:cNvPicPr>
+            <a:picLocks noGrp="1" noChangeAspect="1"/>
+          </p:cNvPicPr>
+          <p:nvPr/>
+        </p:nvPicPr>
+        <p:blipFill>
+          <a:blip r:embed="rId3"/>
+          <a:stretch>
+            <a:fillRect/>
+          </a:stretch>
+        </p:blipFill>
+        <p:spPr bwMode="auto">
+          <a:xfrm>
+            <a:off x="5727700" y="1193800"/>
+            <a:ext cx="1879600" cy="3390900"/>
           </a:xfrm>
           <a:prstGeom prst="rect">
             <a:avLst/>
@@ -3867,7 +3487,7 @@
 </p:sld>
 </file>
 
-<file path=ppt/slides/slide5.xml><?xml version="1.0" encoding="utf-8"?>
+<file path=ppt/slides/slide4.xml><?xml version="1.0" encoding="utf-8"?>
 <p:sld xmlns:a="http://schemas.openxmlformats.org/drawingml/2006/main" xmlns:r="http://schemas.openxmlformats.org/officeDocument/2006/relationships" xmlns:p="http://schemas.openxmlformats.org/presentationml/2006/main">
   <p:cSld>
     <p:spTree>
@@ -3974,6 +3594,105 @@
 </p:sld>
 </file>
 
+<file path=ppt/slides/slide5.xml><?xml version="1.0" encoding="utf-8"?>
+<p:sld xmlns:a="http://schemas.openxmlformats.org/drawingml/2006/main" xmlns:r="http://schemas.openxmlformats.org/officeDocument/2006/relationships" xmlns:p="http://schemas.openxmlformats.org/presentationml/2006/main">
+  <p:cSld>
+    <p:spTree>
+      <p:nvGrpSpPr>
+        <p:cNvPr id="1" name=""/>
+        <p:cNvGrpSpPr/>
+        <p:nvPr/>
+      </p:nvGrpSpPr>
+      <p:grpSpPr>
+        <a:xfrm>
+          <a:off x="0" y="0"/>
+          <a:ext cx="0" cy="0"/>
+          <a:chOff x="0" y="0"/>
+          <a:chExt cx="0" cy="0"/>
+        </a:xfrm>
+      </p:grpSpPr>
+      <p:sp>
+        <p:nvSpPr>
+          <p:cNvPr id="2" name="Title 1"/>
+          <p:cNvSpPr>
+            <a:spLocks noGrp="1"/>
+          </p:cNvSpPr>
+          <p:nvPr>
+            <p:ph type="title"/>
+          </p:nvPr>
+        </p:nvSpPr>
+        <p:spPr/>
+        <p:txBody>
+          <a:bodyPr/>
+          <a:lstStyle/>
+          <a:p>
+            <a:pPr lvl="0" indent="0" marL="0">
+              <a:buNone/>
+            </a:pPr>
+            <a:r>
+              <a:rPr/>
+              <a:t>Una app responsive</a:t>
+            </a:r>
+          </a:p>
+        </p:txBody>
+      </p:sp>
+      <p:sp>
+        <p:nvSpPr>
+          <p:cNvPr id="3" name="Content Placeholder 2"/>
+          <p:cNvSpPr>
+            <a:spLocks noGrp="1"/>
+          </p:cNvSpPr>
+          <p:nvPr>
+            <p:ph idx="1"/>
+          </p:nvPr>
+        </p:nvSpPr>
+        <p:spPr/>
+        <p:txBody>
+          <a:bodyPr/>
+          <a:lstStyle/>
+          <a:p>
+            <a:pPr lvl="0" indent="0" marL="0">
+              <a:buNone/>
+            </a:pPr>
+            <a:r>
+              <a:rPr/>
+              <a:t>-Existe una infinidad de tamaños de resoluciones.</a:t>
+            </a:r>
+          </a:p>
+          <a:p>
+            <a:pPr lvl="0" indent="0" marL="0">
+              <a:buNone/>
+            </a:pPr>
+            <a:r>
+              <a:rPr/>
+              <a:t>-Convencionalmente se dividen en 5 grupos, marcadas por breakpoints.</a:t>
+            </a:r>
+          </a:p>
+          <a:p>
+            <a:pPr lvl="0" indent="0" marL="0">
+              <a:buNone/>
+            </a:pPr>
+            <a:r>
+              <a:rPr/>
+              <a:t>-Las clases de utilidad de bootstrap ayudan a diseñar rápidamente elementos sin usar código CSS.</a:t>
+            </a:r>
+          </a:p>
+          <a:p>
+            <a:pPr lvl="0" indent="0" marL="0">
+              <a:buNone/>
+            </a:pPr>
+            <a:r>
+              <a:rPr/>
+              <a:t>-Existen clases de utilidad responsive que combinan breakpoints y propiedades de diseño.</a:t>
+            </a:r>
+          </a:p>
+        </p:txBody>
+      </p:sp>
+    </p:spTree>
+  </p:cSld>
+</p:sld>
+</file>
+
 <file path=ppt/slides/slide6.xml><?xml version="1.0" encoding="utf-8"?>
 <p:sld xmlns:a="http://schemas.openxmlformats.org/drawingml/2006/main" xmlns:r="http://schemas.openxmlformats.org/officeDocument/2006/relationships" xmlns:p="http://schemas.openxmlformats.org/presentationml/2006/main">
   <p:cSld>
@@ -4011,7 +3730,7 @@
             </a:pPr>
             <a:r>
               <a:rPr/>
-              <a:t>¿Cuál era el reto?</a:t>
+              <a:t>Creando un layout responsive con clases de bootstrap</a:t>
             </a:r>
           </a:p>
         </p:txBody>
@@ -4031,39 +3750,236 @@
           <a:bodyPr/>
           <a:lstStyle/>
           <a:p>
-            <a:pPr lvl="0" indent="0" marL="0">
+            <a:pPr lvl="0" indent="0">
               <a:buNone/>
             </a:pPr>
-            <a:r>
-              <a:rPr/>
-              <a:t>-Existe una infinidad de tamaños de resoluciones.</a:t>
-            </a:r>
-          </a:p>
-          <a:p>
-            <a:pPr lvl="0" indent="0" marL="0">
-              <a:buNone/>
-            </a:pPr>
-            <a:r>
-              <a:rPr/>
-              <a:t>-Convencionalmente se dividen en 5 grupos, marcadas por breakpoints.</a:t>
-            </a:r>
-          </a:p>
-          <a:p>
-            <a:pPr lvl="0" indent="0" marL="0">
-              <a:buNone/>
-            </a:pPr>
-            <a:r>
-              <a:rPr/>
-              <a:t>-Las clases de utilidad de bootstrap ayudan a diseñar rápidamente elementos sin usar código CSS.</a:t>
-            </a:r>
-          </a:p>
-          <a:p>
-            <a:pPr lvl="0" indent="0" marL="0">
-              <a:buNone/>
-            </a:pPr>
-            <a:r>
-              <a:rPr/>
-              <a:t>-Existen clases de utilidad responsive que combinan breakpoints y propiedades de diseño.</a:t>
+            <a:br/>
+            <a:r>
+              <a:rPr b="1">
+                <a:solidFill>
+                  <a:srgbClr val="007020"/>
+                </a:solidFill>
+                <a:latin typeface="Courier"/>
+              </a:rPr>
+              <a:t>&lt;div</a:t>
+            </a:r>
+            <a:r>
+              <a:rPr>
+                <a:latin typeface="Courier"/>
+              </a:rPr>
+              <a:t> </a:t>
+            </a:r>
+            <a:r>
+              <a:rPr b="1">
+                <a:solidFill>
+                  <a:srgbClr val="FF0000"/>
+                </a:solidFill>
+                <a:latin typeface="Courier"/>
+              </a:rPr>
+              <a:t>class</a:t>
+            </a:r>
+            <a:r>
+              <a:rPr>
+                <a:solidFill>
+                  <a:srgbClr val="007020"/>
+                </a:solidFill>
+                <a:latin typeface="Courier"/>
+              </a:rPr>
+              <a:t>=</a:t>
+            </a:r>
+            <a:r>
+              <a:rPr>
+                <a:solidFill>
+                  <a:srgbClr val="4070A0"/>
+                </a:solidFill>
+                <a:latin typeface="Courier"/>
+              </a:rPr>
+              <a:t>"graph-container col-sm-12 col-md-9 mb-lg-3"</a:t>
+            </a:r>
+            <a:r>
+              <a:rPr b="1">
+                <a:solidFill>
+                  <a:srgbClr val="007020"/>
+                </a:solidFill>
+                <a:latin typeface="Courier"/>
+              </a:rPr>
+              <a:t>&gt;</a:t>
+            </a:r>
+            <a:r>
+              <a:rPr>
+                <a:latin typeface="Courier"/>
+              </a:rPr>
+              <a:t>...</a:t>
+            </a:r>
+            <a:r>
+              <a:rPr b="1">
+                <a:solidFill>
+                  <a:srgbClr val="007020"/>
+                </a:solidFill>
+                <a:latin typeface="Courier"/>
+              </a:rPr>
+              <a:t>&lt;/div&gt;</a:t>
+            </a:r>
+            <a:br/>
+            <a:br/>
+            <a:r>
+              <a:rPr>
+                <a:latin typeface="Courier"/>
+              </a:rPr>
+              <a:t>  </a:t>
+            </a:r>
+            <a:r>
+              <a:rPr b="1">
+                <a:solidFill>
+                  <a:srgbClr val="007020"/>
+                </a:solidFill>
+                <a:latin typeface="Courier"/>
+              </a:rPr>
+              <a:t>&lt;div</a:t>
+            </a:r>
+            <a:r>
+              <a:rPr>
+                <a:latin typeface="Courier"/>
+              </a:rPr>
+              <a:t> </a:t>
+            </a:r>
+            <a:r>
+              <a:rPr b="1">
+                <a:solidFill>
+                  <a:srgbClr val="FF0000"/>
+                </a:solidFill>
+                <a:latin typeface="Courier"/>
+              </a:rPr>
+              <a:t>class</a:t>
+            </a:r>
+            <a:r>
+              <a:rPr>
+                <a:solidFill>
+                  <a:srgbClr val="007020"/>
+                </a:solidFill>
+                <a:latin typeface="Courier"/>
+              </a:rPr>
+              <a:t>=</a:t>
+            </a:r>
+            <a:r>
+              <a:rPr>
+                <a:latin typeface="Courier"/>
+              </a:rPr>
+              <a:t> </a:t>
+            </a:r>
+            <a:r>
+              <a:rPr>
+                <a:solidFill>
+                  <a:srgbClr val="4070A0"/>
+                </a:solidFill>
+                <a:latin typeface="Courier"/>
+              </a:rPr>
+              <a:t>"text-container col-sm-12 col-md-3"</a:t>
+            </a:r>
+            <a:r>
+              <a:rPr b="1">
+                <a:solidFill>
+                  <a:srgbClr val="007020"/>
+                </a:solidFill>
+                <a:latin typeface="Courier"/>
+              </a:rPr>
+              <a:t>&gt;</a:t>
+            </a:r>
+            <a:r>
+              <a:rPr>
+                <a:latin typeface="Courier"/>
+              </a:rPr>
+              <a:t>...</a:t>
+            </a:r>
+            <a:r>
+              <a:rPr b="1">
+                <a:solidFill>
+                  <a:srgbClr val="007020"/>
+                </a:solidFill>
+                <a:latin typeface="Courier"/>
+              </a:rPr>
+              <a:t>&lt;/div&gt;</a:t>
+            </a:r>
+            <a:br/>
+            <a:br/>
+            <a:r>
+              <a:rPr b="1">
+                <a:solidFill>
+                  <a:srgbClr val="007020"/>
+                </a:solidFill>
+                <a:latin typeface="Courier"/>
+              </a:rPr>
+              <a:t>&lt;div</a:t>
+            </a:r>
+            <a:r>
+              <a:rPr>
+                <a:latin typeface="Courier"/>
+              </a:rPr>
+              <a:t> </a:t>
+            </a:r>
+            <a:r>
+              <a:rPr b="1">
+                <a:solidFill>
+                  <a:srgbClr val="FF0000"/>
+                </a:solidFill>
+                <a:latin typeface="Courier"/>
+              </a:rPr>
+              <a:t>class</a:t>
+            </a:r>
+            <a:r>
+              <a:rPr>
+                <a:solidFill>
+                  <a:srgbClr val="007020"/>
+                </a:solidFill>
+                <a:latin typeface="Courier"/>
+              </a:rPr>
+              <a:t>=</a:t>
+            </a:r>
+            <a:r>
+              <a:rPr>
+                <a:latin typeface="Courier"/>
+              </a:rPr>
+              <a:t> </a:t>
+            </a:r>
+            <a:r>
+              <a:rPr>
+                <a:solidFill>
+                  <a:srgbClr val="4070A0"/>
+                </a:solidFill>
+                <a:latin typeface="Courier"/>
+              </a:rPr>
+              <a:t>"progress-bar-stages d-none d-lg-flex"</a:t>
+            </a:r>
+            <a:r>
+              <a:rPr b="1">
+                <a:solidFill>
+                  <a:srgbClr val="007020"/>
+                </a:solidFill>
+                <a:latin typeface="Courier"/>
+              </a:rPr>
+              <a:t>&gt;</a:t>
+            </a:r>
+            <a:r>
+              <a:rPr>
+                <a:latin typeface="Courier"/>
+              </a:rPr>
+              <a:t>...</a:t>
+            </a:r>
+            <a:r>
+              <a:rPr b="1">
+                <a:solidFill>
+                  <a:srgbClr val="007020"/>
+                </a:solidFill>
+                <a:latin typeface="Courier"/>
+              </a:rPr>
+              <a:t>&lt;/div&gt;</a:t>
+            </a:r>
+            <a:br/>
+            <a:r>
+              <a:rPr>
+                <a:latin typeface="Courier"/>
+              </a:rPr>
+              <a:t> </a:t>
             </a:r>
           </a:p>
         </p:txBody>
@@ -4110,7 +4026,7 @@
             </a:pPr>
             <a:r>
               <a:rPr/>
-              <a:t>Creando un layout responsive con clases de bootstrap</a:t>
+              <a:t>¿Cuál era la alternativa?</a:t>
             </a:r>
           </a:p>
         </p:txBody>
@@ -4130,236 +4046,21 @@
           <a:bodyPr/>
           <a:lstStyle/>
           <a:p>
-            <a:pPr lvl="0" indent="0">
+            <a:pPr lvl="0" indent="0" marL="0">
               <a:buNone/>
             </a:pPr>
-            <a:br/>
-            <a:r>
-              <a:rPr b="1">
-                <a:solidFill>
-                  <a:srgbClr val="007020"/>
-                </a:solidFill>
-                <a:latin typeface="Courier"/>
-              </a:rPr>
-              <a:t>&lt;div</a:t>
-            </a:r>
-            <a:r>
-              <a:rPr>
-                <a:latin typeface="Courier"/>
-              </a:rPr>
-              <a:t> </a:t>
-            </a:r>
-            <a:r>
-              <a:rPr b="1">
-                <a:solidFill>
-                  <a:srgbClr val="FF0000"/>
-                </a:solidFill>
-                <a:latin typeface="Courier"/>
-              </a:rPr>
-              <a:t>class</a:t>
-            </a:r>
-            <a:r>
-              <a:rPr>
-                <a:solidFill>
-                  <a:srgbClr val="007020"/>
-                </a:solidFill>
-                <a:latin typeface="Courier"/>
-              </a:rPr>
-              <a:t>=</a:t>
-            </a:r>
-            <a:r>
-              <a:rPr>
-                <a:solidFill>
-                  <a:srgbClr val="4070A0"/>
-                </a:solidFill>
-                <a:latin typeface="Courier"/>
-              </a:rPr>
-              <a:t>"graph-container col-sm-12 col-md-9 mb-lg-3"</a:t>
-            </a:r>
-            <a:r>
-              <a:rPr b="1">
-                <a:solidFill>
-                  <a:srgbClr val="007020"/>
-                </a:solidFill>
-                <a:latin typeface="Courier"/>
-              </a:rPr>
-              <a:t>&gt;</a:t>
-            </a:r>
-            <a:r>
-              <a:rPr>
-                <a:latin typeface="Courier"/>
-              </a:rPr>
-              <a:t>...</a:t>
-            </a:r>
-            <a:r>
-              <a:rPr b="1">
-                <a:solidFill>
-                  <a:srgbClr val="007020"/>
-                </a:solidFill>
-                <a:latin typeface="Courier"/>
-              </a:rPr>
-              <a:t>&lt;/div&gt;</a:t>
-            </a:r>
-            <a:br/>
-            <a:br/>
-            <a:r>
-              <a:rPr>
-                <a:latin typeface="Courier"/>
-              </a:rPr>
-              <a:t>  </a:t>
-            </a:r>
-            <a:r>
-              <a:rPr b="1">
-                <a:solidFill>
-                  <a:srgbClr val="007020"/>
-                </a:solidFill>
-                <a:latin typeface="Courier"/>
-              </a:rPr>
-              <a:t>&lt;div</a:t>
-            </a:r>
-            <a:r>
-              <a:rPr>
-                <a:latin typeface="Courier"/>
-              </a:rPr>
-              <a:t> </a:t>
-            </a:r>
-            <a:r>
-              <a:rPr b="1">
-                <a:solidFill>
-                  <a:srgbClr val="FF0000"/>
-                </a:solidFill>
-                <a:latin typeface="Courier"/>
-              </a:rPr>
-              <a:t>class</a:t>
-            </a:r>
-            <a:r>
-              <a:rPr>
-                <a:solidFill>
-                  <a:srgbClr val="007020"/>
-                </a:solidFill>
-                <a:latin typeface="Courier"/>
-              </a:rPr>
-              <a:t>=</a:t>
-            </a:r>
-            <a:r>
-              <a:rPr>
-                <a:latin typeface="Courier"/>
-              </a:rPr>
-              <a:t> </a:t>
-            </a:r>
-            <a:r>
-              <a:rPr>
-                <a:solidFill>
-                  <a:srgbClr val="4070A0"/>
-                </a:solidFill>
-                <a:latin typeface="Courier"/>
-              </a:rPr>
-              <a:t>"text-container col-sm-12 col-md-3"</a:t>
-            </a:r>
-            <a:r>
-              <a:rPr b="1">
-                <a:solidFill>
-                  <a:srgbClr val="007020"/>
-                </a:solidFill>
-                <a:latin typeface="Courier"/>
-              </a:rPr>
-              <a:t>&gt;</a:t>
-            </a:r>
-            <a:r>
-              <a:rPr>
-                <a:latin typeface="Courier"/>
-              </a:rPr>
-              <a:t>...</a:t>
-            </a:r>
-            <a:r>
-              <a:rPr b="1">
-                <a:solidFill>
-                  <a:srgbClr val="007020"/>
-                </a:solidFill>
-                <a:latin typeface="Courier"/>
-              </a:rPr>
-              <a:t>&lt;/div&gt;</a:t>
-            </a:r>
-            <a:br/>
-            <a:br/>
-            <a:r>
-              <a:rPr b="1">
-                <a:solidFill>
-                  <a:srgbClr val="007020"/>
-                </a:solidFill>
-                <a:latin typeface="Courier"/>
-              </a:rPr>
-              <a:t>&lt;div</a:t>
-            </a:r>
-            <a:r>
-              <a:rPr>
-                <a:latin typeface="Courier"/>
-              </a:rPr>
-              <a:t> </a:t>
-            </a:r>
-            <a:r>
-              <a:rPr b="1">
-                <a:solidFill>
-                  <a:srgbClr val="FF0000"/>
-                </a:solidFill>
-                <a:latin typeface="Courier"/>
-              </a:rPr>
-              <a:t>class</a:t>
-            </a:r>
-            <a:r>
-              <a:rPr>
-                <a:solidFill>
-                  <a:srgbClr val="007020"/>
-                </a:solidFill>
-                <a:latin typeface="Courier"/>
-              </a:rPr>
-              <a:t>=</a:t>
-            </a:r>
-            <a:r>
-              <a:rPr>
-                <a:latin typeface="Courier"/>
-              </a:rPr>
-              <a:t> </a:t>
-            </a:r>
-            <a:r>
-              <a:rPr>
-                <a:solidFill>
-                  <a:srgbClr val="4070A0"/>
-                </a:solidFill>
-                <a:latin typeface="Courier"/>
-              </a:rPr>
-              <a:t>"progress-bar-stages d-none d-lg-flex"</a:t>
-            </a:r>
-            <a:r>
-              <a:rPr b="1">
-                <a:solidFill>
-                  <a:srgbClr val="007020"/>
-                </a:solidFill>
-                <a:latin typeface="Courier"/>
-              </a:rPr>
-              <a:t>&gt;</a:t>
-            </a:r>
-            <a:r>
-              <a:rPr>
-                <a:latin typeface="Courier"/>
-              </a:rPr>
-              <a:t>...</a:t>
-            </a:r>
-            <a:r>
-              <a:rPr b="1">
-                <a:solidFill>
-                  <a:srgbClr val="007020"/>
-                </a:solidFill>
-                <a:latin typeface="Courier"/>
-              </a:rPr>
-              <a:t>&lt;/div&gt;</a:t>
-            </a:r>
-            <a:br/>
-            <a:r>
-              <a:rPr>
-                <a:latin typeface="Courier"/>
-              </a:rPr>
-              <a:t> </a:t>
+            <a:r>
+              <a:rPr/>
+              <a:t>1.Establecer en el archivo .html y .css el código y las clases para un layout base (convencionalmente se usa mobile)</a:t>
+            </a:r>
+          </a:p>
+          <a:p>
+            <a:pPr lvl="0" indent="0" marL="0">
+              <a:buNone/>
+            </a:pPr>
+            <a:r>
+              <a:rPr/>
+              <a:t>2.Generar media queries ajustando las propiedades de los elementos para todas las resoluciones diferentes a la base.</a:t>
             </a:r>
           </a:p>
         </p:txBody>
@@ -4406,7 +4107,7 @@
             </a:pPr>
             <a:r>
               <a:rPr/>
-              <a:t>¿Cuál era la alternativa?</a:t>
+              <a:t>Solucion con media queries</a:t>
             </a:r>
           </a:p>
         </p:txBody>
@@ -4426,21 +4127,344 @@
           <a:bodyPr/>
           <a:lstStyle/>
           <a:p>
-            <a:pPr lvl="0" indent="0" marL="0">
+            <a:pPr lvl="0" indent="0">
               <a:buNone/>
             </a:pPr>
-            <a:r>
-              <a:rPr/>
-              <a:t>1.Establecer en el archivo .html y .css el código y las clases para un layout base (convencionalmente se usa mobile)</a:t>
-            </a:r>
-          </a:p>
-          <a:p>
-            <a:pPr lvl="0" indent="0" marL="0">
-              <a:buNone/>
-            </a:pPr>
-            <a:r>
-              <a:rPr/>
-              <a:t>2.Generar media queries ajustando las propiedades de los elementos para todas las resoluciones diferentes a la base.</a:t>
+            <a:br/>
+            <a:r>
+              <a:rPr b="1">
+                <a:solidFill>
+                  <a:srgbClr val="008000"/>
+                </a:solidFill>
+                <a:latin typeface="Courier"/>
+              </a:rPr>
+              <a:t>@media</a:t>
+            </a:r>
+            <a:r>
+              <a:rPr>
+                <a:latin typeface="Courier"/>
+              </a:rPr>
+              <a:t> (</a:t>
+            </a:r>
+            <a:r>
+              <a:rPr b="1">
+                <a:solidFill>
+                  <a:srgbClr val="007020"/>
+                </a:solidFill>
+                <a:latin typeface="Courier"/>
+              </a:rPr>
+              <a:t>min-width</a:t>
+            </a:r>
+            <a:r>
+              <a:rPr>
+                <a:latin typeface="Courier"/>
+              </a:rPr>
+              <a:t>: </a:t>
+            </a:r>
+            <a:r>
+              <a:rPr>
+                <a:solidFill>
+                  <a:srgbClr val="40A070"/>
+                </a:solidFill>
+                <a:latin typeface="Courier"/>
+              </a:rPr>
+              <a:t>768</a:t>
+            </a:r>
+            <a:r>
+              <a:rPr>
+                <a:latin typeface="Courier"/>
+              </a:rPr>
+              <a:t> px) {</a:t>
+            </a:r>
+            <a:br/>
+            <a:br/>
+            <a:r>
+              <a:rPr>
+                <a:solidFill>
+                  <a:srgbClr val="06287E"/>
+                </a:solidFill>
+                <a:latin typeface="Courier"/>
+              </a:rPr>
+              <a:t>.graph-container</a:t>
+            </a:r>
+            <a:r>
+              <a:rPr>
+                <a:latin typeface="Courier"/>
+              </a:rPr>
+              <a:t>{</a:t>
+            </a:r>
+            <a:br/>
+            <a:r>
+              <a:rPr>
+                <a:latin typeface="Courier"/>
+              </a:rPr>
+              <a:t>            </a:t>
+            </a:r>
+            <a:r>
+              <a:rPr b="1">
+                <a:solidFill>
+                  <a:srgbClr val="007020"/>
+                </a:solidFill>
+                <a:latin typeface="Courier"/>
+              </a:rPr>
+              <a:t>flex</a:t>
+            </a:r>
+            <a:r>
+              <a:rPr>
+                <a:latin typeface="Courier"/>
+              </a:rPr>
+              <a:t>: </a:t>
+            </a:r>
+            <a:r>
+              <a:rPr>
+                <a:solidFill>
+                  <a:srgbClr val="40A070"/>
+                </a:solidFill>
+                <a:latin typeface="Courier"/>
+              </a:rPr>
+              <a:t>0</a:t>
+            </a:r>
+            <a:r>
+              <a:rPr>
+                <a:latin typeface="Courier"/>
+              </a:rPr>
+              <a:t> </a:t>
+            </a:r>
+            <a:r>
+              <a:rPr>
+                <a:solidFill>
+                  <a:srgbClr val="40A070"/>
+                </a:solidFill>
+                <a:latin typeface="Courier"/>
+              </a:rPr>
+              <a:t>0</a:t>
+            </a:r>
+            <a:r>
+              <a:rPr>
+                <a:latin typeface="Courier"/>
+              </a:rPr>
+              <a:t> </a:t>
+            </a:r>
+            <a:r>
+              <a:rPr>
+                <a:solidFill>
+                  <a:srgbClr val="008000"/>
+                </a:solidFill>
+                <a:latin typeface="Courier"/>
+              </a:rPr>
+              <a:t>auto</a:t>
+            </a:r>
+            <a:r>
+              <a:rPr>
+                <a:solidFill>
+                  <a:srgbClr val="666666"/>
+                </a:solidFill>
+                <a:latin typeface="Courier"/>
+              </a:rPr>
+              <a:t>;</a:t>
+            </a:r>
+            <a:br/>
+            <a:r>
+              <a:rPr>
+                <a:latin typeface="Courier"/>
+              </a:rPr>
+              <a:t>            </a:t>
+            </a:r>
+            <a:r>
+              <a:rPr b="1">
+                <a:solidFill>
+                  <a:srgbClr val="007020"/>
+                </a:solidFill>
+                <a:latin typeface="Courier"/>
+              </a:rPr>
+              <a:t>width</a:t>
+            </a:r>
+            <a:r>
+              <a:rPr>
+                <a:latin typeface="Courier"/>
+              </a:rPr>
+              <a:t>: </a:t>
+            </a:r>
+            <a:r>
+              <a:rPr>
+                <a:solidFill>
+                  <a:srgbClr val="40A070"/>
+                </a:solidFill>
+                <a:latin typeface="Courier"/>
+              </a:rPr>
+              <a:t>66.66667</a:t>
+            </a:r>
+            <a:r>
+              <a:rPr>
+                <a:latin typeface="Courier"/>
+              </a:rPr>
+              <a:t> %</a:t>
+            </a:r>
+            <a:r>
+              <a:rPr>
+                <a:solidFill>
+                  <a:srgbClr val="666666"/>
+                </a:solidFill>
+                <a:latin typeface="Courier"/>
+              </a:rPr>
+              <a:t>;</a:t>
+            </a:r>
+            <a:br/>
+            <a:r>
+              <a:rPr>
+                <a:latin typeface="Courier"/>
+              </a:rPr>
+              <a:t>            }</a:t>
+            </a:r>
+            <a:br/>
+            <a:br/>
+            <a:r>
+              <a:rPr>
+                <a:solidFill>
+                  <a:srgbClr val="06287E"/>
+                </a:solidFill>
+                <a:latin typeface="Courier"/>
+              </a:rPr>
+              <a:t>.text-container</a:t>
+            </a:r>
+            <a:r>
+              <a:rPr>
+                <a:latin typeface="Courier"/>
+              </a:rPr>
+              <a:t>{</a:t>
+            </a:r>
+            <a:br/>
+            <a:r>
+              <a:rPr>
+                <a:latin typeface="Courier"/>
+              </a:rPr>
+              <a:t>            </a:t>
+            </a:r>
+            <a:r>
+              <a:rPr b="1">
+                <a:solidFill>
+                  <a:srgbClr val="007020"/>
+                </a:solidFill>
+                <a:latin typeface="Courier"/>
+              </a:rPr>
+              <a:t>flex</a:t>
+            </a:r>
+            <a:r>
+              <a:rPr>
+                <a:latin typeface="Courier"/>
+              </a:rPr>
+              <a:t>: </a:t>
+            </a:r>
+            <a:r>
+              <a:rPr>
+                <a:solidFill>
+                  <a:srgbClr val="40A070"/>
+                </a:solidFill>
+                <a:latin typeface="Courier"/>
+              </a:rPr>
+              <a:t>0</a:t>
+            </a:r>
+            <a:r>
+              <a:rPr>
+                <a:latin typeface="Courier"/>
+              </a:rPr>
+              <a:t> </a:t>
+            </a:r>
+            <a:r>
+              <a:rPr>
+                <a:solidFill>
+                  <a:srgbClr val="40A070"/>
+                </a:solidFill>
+                <a:latin typeface="Courier"/>
+              </a:rPr>
+              <a:t>0</a:t>
+            </a:r>
+            <a:r>
+              <a:rPr>
+                <a:latin typeface="Courier"/>
+              </a:rPr>
+              <a:t> </a:t>
+            </a:r>
+            <a:r>
+              <a:rPr>
+                <a:solidFill>
+                  <a:srgbClr val="008000"/>
+                </a:solidFill>
+                <a:latin typeface="Courier"/>
+              </a:rPr>
+              <a:t>auto</a:t>
+            </a:r>
+            <a:r>
+              <a:rPr>
+                <a:solidFill>
+                  <a:srgbClr val="666666"/>
+                </a:solidFill>
+                <a:latin typeface="Courier"/>
+              </a:rPr>
+              <a:t>;</a:t>
+            </a:r>
+            <a:br/>
+            <a:r>
+              <a:rPr>
+                <a:latin typeface="Courier"/>
+              </a:rPr>
+              <a:t>            </a:t>
+            </a:r>
+            <a:r>
+              <a:rPr b="1">
+                <a:solidFill>
+                  <a:srgbClr val="007020"/>
+                </a:solidFill>
+                <a:latin typeface="Courier"/>
+              </a:rPr>
+              <a:t>width</a:t>
+            </a:r>
+            <a:r>
+              <a:rPr>
+                <a:latin typeface="Courier"/>
+              </a:rPr>
+              <a:t>:</a:t>
+            </a:r>
+            <a:r>
+              <a:rPr>
+                <a:solidFill>
+                  <a:srgbClr val="40A070"/>
+                </a:solidFill>
+                <a:latin typeface="Courier"/>
+              </a:rPr>
+              <a:t>25</a:t>
+            </a:r>
+            <a:r>
+              <a:rPr>
+                <a:solidFill>
+                  <a:srgbClr val="902000"/>
+                </a:solidFill>
+                <a:latin typeface="Courier"/>
+              </a:rPr>
+              <a:t>%</a:t>
+            </a:r>
+            <a:r>
+              <a:rPr>
+                <a:solidFill>
+                  <a:srgbClr val="666666"/>
+                </a:solidFill>
+                <a:latin typeface="Courier"/>
+              </a:rPr>
+              <a:t>;</a:t>
+            </a:r>
+            <a:br/>
+            <a:r>
+              <a:rPr>
+                <a:latin typeface="Courier"/>
+              </a:rPr>
+              <a:t>            }</a:t>
+            </a:r>
+            <a:br/>
+            <a:r>
+              <a:rPr>
+                <a:latin typeface="Courier"/>
+              </a:rPr>
+              <a:t>}</a:t>
             </a:r>
           </a:p>
         </p:txBody>
@@ -4510,36 +4534,42 @@
             <a:pPr lvl="0" indent="0">
               <a:buNone/>
             </a:pPr>
+            <a:r>
+              <a:rPr>
+                <a:solidFill>
+                  <a:srgbClr val="06287E"/>
+                </a:solidFill>
+                <a:latin typeface="Courier"/>
+              </a:rPr>
+              <a:t>.progress-bar-stages</a:t>
+            </a:r>
+            <a:r>
+              <a:rPr>
+                <a:latin typeface="Courier"/>
+              </a:rPr>
+              <a:t>{</a:t>
+            </a:r>
             <a:br/>
             <a:r>
+              <a:rPr>
+                <a:latin typeface="Courier"/>
+              </a:rPr>
+              <a:t>          </a:t>
+            </a:r>
+            <a:r>
               <a:rPr b="1">
                 <a:solidFill>
-                  <a:srgbClr val="008000"/>
-                </a:solidFill>
-                <a:latin typeface="Courier"/>
-              </a:rPr>
-              <a:t>@media</a:t>
-            </a:r>
-            <a:r>
-              <a:rPr>
-                <a:latin typeface="Courier"/>
-              </a:rPr>
-              <a:t> (</a:t>
-            </a:r>
-            <a:r>
-              <a:rPr b="1">
-                <a:solidFill>
                   <a:srgbClr val="007020"/>
                 </a:solidFill>
                 <a:latin typeface="Courier"/>
               </a:rPr>
-              <a:t>min-width</a:t>
-            </a:r>
-            <a:r>
-              <a:rPr>
-                <a:latin typeface="Courier"/>
-              </a:rPr>
-              <a:t>: </a:t>
+              <a:t>visibility</a:t>
+            </a:r>
+            <a:r>
+              <a:rPr>
+                <a:latin typeface="Courier"/>
+              </a:rPr>
+              <a:t>:</a:t>
             </a:r>
             <a:r>
               <a:rPr>
@@ -4548,46 +4578,49 @@
                 </a:solidFill>
                 <a:latin typeface="Courier"/>
               </a:rPr>
-              <a:t>768</a:t>
-            </a:r>
-            <a:r>
-              <a:rPr>
-                <a:latin typeface="Courier"/>
-              </a:rPr>
-              <a:t> px) {</a:t>
+              <a:t>hidden</a:t>
+            </a:r>
+            <a:r>
+              <a:rPr>
+                <a:solidFill>
+                  <a:srgbClr val="666666"/>
+                </a:solidFill>
+                <a:latin typeface="Courier"/>
+              </a:rPr>
+              <a:t>;</a:t>
+            </a:r>
+            <a:br/>
+            <a:r>
+              <a:rPr>
+                <a:latin typeface="Courier"/>
+              </a:rPr>
+              <a:t>}</a:t>
             </a:r>
             <a:br/>
             <a:br/>
             <a:r>
-              <a:rPr>
-                <a:solidFill>
-                  <a:srgbClr val="06287E"/>
-                </a:solidFill>
-                <a:latin typeface="Courier"/>
-              </a:rPr>
-              <a:t>.graph-container</a:t>
-            </a:r>
-            <a:r>
-              <a:rPr>
-                <a:latin typeface="Courier"/>
-              </a:rPr>
-              <a:t>{</a:t>
-            </a:r>
-            <a:br/>
-            <a:r>
-              <a:rPr>
-                <a:latin typeface="Courier"/>
-              </a:rPr>
-              <a:t>            </a:t>
-            </a:r>
-            <a:r>
               <a:rPr b="1">
                 <a:solidFill>
+                  <a:srgbClr val="008000"/>
+                </a:solidFill>
+                <a:latin typeface="Courier"/>
+              </a:rPr>
+              <a:t>@media</a:t>
+            </a:r>
+            <a:r>
+              <a:rPr>
+                <a:latin typeface="Courier"/>
+              </a:rPr>
+              <a:t> (</a:t>
+            </a:r>
+            <a:r>
+              <a:rPr b="1">
+                <a:solidFill>
                   <a:srgbClr val="007020"/>
                 </a:solidFill>
                 <a:latin typeface="Courier"/>
               </a:rPr>
-              <a:t>flex</a:t>
+              <a:t>min-width</a:t>
             </a:r>
             <a:r>
               <a:rPr>
@@ -4602,99 +4635,13 @@
                 </a:solidFill>
                 <a:latin typeface="Courier"/>
               </a:rPr>
-              <a:t>0</a:t>
-            </a:r>
-            <a:r>
-              <a:rPr>
-                <a:latin typeface="Courier"/>
-              </a:rPr>
-              <a:t> </a:t>
-            </a:r>
-            <a:r>
-              <a:rPr>
-                <a:solidFill>
-                  <a:srgbClr val="40A070"/>
-                </a:solidFill>
-                <a:latin typeface="Courier"/>
-              </a:rPr>
-              <a:t>0</a:t>
-            </a:r>
-            <a:r>
-              <a:rPr>
-                <a:latin typeface="Courier"/>
-              </a:rPr>
-              <a:t> </a:t>
-            </a:r>
-            <a:r>
-              <a:rPr>
-                <a:solidFill>
-                  <a:srgbClr val="008000"/>
-                </a:solidFill>
-                <a:latin typeface="Courier"/>
-              </a:rPr>
-              <a:t>auto</a:t>
-            </a:r>
-            <a:r>
-              <a:rPr>
-                <a:solidFill>
-                  <a:srgbClr val="666666"/>
-                </a:solidFill>
-                <a:latin typeface="Courier"/>
-              </a:rPr>
-              <a:t>;</a:t>
-            </a:r>
-            <a:br/>
-            <a:r>
-              <a:rPr>
-                <a:latin typeface="Courier"/>
-              </a:rPr>
-              <a:t>            </a:t>
-            </a:r>
-            <a:r>
-              <a:rPr b="1">
-                <a:solidFill>
-                  <a:srgbClr val="007020"/>
-                </a:solidFill>
-                <a:latin typeface="Courier"/>
-              </a:rPr>
-              <a:t>width</a:t>
-            </a:r>
-            <a:r>
-              <a:rPr>
-                <a:latin typeface="Courier"/>
-              </a:rPr>
-              <a:t>: </a:t>
-            </a:r>
-            <a:r>
-              <a:rPr>
-                <a:solidFill>
-                  <a:srgbClr val="40A070"/>
-                </a:solidFill>
-                <a:latin typeface="Courier"/>
-              </a:rPr>
-              <a:t>66.66667</a:t>
-            </a:r>
-            <a:r>
-              <a:rPr>
-                <a:latin typeface="Courier"/>
-              </a:rPr>
-              <a:t> %</a:t>
-            </a:r>
-            <a:r>
-              <a:rPr>
-                <a:solidFill>
-                  <a:srgbClr val="666666"/>
-                </a:solidFill>
-                <a:latin typeface="Courier"/>
-              </a:rPr>
-              <a:t>;</a:t>
-            </a:r>
-            <a:br/>
-            <a:r>
-              <a:rPr>
-                <a:latin typeface="Courier"/>
-              </a:rPr>
-              <a:t>            }</a:t>
+              <a:t>992</a:t>
+            </a:r>
+            <a:r>
+              <a:rPr>
+                <a:latin typeface="Courier"/>
+              </a:rPr>
+              <a:t> px) {</a:t>
             </a:r>
             <a:br/>
             <a:br/>
@@ -4705,7 +4652,77 @@
                 </a:solidFill>
                 <a:latin typeface="Courier"/>
               </a:rPr>
-              <a:t>.text-container</a:t>
+              <a:t>.graph-container</a:t>
+            </a:r>
+            <a:r>
+              <a:rPr>
+                <a:latin typeface="Courier"/>
+              </a:rPr>
+              <a:t>{ </a:t>
+            </a:r>
+            <a:br/>
+            <a:r>
+              <a:rPr>
+                <a:latin typeface="Courier"/>
+              </a:rPr>
+              <a:t>          </a:t>
+            </a:r>
+            <a:r>
+              <a:rPr b="1">
+                <a:solidFill>
+                  <a:srgbClr val="007020"/>
+                </a:solidFill>
+                <a:latin typeface="Courier"/>
+              </a:rPr>
+              <a:t>margin-bottom</a:t>
+            </a:r>
+            <a:r>
+              <a:rPr>
+                <a:latin typeface="Courier"/>
+              </a:rPr>
+              <a:t>: </a:t>
+            </a:r>
+            <a:r>
+              <a:rPr>
+                <a:solidFill>
+                  <a:srgbClr val="40A070"/>
+                </a:solidFill>
+                <a:latin typeface="Courier"/>
+              </a:rPr>
+              <a:t>1</a:t>
+            </a:r>
+            <a:r>
+              <a:rPr>
+                <a:solidFill>
+                  <a:srgbClr val="902000"/>
+                </a:solidFill>
+                <a:latin typeface="Courier"/>
+              </a:rPr>
+              <a:t>rem</a:t>
+            </a:r>
+            <a:r>
+              <a:rPr>
+                <a:latin typeface="Courier"/>
+              </a:rPr>
+              <a:t> </a:t>
+            </a:r>
+            <a:br/>
+            <a:r>
+              <a:rPr>
+                <a:latin typeface="Courier"/>
+              </a:rPr>
+              <a:t>          }</a:t>
+            </a:r>
+            <a:br/>
+            <a:br/>
+            <a:r>
+              <a:rPr>
+                <a:solidFill>
+                  <a:srgbClr val="06287E"/>
+                </a:solidFill>
+                <a:latin typeface="Courier"/>
+              </a:rPr>
+              <a:t>.progress-bar-stages</a:t>
             </a:r>
             <a:r>
               <a:rPr>
@@ -4718,7 +4735,7 @@
               <a:rPr>
                 <a:latin typeface="Courier"/>
               </a:rPr>
-              <a:t>            </a:t>
+              <a:t>          </a:t>
             </a:r>
             <a:r>
               <a:rPr b="1">
@@ -4727,13 +4744,13 @@
                 </a:solidFill>
                 <a:latin typeface="Courier"/>
               </a:rPr>
-              <a:t>flex</a:t>
-            </a:r>
-            <a:r>
-              <a:rPr>
-                <a:latin typeface="Courier"/>
-              </a:rPr>
-              <a:t>: </a:t>
+              <a:t>visibility</a:t>
+            </a:r>
+            <a:r>
+              <a:rPr>
+                <a:latin typeface="Courier"/>
+              </a:rPr>
+              <a:t>:</a:t>
             </a:r>
             <a:r>
               <a:rPr>
@@ -4742,95 +4759,7 @@
                 </a:solidFill>
                 <a:latin typeface="Courier"/>
               </a:rPr>
-              <a:t>0</a:t>
-            </a:r>
-            <a:r>
-              <a:rPr>
-                <a:latin typeface="Courier"/>
-              </a:rPr>
-              <a:t> </a:t>
-            </a:r>
-            <a:r>
-              <a:rPr>
-                <a:solidFill>
-                  <a:srgbClr val="40A070"/>
-                </a:solidFill>
-                <a:latin typeface="Courier"/>
-              </a:rPr>
-              <a:t>0</a:t>
-            </a:r>
-            <a:r>
-              <a:rPr>
-                <a:latin typeface="Courier"/>
-              </a:rPr>
-              <a:t> </a:t>
-            </a:r>
-            <a:r>
-              <a:rPr>
-                <a:solidFill>
-                  <a:srgbClr val="008000"/>
-                </a:solidFill>
-                <a:latin typeface="Courier"/>
-              </a:rPr>
-              <a:t>auto</a:t>
-            </a:r>
-            <a:r>
-              <a:rPr>
-                <a:solidFill>
-                  <a:srgbClr val="666666"/>
-                </a:solidFill>
-                <a:latin typeface="Courier"/>
-              </a:rPr>
-              <a:t>;</a:t>
-            </a:r>
-            <a:br/>
-            <a:r>
-              <a:rPr>
-                <a:latin typeface="Courier"/>
-              </a:rPr>
-              <a:t>            </a:t>
-            </a:r>
-            <a:r>
-              <a:rPr b="1">
-                <a:solidFill>
-                  <a:srgbClr val="007020"/>
-                </a:solidFill>
-                <a:latin typeface="Courier"/>
-              </a:rPr>
-              <a:t>width</a:t>
-            </a:r>
-            <a:r>
-              <a:rPr>
-                <a:latin typeface="Courier"/>
-              </a:rPr>
-              <a:t>:</a:t>
-            </a:r>
-            <a:r>
-              <a:rPr>
-                <a:solidFill>
-                  <a:srgbClr val="40A070"/>
-                </a:solidFill>
-                <a:latin typeface="Courier"/>
-              </a:rPr>
-              <a:t>25</a:t>
-            </a:r>
-            <a:r>
-              <a:rPr>
-                <a:solidFill>
-                  <a:srgbClr val="902000"/>
-                </a:solidFill>
-                <a:latin typeface="Courier"/>
-              </a:rPr>
-              <a:t>%</a:t>
-            </a:r>
-            <a:r>
-              <a:rPr>
-                <a:solidFill>
-                  <a:srgbClr val="666666"/>
-                </a:solidFill>
-                <a:latin typeface="Courier"/>
-              </a:rPr>
-              <a:t>;</a:t>
+              <a:t>visible</a:t>
             </a:r>
             <a:br/>
             <a:r>

--- a/ppt-LatinR.pptx
+++ b/ppt-LatinR.pptx
@@ -4337,7 +4337,7 @@
               <a:t>¿Cómo </a:t>
             </a:r>
             <a:r>
-              <a:rPr i="1"/>
+              <a:rPr b="1"/>
               <a:t>sensibilizar</a:t>
             </a:r>
             <a:r>
